--- a/CalendarioAgo21/Ejercicios/Ejercicio16/Ejer16.pptx
+++ b/CalendarioAgo21/Ejercicios/Ejercicio16/Ejer16.pptx
@@ -5,7 +5,7 @@
     <p:sldMasterId id="2147483648" r:id="rId1"/>
   </p:sldMasterIdLst>
   <p:notesMasterIdLst>
-    <p:notesMasterId r:id="rId27"/>
+    <p:notesMasterId r:id="rId28"/>
   </p:notesMasterIdLst>
   <p:sldIdLst>
     <p:sldId id="256" r:id="rId2"/>
@@ -31,8 +31,9 @@
     <p:sldId id="358" r:id="rId22"/>
     <p:sldId id="360" r:id="rId23"/>
     <p:sldId id="361" r:id="rId24"/>
-    <p:sldId id="359" r:id="rId25"/>
-    <p:sldId id="335" r:id="rId26"/>
+    <p:sldId id="364" r:id="rId25"/>
+    <p:sldId id="365" r:id="rId26"/>
+    <p:sldId id="366" r:id="rId27"/>
   </p:sldIdLst>
   <p:sldSz cx="12192000" cy="6858000"/>
   <p:notesSz cx="12192000" cy="6858000"/>
@@ -1178,19 +1179,7 @@
       </p:grpSpPr>
       <p:sp>
         <p:nvSpPr>
-          <p:cNvPr id="2" name="Marcador de imagen de diapositiva 1"/>
-          <p:cNvSpPr>
-            <a:spLocks noGrp="1" noRot="1" noChangeAspect="1"/>
-          </p:cNvSpPr>
-          <p:nvPr>
-            <p:ph type="sldImg"/>
-          </p:nvPr>
-        </p:nvSpPr>
-        <p:spPr/>
-      </p:sp>
-      <p:sp>
-        <p:nvSpPr>
-          <p:cNvPr id="3" name="Marcador de notas 2"/>
+          <p:cNvPr id="2" name="Notes Placeholder"/>
           <p:cNvSpPr>
             <a:spLocks noGrp="1"/>
           </p:cNvSpPr>
@@ -1200,40 +1189,19 @@
         </p:nvSpPr>
         <p:spPr/>
         <p:txBody>
-          <a:bodyPr/>
+          <a:bodyPr>
+            <a:normAutofit fontScale="25000" lnSpcReduction="20000"/>
+          </a:bodyPr>
           <a:lstStyle/>
           <a:p>
-            <a:endParaRPr lang="es-MX" dirty="0"/>
-          </a:p>
-        </p:txBody>
-      </p:sp>
-      <p:sp>
-        <p:nvSpPr>
-          <p:cNvPr id="4" name="Marcador de número de diapositiva 3"/>
-          <p:cNvSpPr>
-            <a:spLocks noGrp="1"/>
-          </p:cNvSpPr>
-          <p:nvPr>
-            <p:ph type="sldNum" sz="quarter" idx="5"/>
-          </p:nvPr>
-        </p:nvSpPr>
-        <p:spPr/>
-        <p:txBody>
-          <a:bodyPr/>
-          <a:lstStyle/>
-          <a:p>
-            <a:fld id="{5993AEC0-242E-4FA7-9D3C-51E1036AC3CB}" type="slidenum">
-              <a:rPr lang="es-MX" smtClean="0"/>
-              <a:t>24</a:t>
-            </a:fld>
-            <a:endParaRPr lang="es-MX" dirty="0"/>
+            <a:endParaRPr dirty="0"/>
           </a:p>
         </p:txBody>
       </p:sp>
     </p:spTree>
     <p:extLst>
       <p:ext uri="{BB962C8B-B14F-4D97-AF65-F5344CB8AC3E}">
-        <p14:creationId xmlns:p14="http://schemas.microsoft.com/office/powerpoint/2010/main" val="1282752846"/>
+        <p14:creationId xmlns:p14="http://schemas.microsoft.com/office/powerpoint/2010/main" val="1271302683"/>
       </p:ext>
     </p:extLst>
   </p:cSld>
@@ -1262,19 +1230,7 @@
       </p:grpSpPr>
       <p:sp>
         <p:nvSpPr>
-          <p:cNvPr id="2" name="Marcador de imagen de diapositiva 1"/>
-          <p:cNvSpPr>
-            <a:spLocks noGrp="1" noRot="1" noChangeAspect="1"/>
-          </p:cNvSpPr>
-          <p:nvPr>
-            <p:ph type="sldImg"/>
-          </p:nvPr>
-        </p:nvSpPr>
-        <p:spPr/>
-      </p:sp>
-      <p:sp>
-        <p:nvSpPr>
-          <p:cNvPr id="3" name="Marcador de notas 2"/>
+          <p:cNvPr id="2" name="Notes Placeholder"/>
           <p:cNvSpPr>
             <a:spLocks noGrp="1"/>
           </p:cNvSpPr>
@@ -1284,40 +1240,70 @@
         </p:nvSpPr>
         <p:spPr/>
         <p:txBody>
-          <a:bodyPr/>
+          <a:bodyPr>
+            <a:normAutofit fontScale="25000" lnSpcReduction="20000"/>
+          </a:bodyPr>
           <a:lstStyle/>
           <a:p>
-            <a:endParaRPr lang="es-MX" dirty="0"/>
-          </a:p>
-        </p:txBody>
-      </p:sp>
-      <p:sp>
-        <p:nvSpPr>
-          <p:cNvPr id="4" name="Marcador de número de diapositiva 3"/>
-          <p:cNvSpPr>
-            <a:spLocks noGrp="1"/>
-          </p:cNvSpPr>
-          <p:nvPr>
-            <p:ph type="sldNum" sz="quarter" idx="5"/>
-          </p:nvPr>
-        </p:nvSpPr>
-        <p:spPr/>
-        <p:txBody>
-          <a:bodyPr/>
-          <a:lstStyle/>
-          <a:p>
-            <a:fld id="{5993AEC0-242E-4FA7-9D3C-51E1036AC3CB}" type="slidenum">
-              <a:rPr lang="es-MX" smtClean="0"/>
-              <a:t>25</a:t>
-            </a:fld>
-            <a:endParaRPr lang="es-MX" dirty="0"/>
+            <a:endParaRPr dirty="0"/>
           </a:p>
         </p:txBody>
       </p:sp>
     </p:spTree>
     <p:extLst>
       <p:ext uri="{BB962C8B-B14F-4D97-AF65-F5344CB8AC3E}">
-        <p14:creationId xmlns:p14="http://schemas.microsoft.com/office/powerpoint/2010/main" val="1587583495"/>
+        <p14:creationId xmlns:p14="http://schemas.microsoft.com/office/powerpoint/2010/main" val="3203911458"/>
+      </p:ext>
+    </p:extLst>
+  </p:cSld>
+  <p:clrMapOvr>
+    <a:masterClrMapping/>
+  </p:clrMapOvr>
+</p:notes>
+</file>
+
+<file path=ppt/notesSlides/notesSlide23.xml><?xml version="1.0" encoding="utf-8"?>
+<p:notes xmlns:a="http://schemas.openxmlformats.org/drawingml/2006/main" xmlns:r="http://schemas.openxmlformats.org/officeDocument/2006/relationships" xmlns:p="http://schemas.openxmlformats.org/presentationml/2006/main">
+  <p:cSld>
+    <p:spTree>
+      <p:nvGrpSpPr>
+        <p:cNvPr id="1" name=""/>
+        <p:cNvGrpSpPr/>
+        <p:nvPr/>
+      </p:nvGrpSpPr>
+      <p:grpSpPr>
+        <a:xfrm>
+          <a:off x="0" y="0"/>
+          <a:ext cx="0" cy="0"/>
+          <a:chOff x="0" y="0"/>
+          <a:chExt cx="0" cy="0"/>
+        </a:xfrm>
+      </p:grpSpPr>
+      <p:sp>
+        <p:nvSpPr>
+          <p:cNvPr id="2" name="Notes Placeholder"/>
+          <p:cNvSpPr>
+            <a:spLocks noGrp="1"/>
+          </p:cNvSpPr>
+          <p:nvPr>
+            <p:ph type="body" idx="1"/>
+          </p:nvPr>
+        </p:nvSpPr>
+        <p:spPr/>
+        <p:txBody>
+          <a:bodyPr>
+            <a:normAutofit fontScale="25000" lnSpcReduction="20000"/>
+          </a:bodyPr>
+          <a:lstStyle/>
+          <a:p>
+            <a:endParaRPr dirty="0"/>
+          </a:p>
+        </p:txBody>
+      </p:sp>
+    </p:spTree>
+    <p:extLst>
+      <p:ext uri="{BB962C8B-B14F-4D97-AF65-F5344CB8AC3E}">
+        <p14:creationId xmlns:p14="http://schemas.microsoft.com/office/powerpoint/2010/main" val="3180062048"/>
       </p:ext>
     </p:extLst>
   </p:cSld>
@@ -1851,7 +1837,7 @@
           <a:p>
             <a:fld id="{1D8BD707-D9CF-40AE-B4C6-C98DA3205C09}" type="datetimeFigureOut">
               <a:rPr lang="en-US"/>
-              <a:t>11/10/2021</a:t>
+              <a:t>11/11/2021</a:t>
             </a:fld>
             <a:endParaRPr lang="en-US"/>
           </a:p>
@@ -2028,7 +2014,7 @@
           <a:p>
             <a:fld id="{1D8BD707-D9CF-40AE-B4C6-C98DA3205C09}" type="datetimeFigureOut">
               <a:rPr lang="en-US"/>
-              <a:t>11/10/2021</a:t>
+              <a:t>11/11/2021</a:t>
             </a:fld>
             <a:endParaRPr lang="en-US"/>
           </a:p>
@@ -2242,7 +2228,7 @@
           <a:p>
             <a:fld id="{1D8BD707-D9CF-40AE-B4C6-C98DA3205C09}" type="datetimeFigureOut">
               <a:rPr lang="en-US"/>
-              <a:t>11/10/2021</a:t>
+              <a:t>11/11/2021</a:t>
             </a:fld>
             <a:endParaRPr lang="en-US"/>
           </a:p>
@@ -2390,7 +2376,7 @@
           <a:p>
             <a:fld id="{1D8BD707-D9CF-40AE-B4C6-C98DA3205C09}" type="datetimeFigureOut">
               <a:rPr lang="en-US"/>
-              <a:t>11/10/2021</a:t>
+              <a:t>11/11/2021</a:t>
             </a:fld>
             <a:endParaRPr lang="en-US"/>
           </a:p>
@@ -2546,7 +2532,7 @@
           <a:p>
             <a:fld id="{1D8BD707-D9CF-40AE-B4C6-C98DA3205C09}" type="datetimeFigureOut">
               <a:rPr lang="en-US"/>
-              <a:t>11/10/2021</a:t>
+              <a:t>11/11/2021</a:t>
             </a:fld>
             <a:endParaRPr lang="en-US"/>
           </a:p>
@@ -2631,7 +2617,7 @@
           <a:p>
             <a:fld id="{5E75A0DC-66C6-4CEC-A5EB-F8C97CEC3796}" type="datetimeFigureOut">
               <a:rPr lang="es-MX" smtClean="0"/>
-              <a:t>10/11/2021</a:t>
+              <a:t>11/11/2021</a:t>
             </a:fld>
             <a:endParaRPr lang="es-MX" dirty="0"/>
           </a:p>
@@ -2881,7 +2867,7 @@
           <a:p>
             <a:fld id="{1D8BD707-D9CF-40AE-B4C6-C98DA3205C09}" type="datetimeFigureOut">
               <a:rPr lang="en-US"/>
-              <a:t>11/10/2021</a:t>
+              <a:t>11/11/2021</a:t>
             </a:fld>
             <a:endParaRPr lang="en-US"/>
           </a:p>
@@ -4832,7 +4818,39 @@
                 </a:effectLst>
                 <a:latin typeface="Dom Casual" charset="0"/>
               </a:rPr>
-              <a:t>Port </a:t>
+              <a:t>PAT con una sola dirección y </a:t>
+            </a:r>
+            <a:r>
+              <a:rPr lang="es-ES_tradnl" sz="3200" b="1" dirty="0" err="1">
+                <a:solidFill>
+                  <a:schemeClr val="accent4">
+                    <a:lumMod val="50000"/>
+                  </a:schemeClr>
+                </a:solidFill>
+                <a:effectLst>
+                  <a:outerShdw blurRad="38100" dist="38100" dir="2700000" algn="tl">
+                    <a:srgbClr val="C0C0C0"/>
+                  </a:outerShdw>
+                </a:effectLst>
+                <a:latin typeface="Dom Casual" charset="0"/>
+              </a:rPr>
+              <a:t>port</a:t>
+            </a:r>
+            <a:r>
+              <a:rPr lang="es-ES_tradnl" sz="3200" b="1" dirty="0">
+                <a:solidFill>
+                  <a:schemeClr val="accent4">
+                    <a:lumMod val="50000"/>
+                  </a:schemeClr>
+                </a:solidFill>
+                <a:effectLst>
+                  <a:outerShdw blurRad="38100" dist="38100" dir="2700000" algn="tl">
+                    <a:srgbClr val="C0C0C0"/>
+                  </a:outerShdw>
+                </a:effectLst>
+                <a:latin typeface="Dom Casual" charset="0"/>
+              </a:rPr>
+              <a:t> </a:t>
             </a:r>
             <a:r>
               <a:rPr lang="es-ES_tradnl" sz="3200" b="1" dirty="0" err="1">
@@ -6936,7 +6954,7 @@
         </p:blipFill>
         <p:spPr>
           <a:xfrm>
-            <a:off x="4962973" y="2008466"/>
+            <a:off x="5257800" y="1600200"/>
             <a:ext cx="6467027" cy="4494244"/>
           </a:xfrm>
           <a:prstGeom prst="rect">
@@ -6952,7 +6970,7 @@
         </p:nvSpPr>
         <p:spPr>
           <a:xfrm>
-            <a:off x="2743200" y="326195"/>
+            <a:off x="2667000" y="269449"/>
             <a:ext cx="6011227" cy="492443"/>
           </a:xfrm>
           <a:prstGeom prst="rect">
@@ -6965,7 +6983,7 @@
           </a:bodyPr>
           <a:lstStyle/>
           <a:p>
-            <a:pPr marL="12700">
+            <a:pPr marL="12700" algn="ctr">
               <a:lnSpc>
                 <a:spcPct val="100000"/>
               </a:lnSpc>
@@ -6975,7 +6993,7 @@
                 <a:latin typeface="Calibri"/>
                 <a:cs typeface="Calibri"/>
               </a:rPr>
-              <a:t>Configuración del servicio de DHCP</a:t>
+              <a:t>Configuración de DHCP</a:t>
             </a:r>
             <a:endParaRPr sz="3200" dirty="0">
               <a:latin typeface="Calibri"/>
@@ -7000,8 +7018,8 @@
         </p:nvSpPr>
         <p:spPr bwMode="auto">
           <a:xfrm>
-            <a:off x="762000" y="990593"/>
-            <a:ext cx="10820400" cy="1524007"/>
+            <a:off x="646670" y="914400"/>
+            <a:ext cx="10820400" cy="2262671"/>
           </a:xfrm>
           <a:prstGeom prst="rect">
             <a:avLst/>
@@ -7229,7 +7247,55 @@
                 <a:latin typeface="Arial" panose="020B0604020202020204" pitchFamily="34" charset="0"/>
                 <a:cs typeface="Arial" panose="020B0604020202020204" pitchFamily="34" charset="0"/>
               </a:rPr>
-              <a:t>El servidor y la impresora tienen direccionamiento estático.</a:t>
+              <a:t>El </a:t>
+            </a:r>
+            <a:r>
+              <a:rPr lang="es-ES_tradnl" sz="1600" b="1" dirty="0">
+                <a:solidFill>
+                  <a:schemeClr val="bg2">
+                    <a:lumMod val="25000"/>
+                  </a:schemeClr>
+                </a:solidFill>
+                <a:latin typeface="Arial" panose="020B0604020202020204" pitchFamily="34" charset="0"/>
+                <a:cs typeface="Arial" panose="020B0604020202020204" pitchFamily="34" charset="0"/>
+              </a:rPr>
+              <a:t>servidor</a:t>
+            </a:r>
+            <a:r>
+              <a:rPr lang="es-ES_tradnl" sz="1600" dirty="0">
+                <a:solidFill>
+                  <a:schemeClr val="bg2">
+                    <a:lumMod val="25000"/>
+                  </a:schemeClr>
+                </a:solidFill>
+                <a:latin typeface="Arial" panose="020B0604020202020204" pitchFamily="34" charset="0"/>
+                <a:cs typeface="Arial" panose="020B0604020202020204" pitchFamily="34" charset="0"/>
+              </a:rPr>
+              <a:t> y la </a:t>
+            </a:r>
+            <a:r>
+              <a:rPr lang="es-ES_tradnl" sz="1600" b="1" dirty="0">
+                <a:solidFill>
+                  <a:schemeClr val="bg2">
+                    <a:lumMod val="25000"/>
+                  </a:schemeClr>
+                </a:solidFill>
+                <a:latin typeface="Arial" panose="020B0604020202020204" pitchFamily="34" charset="0"/>
+                <a:cs typeface="Arial" panose="020B0604020202020204" pitchFamily="34" charset="0"/>
+              </a:rPr>
+              <a:t>impresora</a:t>
+            </a:r>
+            <a:r>
+              <a:rPr lang="es-ES_tradnl" sz="1600" dirty="0">
+                <a:solidFill>
+                  <a:schemeClr val="bg2">
+                    <a:lumMod val="25000"/>
+                  </a:schemeClr>
+                </a:solidFill>
+                <a:latin typeface="Arial" panose="020B0604020202020204" pitchFamily="34" charset="0"/>
+                <a:cs typeface="Arial" panose="020B0604020202020204" pitchFamily="34" charset="0"/>
+              </a:rPr>
+              <a:t> tienen direccionamiento estático.</a:t>
             </a:r>
           </a:p>
           <a:p>
@@ -7294,6 +7360,70 @@
                 <a:cs typeface="Arial" panose="020B0604020202020204" pitchFamily="34" charset="0"/>
               </a:rPr>
               <a:t>.</a:t>
+            </a:r>
+          </a:p>
+          <a:p>
+            <a:pPr marL="342900" indent="-342900">
+              <a:lnSpc>
+                <a:spcPct val="150000"/>
+              </a:lnSpc>
+              <a:buAutoNum type="arabicPeriod"/>
+            </a:pPr>
+            <a:r>
+              <a:rPr lang="es-ES_tradnl" sz="1600" dirty="0">
+                <a:solidFill>
+                  <a:schemeClr val="bg2">
+                    <a:lumMod val="25000"/>
+                  </a:schemeClr>
+                </a:solidFill>
+                <a:latin typeface="Arial" panose="020B0604020202020204" pitchFamily="34" charset="0"/>
+                <a:cs typeface="Arial" panose="020B0604020202020204" pitchFamily="34" charset="0"/>
+              </a:rPr>
+              <a:t>Revisar </a:t>
+            </a:r>
+            <a:r>
+              <a:rPr lang="es-ES_tradnl" sz="1600" dirty="0" err="1">
+                <a:solidFill>
+                  <a:schemeClr val="bg2">
+                    <a:lumMod val="25000"/>
+                  </a:schemeClr>
+                </a:solidFill>
+                <a:latin typeface="Arial" panose="020B0604020202020204" pitchFamily="34" charset="0"/>
+                <a:cs typeface="Arial" panose="020B0604020202020204" pitchFamily="34" charset="0"/>
+              </a:rPr>
+              <a:t>IPs</a:t>
+            </a:r>
+            <a:r>
+              <a:rPr lang="es-ES_tradnl" sz="1600" dirty="0">
+                <a:solidFill>
+                  <a:schemeClr val="bg2">
+                    <a:lumMod val="25000"/>
+                  </a:schemeClr>
+                </a:solidFill>
+                <a:latin typeface="Arial" panose="020B0604020202020204" pitchFamily="34" charset="0"/>
+                <a:cs typeface="Arial" panose="020B0604020202020204" pitchFamily="34" charset="0"/>
+              </a:rPr>
+              <a:t> dispositivos terminales. </a:t>
+            </a:r>
+          </a:p>
+          <a:p>
+            <a:pPr marL="342900" indent="-342900">
+              <a:lnSpc>
+                <a:spcPct val="150000"/>
+              </a:lnSpc>
+              <a:buAutoNum type="arabicPeriod"/>
+            </a:pPr>
+            <a:r>
+              <a:rPr lang="es-ES_tradnl" sz="1600" dirty="0">
+                <a:solidFill>
+                  <a:schemeClr val="bg2">
+                    <a:lumMod val="25000"/>
+                  </a:schemeClr>
+                </a:solidFill>
+                <a:latin typeface="Arial" panose="020B0604020202020204" pitchFamily="34" charset="0"/>
+                <a:cs typeface="Arial" panose="020B0604020202020204" pitchFamily="34" charset="0"/>
+              </a:rPr>
+              <a:t>Realizar pruebas de conectividad interna.</a:t>
             </a:r>
             <a:endParaRPr lang="es-MX" sz="1600" dirty="0">
               <a:solidFill>
@@ -8388,9 +8518,7 @@
             <a:r>
               <a:rPr lang="es-ES" sz="2000" b="1" dirty="0">
                 <a:solidFill>
-                  <a:schemeClr val="accent4">
-                    <a:lumMod val="50000"/>
-                  </a:schemeClr>
+                  <a:srgbClr val="00B050"/>
                 </a:solidFill>
                 <a:latin typeface="Arial" panose="020B0604020202020204" pitchFamily="34" charset="0"/>
                 <a:cs typeface="Arial" panose="020B0604020202020204" pitchFamily="34" charset="0"/>
@@ -8582,9 +8710,7 @@
             <a:r>
               <a:rPr lang="es-ES" sz="2000" b="1" dirty="0">
                 <a:solidFill>
-                  <a:schemeClr val="accent4">
-                    <a:lumMod val="50000"/>
-                  </a:schemeClr>
+                  <a:srgbClr val="00B050"/>
                 </a:solidFill>
                 <a:latin typeface="Arial" panose="020B0604020202020204" pitchFamily="34" charset="0"/>
                 <a:cs typeface="Arial" panose="020B0604020202020204" pitchFamily="34" charset="0"/>
@@ -9388,6 +9514,18 @@
             <a:r>
               <a:rPr lang="es-MX" sz="1600" b="1" dirty="0" err="1">
                 <a:solidFill>
+                  <a:schemeClr val="accent5">
+                    <a:lumMod val="75000"/>
+                  </a:schemeClr>
+                </a:solidFill>
+                <a:latin typeface="Arial" panose="020B0604020202020204" pitchFamily="34" charset="0"/>
+                <a:cs typeface="Arial" panose="020B0604020202020204" pitchFamily="34" charset="0"/>
+              </a:rPr>
+              <a:t>list</a:t>
+            </a:r>
+            <a:r>
+              <a:rPr lang="es-MX" sz="1600" b="1" dirty="0">
+                <a:solidFill>
                   <a:schemeClr val="bg2">
                     <a:lumMod val="25000"/>
                   </a:schemeClr>
@@ -9395,10 +9533,10 @@
                 <a:latin typeface="Arial" panose="020B0604020202020204" pitchFamily="34" charset="0"/>
                 <a:cs typeface="Arial" panose="020B0604020202020204" pitchFamily="34" charset="0"/>
               </a:rPr>
-              <a:t>list</a:t>
-            </a:r>
-            <a:r>
-              <a:rPr lang="es-MX" sz="1600" b="1" dirty="0">
+              <a:t> </a:t>
+            </a:r>
+            <a:r>
+              <a:rPr lang="es-MX" sz="1600" dirty="0">
                 <a:solidFill>
                   <a:schemeClr val="bg2">
                     <a:lumMod val="25000"/>
@@ -9407,7 +9545,19 @@
                 <a:latin typeface="Arial" panose="020B0604020202020204" pitchFamily="34" charset="0"/>
                 <a:cs typeface="Arial" panose="020B0604020202020204" pitchFamily="34" charset="0"/>
               </a:rPr>
-              <a:t> </a:t>
+              <a:t>{</a:t>
+            </a:r>
+            <a:r>
+              <a:rPr lang="es-MX" sz="1600" b="1" dirty="0">
+                <a:solidFill>
+                  <a:schemeClr val="accent6">
+                    <a:lumMod val="75000"/>
+                  </a:schemeClr>
+                </a:solidFill>
+                <a:latin typeface="Arial" panose="020B0604020202020204" pitchFamily="34" charset="0"/>
+                <a:cs typeface="Arial" panose="020B0604020202020204" pitchFamily="34" charset="0"/>
+              </a:rPr>
+              <a:t>Número | Nombre</a:t>
             </a:r>
             <a:r>
               <a:rPr lang="es-MX" sz="1600" dirty="0">
@@ -9419,49 +9569,25 @@
                 <a:latin typeface="Arial" panose="020B0604020202020204" pitchFamily="34" charset="0"/>
                 <a:cs typeface="Arial" panose="020B0604020202020204" pitchFamily="34" charset="0"/>
               </a:rPr>
-              <a:t>{</a:t>
+              <a:t>} </a:t>
             </a:r>
             <a:r>
               <a:rPr lang="es-MX" sz="1600" b="1" dirty="0">
                 <a:solidFill>
-                  <a:schemeClr val="accent6">
-                    <a:lumMod val="75000"/>
-                  </a:schemeClr>
-                </a:solidFill>
-                <a:latin typeface="Arial" panose="020B0604020202020204" pitchFamily="34" charset="0"/>
-                <a:cs typeface="Arial" panose="020B0604020202020204" pitchFamily="34" charset="0"/>
-              </a:rPr>
-              <a:t>Número | Nombre</a:t>
+                  <a:schemeClr val="accent5">
+                    <a:lumMod val="75000"/>
+                  </a:schemeClr>
+                </a:solidFill>
+                <a:latin typeface="Arial" panose="020B0604020202020204" pitchFamily="34" charset="0"/>
+                <a:cs typeface="Arial" panose="020B0604020202020204" pitchFamily="34" charset="0"/>
+              </a:rPr>
+              <a:t>pool</a:t>
             </a:r>
             <a:r>
               <a:rPr lang="es-MX" sz="1600" dirty="0">
                 <a:solidFill>
-                  <a:schemeClr val="bg2">
-                    <a:lumMod val="25000"/>
-                  </a:schemeClr>
-                </a:solidFill>
-                <a:latin typeface="Arial" panose="020B0604020202020204" pitchFamily="34" charset="0"/>
-                <a:cs typeface="Arial" panose="020B0604020202020204" pitchFamily="34" charset="0"/>
-              </a:rPr>
-              <a:t>} </a:t>
-            </a:r>
-            <a:r>
-              <a:rPr lang="es-MX" sz="1600" b="1" dirty="0">
-                <a:solidFill>
-                  <a:schemeClr val="bg2">
-                    <a:lumMod val="25000"/>
-                  </a:schemeClr>
-                </a:solidFill>
-                <a:latin typeface="Arial" panose="020B0604020202020204" pitchFamily="34" charset="0"/>
-                <a:cs typeface="Arial" panose="020B0604020202020204" pitchFamily="34" charset="0"/>
-              </a:rPr>
-              <a:t>pool</a:t>
-            </a:r>
-            <a:r>
-              <a:rPr lang="es-MX" sz="1600" dirty="0">
-                <a:solidFill>
-                  <a:schemeClr val="bg2">
-                    <a:lumMod val="25000"/>
+                  <a:schemeClr val="accent5">
+                    <a:lumMod val="75000"/>
                   </a:schemeClr>
                 </a:solidFill>
                 <a:latin typeface="Arial" panose="020B0604020202020204" pitchFamily="34" charset="0"/>
@@ -9798,6 +9924,16 @@
             <a:r>
               <a:rPr lang="es-ES" sz="2000" b="1" dirty="0">
                 <a:solidFill>
+                  <a:srgbClr val="00B050"/>
+                </a:solidFill>
+                <a:latin typeface="Arial" panose="020B0604020202020204" pitchFamily="34" charset="0"/>
+                <a:cs typeface="Arial" panose="020B0604020202020204" pitchFamily="34" charset="0"/>
+              </a:rPr>
+              <a:t>NAT con sobrecarga (PAT).</a:t>
+            </a:r>
+            <a:r>
+              <a:rPr lang="es-ES" sz="2000" b="1" dirty="0">
+                <a:solidFill>
                   <a:schemeClr val="accent4">
                     <a:lumMod val="50000"/>
                   </a:schemeClr>
@@ -9805,7 +9941,7 @@
                 <a:latin typeface="Arial" panose="020B0604020202020204" pitchFamily="34" charset="0"/>
                 <a:cs typeface="Arial" panose="020B0604020202020204" pitchFamily="34" charset="0"/>
               </a:rPr>
-              <a:t>NAT con sobrecarga (PAT). </a:t>
+              <a:t> </a:t>
             </a:r>
             <a:r>
               <a:rPr lang="es-ES" sz="1600" u="sng" dirty="0">
@@ -9930,7 +10066,7 @@
                 </a:effectLst>
                 <a:latin typeface="Dom Casual" charset="0"/>
               </a:rPr>
-              <a:t>Configuración de NAT</a:t>
+              <a:t>Configuración de PAT</a:t>
             </a:r>
           </a:p>
         </p:txBody>
@@ -10625,6 +10761,18 @@
             <a:r>
               <a:rPr lang="es-MX" sz="1600" b="1" dirty="0" err="1">
                 <a:solidFill>
+                  <a:schemeClr val="accent5">
+                    <a:lumMod val="75000"/>
+                  </a:schemeClr>
+                </a:solidFill>
+                <a:latin typeface="Arial" panose="020B0604020202020204" pitchFamily="34" charset="0"/>
+                <a:cs typeface="Arial" panose="020B0604020202020204" pitchFamily="34" charset="0"/>
+              </a:rPr>
+              <a:t>list</a:t>
+            </a:r>
+            <a:r>
+              <a:rPr lang="es-MX" sz="1600" b="1" dirty="0">
+                <a:solidFill>
                   <a:schemeClr val="bg2">
                     <a:lumMod val="25000"/>
                   </a:schemeClr>
@@ -10632,10 +10780,10 @@
                 <a:latin typeface="Arial" panose="020B0604020202020204" pitchFamily="34" charset="0"/>
                 <a:cs typeface="Arial" panose="020B0604020202020204" pitchFamily="34" charset="0"/>
               </a:rPr>
-              <a:t>list</a:t>
-            </a:r>
-            <a:r>
-              <a:rPr lang="es-MX" sz="1600" b="1" dirty="0">
+              <a:t> </a:t>
+            </a:r>
+            <a:r>
+              <a:rPr lang="es-MX" sz="1600" dirty="0">
                 <a:solidFill>
                   <a:schemeClr val="bg2">
                     <a:lumMod val="25000"/>
@@ -10644,7 +10792,19 @@
                 <a:latin typeface="Arial" panose="020B0604020202020204" pitchFamily="34" charset="0"/>
                 <a:cs typeface="Arial" panose="020B0604020202020204" pitchFamily="34" charset="0"/>
               </a:rPr>
-              <a:t> </a:t>
+              <a:t>{</a:t>
+            </a:r>
+            <a:r>
+              <a:rPr lang="es-MX" sz="1600" b="1" dirty="0">
+                <a:solidFill>
+                  <a:schemeClr val="accent6">
+                    <a:lumMod val="75000"/>
+                  </a:schemeClr>
+                </a:solidFill>
+                <a:latin typeface="Arial" panose="020B0604020202020204" pitchFamily="34" charset="0"/>
+                <a:cs typeface="Arial" panose="020B0604020202020204" pitchFamily="34" charset="0"/>
+              </a:rPr>
+              <a:t>Número | Nombre</a:t>
             </a:r>
             <a:r>
               <a:rPr lang="es-MX" sz="1600" dirty="0">
@@ -10656,11 +10816,35 @@
                 <a:latin typeface="Arial" panose="020B0604020202020204" pitchFamily="34" charset="0"/>
                 <a:cs typeface="Arial" panose="020B0604020202020204" pitchFamily="34" charset="0"/>
               </a:rPr>
-              <a:t>{</a:t>
+              <a:t>} </a:t>
             </a:r>
             <a:r>
               <a:rPr lang="es-MX" sz="1600" b="1" dirty="0">
                 <a:solidFill>
+                  <a:schemeClr val="accent5">
+                    <a:lumMod val="75000"/>
+                  </a:schemeClr>
+                </a:solidFill>
+                <a:latin typeface="Arial" panose="020B0604020202020204" pitchFamily="34" charset="0"/>
+                <a:cs typeface="Arial" panose="020B0604020202020204" pitchFamily="34" charset="0"/>
+              </a:rPr>
+              <a:t>pool</a:t>
+            </a:r>
+            <a:r>
+              <a:rPr lang="es-MX" sz="1600" dirty="0">
+                <a:solidFill>
+                  <a:schemeClr val="accent5">
+                    <a:lumMod val="75000"/>
+                  </a:schemeClr>
+                </a:solidFill>
+                <a:latin typeface="Arial" panose="020B0604020202020204" pitchFamily="34" charset="0"/>
+                <a:cs typeface="Arial" panose="020B0604020202020204" pitchFamily="34" charset="0"/>
+              </a:rPr>
+              <a:t> </a:t>
+            </a:r>
+            <a:r>
+              <a:rPr lang="es-MX" sz="1600" b="1" dirty="0">
+                <a:solidFill>
                   <a:schemeClr val="accent6">
                     <a:lumMod val="75000"/>
                   </a:schemeClr>
@@ -10668,85 +10852,27 @@
                 <a:latin typeface="Arial" panose="020B0604020202020204" pitchFamily="34" charset="0"/>
                 <a:cs typeface="Arial" panose="020B0604020202020204" pitchFamily="34" charset="0"/>
               </a:rPr>
-              <a:t>Número | Nombre</a:t>
-            </a:r>
-            <a:r>
-              <a:rPr lang="es-MX" sz="1600" dirty="0">
-                <a:solidFill>
-                  <a:schemeClr val="bg2">
-                    <a:lumMod val="25000"/>
-                  </a:schemeClr>
-                </a:solidFill>
-                <a:latin typeface="Arial" panose="020B0604020202020204" pitchFamily="34" charset="0"/>
-                <a:cs typeface="Arial" panose="020B0604020202020204" pitchFamily="34" charset="0"/>
-              </a:rPr>
-              <a:t>} </a:t>
-            </a:r>
-            <a:r>
-              <a:rPr lang="es-MX" sz="1600" b="1" dirty="0">
-                <a:solidFill>
-                  <a:schemeClr val="bg2">
-                    <a:lumMod val="25000"/>
-                  </a:schemeClr>
-                </a:solidFill>
-                <a:latin typeface="Arial" panose="020B0604020202020204" pitchFamily="34" charset="0"/>
-                <a:cs typeface="Arial" panose="020B0604020202020204" pitchFamily="34" charset="0"/>
-              </a:rPr>
-              <a:t>pool</a:t>
-            </a:r>
-            <a:r>
-              <a:rPr lang="es-MX" sz="1600" dirty="0">
-                <a:solidFill>
-                  <a:schemeClr val="bg2">
-                    <a:lumMod val="25000"/>
-                  </a:schemeClr>
+              <a:t>NOMBRE </a:t>
+            </a:r>
+            <a:r>
+              <a:rPr lang="es-MX" sz="1800" b="1" dirty="0" err="1">
+                <a:solidFill>
+                  <a:srgbClr val="FF0000"/>
+                </a:solidFill>
+                <a:latin typeface="Arial" panose="020B0604020202020204" pitchFamily="34" charset="0"/>
+                <a:cs typeface="Arial" panose="020B0604020202020204" pitchFamily="34" charset="0"/>
+              </a:rPr>
+              <a:t>overload</a:t>
+            </a:r>
+            <a:r>
+              <a:rPr lang="es-MX" sz="1800" b="1" dirty="0">
+                <a:solidFill>
+                  <a:srgbClr val="FF0000"/>
                 </a:solidFill>
                 <a:latin typeface="Arial" panose="020B0604020202020204" pitchFamily="34" charset="0"/>
                 <a:cs typeface="Arial" panose="020B0604020202020204" pitchFamily="34" charset="0"/>
               </a:rPr>
               <a:t> </a:t>
-            </a:r>
-            <a:r>
-              <a:rPr lang="es-MX" sz="1600" b="1" dirty="0">
-                <a:solidFill>
-                  <a:schemeClr val="accent6">
-                    <a:lumMod val="75000"/>
-                  </a:schemeClr>
-                </a:solidFill>
-                <a:latin typeface="Arial" panose="020B0604020202020204" pitchFamily="34" charset="0"/>
-                <a:cs typeface="Arial" panose="020B0604020202020204" pitchFamily="34" charset="0"/>
-              </a:rPr>
-              <a:t>NOMBRE </a:t>
-            </a:r>
-            <a:r>
-              <a:rPr lang="es-MX" sz="1800" b="1" dirty="0">
-                <a:solidFill>
-                  <a:srgbClr val="FF0000"/>
-                </a:solidFill>
-                <a:latin typeface="Arial" panose="020B0604020202020204" pitchFamily="34" charset="0"/>
-                <a:cs typeface="Arial" panose="020B0604020202020204" pitchFamily="34" charset="0"/>
-              </a:rPr>
-              <a:t>[</a:t>
-            </a:r>
-            <a:r>
-              <a:rPr lang="es-MX" sz="1800" b="1" dirty="0" err="1">
-                <a:solidFill>
-                  <a:srgbClr val="FF0000"/>
-                </a:solidFill>
-                <a:latin typeface="Arial" panose="020B0604020202020204" pitchFamily="34" charset="0"/>
-                <a:cs typeface="Arial" panose="020B0604020202020204" pitchFamily="34" charset="0"/>
-              </a:rPr>
-              <a:t>overload</a:t>
-            </a:r>
-            <a:r>
-              <a:rPr lang="es-MX" sz="1800" b="1" dirty="0">
-                <a:solidFill>
-                  <a:srgbClr val="FF0000"/>
-                </a:solidFill>
-                <a:latin typeface="Arial" panose="020B0604020202020204" pitchFamily="34" charset="0"/>
-                <a:cs typeface="Arial" panose="020B0604020202020204" pitchFamily="34" charset="0"/>
-              </a:rPr>
-              <a:t>] </a:t>
             </a:r>
             <a:endParaRPr lang="es-MX" sz="1800" dirty="0">
               <a:solidFill>
@@ -11063,21 +11189,37 @@
             <a:r>
               <a:rPr lang="es-ES" sz="2000" b="1" dirty="0">
                 <a:solidFill>
-                  <a:schemeClr val="accent4">
-                    <a:lumMod val="50000"/>
-                  </a:schemeClr>
-                </a:solidFill>
-                <a:latin typeface="Arial" panose="020B0604020202020204" pitchFamily="34" charset="0"/>
-                <a:cs typeface="Arial" panose="020B0604020202020204" pitchFamily="34" charset="0"/>
-              </a:rPr>
-              <a:t>Port </a:t>
+                  <a:srgbClr val="00B050"/>
+                </a:solidFill>
+                <a:latin typeface="Arial" panose="020B0604020202020204" pitchFamily="34" charset="0"/>
+                <a:cs typeface="Arial" panose="020B0604020202020204" pitchFamily="34" charset="0"/>
+              </a:rPr>
+              <a:t>PAT con una sola dirección y </a:t>
             </a:r>
             <a:r>
               <a:rPr lang="es-ES" sz="2000" b="1" dirty="0" err="1">
                 <a:solidFill>
-                  <a:schemeClr val="accent4">
-                    <a:lumMod val="50000"/>
-                  </a:schemeClr>
+                  <a:srgbClr val="00B050"/>
+                </a:solidFill>
+                <a:latin typeface="Arial" panose="020B0604020202020204" pitchFamily="34" charset="0"/>
+                <a:cs typeface="Arial" panose="020B0604020202020204" pitchFamily="34" charset="0"/>
+              </a:rPr>
+              <a:t>port</a:t>
+            </a:r>
+            <a:r>
+              <a:rPr lang="es-ES" sz="2000" b="1" dirty="0">
+                <a:solidFill>
+                  <a:srgbClr val="00B050"/>
+                </a:solidFill>
+                <a:latin typeface="Arial" panose="020B0604020202020204" pitchFamily="34" charset="0"/>
+                <a:cs typeface="Arial" panose="020B0604020202020204" pitchFamily="34" charset="0"/>
+              </a:rPr>
+              <a:t> </a:t>
+            </a:r>
+            <a:r>
+              <a:rPr lang="es-ES" sz="2000" b="1" dirty="0" err="1">
+                <a:solidFill>
+                  <a:srgbClr val="00B050"/>
                 </a:solidFill>
                 <a:latin typeface="Arial" panose="020B0604020202020204" pitchFamily="34" charset="0"/>
                 <a:cs typeface="Arial" panose="020B0604020202020204" pitchFamily="34" charset="0"/>
@@ -11087,9 +11229,7 @@
             <a:r>
               <a:rPr lang="es-ES" sz="2000" b="1" dirty="0">
                 <a:solidFill>
-                  <a:schemeClr val="accent4">
-                    <a:lumMod val="50000"/>
-                  </a:schemeClr>
+                  <a:srgbClr val="00B050"/>
                 </a:solidFill>
                 <a:latin typeface="Arial" panose="020B0604020202020204" pitchFamily="34" charset="0"/>
                 <a:cs typeface="Arial" panose="020B0604020202020204" pitchFamily="34" charset="0"/>
@@ -11101,7 +11241,7 @@
                 <a:latin typeface="Arial" panose="020B0604020202020204" pitchFamily="34" charset="0"/>
                 <a:cs typeface="Arial" panose="020B0604020202020204" pitchFamily="34" charset="0"/>
               </a:rPr>
-              <a:t>Muchas direcciones IP privadas se traducen con una dirección IP pública,</a:t>
+              <a:t>Muchas direcciones IP privadas se traducen con una sola dirección IP pública,</a:t>
             </a:r>
             <a:r>
               <a:rPr lang="es-ES" sz="1600" dirty="0">
@@ -11205,7 +11345,7 @@
                 </a:effectLst>
                 <a:latin typeface="Dom Casual" charset="0"/>
               </a:rPr>
-              <a:t>Configuración de NAT</a:t>
+              <a:t>Configuración de PAT</a:t>
             </a:r>
           </a:p>
         </p:txBody>
@@ -11227,7 +11367,7 @@
         <p:spPr bwMode="auto">
           <a:xfrm>
             <a:off x="635976" y="1905000"/>
-            <a:ext cx="11175023" cy="4478662"/>
+            <a:ext cx="11175023" cy="4176593"/>
           </a:xfrm>
           <a:prstGeom prst="rect">
             <a:avLst/>
@@ -11369,7 +11509,9 @@
             <a:r>
               <a:rPr lang="es-MX" sz="1600" b="1" dirty="0">
                 <a:solidFill>
-                  <a:srgbClr val="FF0000"/>
+                  <a:schemeClr val="accent2">
+                    <a:lumMod val="75000"/>
+                  </a:schemeClr>
                 </a:solidFill>
                 <a:latin typeface="Arial" panose="020B0604020202020204" pitchFamily="34" charset="0"/>
                 <a:cs typeface="Arial" panose="020B0604020202020204" pitchFamily="34" charset="0"/>
@@ -11386,7 +11528,7 @@
               <a:buAutoNum type="arabicPeriod"/>
             </a:pPr>
             <a:r>
-              <a:rPr lang="es-MX" sz="1600" dirty="0">
+              <a:rPr lang="es-MX" sz="1400" dirty="0">
                 <a:solidFill>
                   <a:schemeClr val="bg2">
                     <a:lumMod val="25000"/>
@@ -11398,7 +11540,7 @@
               <a:t>Definir una </a:t>
             </a:r>
             <a:r>
-              <a:rPr lang="es-MX" sz="1600" b="1" u="sng" dirty="0">
+              <a:rPr lang="es-MX" sz="1400" b="1" dirty="0">
                 <a:solidFill>
                   <a:schemeClr val="bg2">
                     <a:lumMod val="25000"/>
@@ -11410,7 +11552,7 @@
               <a:t>ACL estándar</a:t>
             </a:r>
             <a:r>
-              <a:rPr lang="es-MX" sz="1600" dirty="0">
+              <a:rPr lang="es-MX" sz="1400" dirty="0">
                 <a:solidFill>
                   <a:schemeClr val="bg2">
                     <a:lumMod val="25000"/>
@@ -11429,7 +11571,7 @@
               </a:lnSpc>
             </a:pPr>
             <a:r>
-              <a:rPr lang="es-MX" sz="1600" b="1" dirty="0">
+              <a:rPr lang="es-MX" sz="1400" b="1" dirty="0">
                 <a:solidFill>
                   <a:schemeClr val="bg2">
                     <a:lumMod val="25000"/>
@@ -11441,7 +11583,7 @@
               <a:t>           </a:t>
             </a:r>
             <a:r>
-              <a:rPr lang="es-MX" sz="1600" b="1" dirty="0" err="1">
+              <a:rPr lang="es-MX" sz="1400" b="1" dirty="0" err="1">
                 <a:solidFill>
                   <a:schemeClr val="accent5">
                     <a:lumMod val="75000"/>
@@ -11453,7 +11595,7 @@
               <a:t>access-list</a:t>
             </a:r>
             <a:r>
-              <a:rPr lang="es-MX" sz="1600" b="1" dirty="0">
+              <a:rPr lang="es-MX" sz="1400" b="1" dirty="0">
                 <a:solidFill>
                   <a:schemeClr val="accent5">
                     <a:lumMod val="75000"/>
@@ -11465,7 +11607,7 @@
               <a:t> </a:t>
             </a:r>
             <a:r>
-              <a:rPr lang="es-MX" sz="1600" b="1" dirty="0">
+              <a:rPr lang="es-MX" sz="1400" b="1" dirty="0">
                 <a:solidFill>
                   <a:schemeClr val="accent6">
                     <a:lumMod val="75000"/>
@@ -11477,7 +11619,7 @@
               <a:t>Número </a:t>
             </a:r>
             <a:r>
-              <a:rPr lang="es-MX" sz="1600" b="1" dirty="0" err="1">
+              <a:rPr lang="es-MX" sz="1400" b="1" dirty="0" err="1">
                 <a:solidFill>
                   <a:schemeClr val="accent5">
                     <a:lumMod val="75000"/>
@@ -11489,7 +11631,7 @@
               <a:t>permit</a:t>
             </a:r>
             <a:r>
-              <a:rPr lang="es-MX" sz="1600" b="1" dirty="0">
+              <a:rPr lang="es-MX" sz="1400" b="1" dirty="0">
                 <a:solidFill>
                   <a:schemeClr val="bg2">
                     <a:lumMod val="50000"/>
@@ -11501,7 +11643,7 @@
               <a:t> </a:t>
             </a:r>
             <a:r>
-              <a:rPr lang="es-MX" sz="1600" b="1" dirty="0" err="1">
+              <a:rPr lang="es-MX" sz="1400" b="1" dirty="0" err="1">
                 <a:solidFill>
                   <a:schemeClr val="accent6">
                     <a:lumMod val="75000"/>
@@ -11513,7 +11655,7 @@
               <a:t>dirIP</a:t>
             </a:r>
             <a:r>
-              <a:rPr lang="es-MX" sz="1600" b="1" dirty="0">
+              <a:rPr lang="es-MX" sz="1400" b="1" dirty="0">
                 <a:solidFill>
                   <a:schemeClr val="accent6">
                     <a:lumMod val="75000"/>
@@ -11525,7 +11667,7 @@
               <a:t>-inicial</a:t>
             </a:r>
             <a:r>
-              <a:rPr lang="es-MX" sz="1600" dirty="0">
+              <a:rPr lang="es-MX" sz="1400" dirty="0">
                 <a:solidFill>
                   <a:schemeClr val="accent6">
                     <a:lumMod val="75000"/>
@@ -11537,7 +11679,7 @@
               <a:t> </a:t>
             </a:r>
             <a:r>
-              <a:rPr lang="es-MX" sz="1600" b="1" dirty="0" err="1">
+              <a:rPr lang="es-MX" sz="1400" b="1" dirty="0" err="1">
                 <a:solidFill>
                   <a:schemeClr val="accent6">
                     <a:lumMod val="75000"/>
@@ -11548,7 +11690,7 @@
               </a:rPr>
               <a:t>WildMask_ACL</a:t>
             </a:r>
-            <a:endParaRPr lang="es-MX" sz="1600" b="1" dirty="0">
+            <a:endParaRPr lang="es-MX" sz="1400" b="1" dirty="0">
               <a:solidFill>
                 <a:schemeClr val="accent6">
                   <a:lumMod val="75000"/>
@@ -11567,7 +11709,7 @@
               <a:buAutoNum type="arabicPeriod" startAt="2"/>
             </a:pPr>
             <a:r>
-              <a:rPr lang="es-MX" sz="1600" dirty="0">
+              <a:rPr lang="es-MX" sz="1400" dirty="0">
                 <a:solidFill>
                   <a:schemeClr val="bg2">
                     <a:lumMod val="25000"/>
@@ -11579,7 +11721,7 @@
               <a:t>Establecer la </a:t>
             </a:r>
             <a:r>
-              <a:rPr lang="es-MX" sz="1600" b="1" u="sng" dirty="0">
+              <a:rPr lang="es-MX" sz="1400" b="1" dirty="0">
                 <a:solidFill>
                   <a:schemeClr val="bg2">
                     <a:lumMod val="25000"/>
@@ -11591,7 +11733,7 @@
               <a:t>traducción dinámica de direcciones</a:t>
             </a:r>
             <a:r>
-              <a:rPr lang="es-MX" sz="1600" dirty="0">
+              <a:rPr lang="es-MX" sz="1400" dirty="0">
                 <a:solidFill>
                   <a:schemeClr val="bg2">
                     <a:lumMod val="25000"/>
@@ -11603,7 +11745,7 @@
               <a:t> utilizando la </a:t>
             </a:r>
             <a:r>
-              <a:rPr lang="es-MX" sz="1600" b="1" dirty="0">
+              <a:rPr lang="es-MX" sz="1400" b="1" dirty="0">
                 <a:solidFill>
                   <a:schemeClr val="bg2">
                     <a:lumMod val="25000"/>
@@ -11615,7 +11757,7 @@
               <a:t>ACL definida</a:t>
             </a:r>
             <a:r>
-              <a:rPr lang="es-MX" sz="1600" dirty="0">
+              <a:rPr lang="es-MX" sz="1400" dirty="0">
                 <a:solidFill>
                   <a:schemeClr val="bg2">
                     <a:lumMod val="25000"/>
@@ -11627,7 +11769,7 @@
               <a:t> y una</a:t>
             </a:r>
             <a:r>
-              <a:rPr lang="es-MX" sz="1600" b="1" dirty="0">
+              <a:rPr lang="es-MX" sz="1400" b="1" dirty="0">
                 <a:solidFill>
                   <a:schemeClr val="bg2">
                     <a:lumMod val="25000"/>
@@ -11639,7 +11781,7 @@
               <a:t> </a:t>
             </a:r>
             <a:r>
-              <a:rPr lang="es-MX" sz="1600" b="1" u="sng" dirty="0">
+              <a:rPr lang="es-MX" sz="1400" b="1" u="sng" dirty="0">
                 <a:solidFill>
                   <a:schemeClr val="bg2">
                     <a:lumMod val="25000"/>
@@ -11651,7 +11793,7 @@
               <a:t>interface</a:t>
             </a:r>
             <a:r>
-              <a:rPr lang="es-MX" sz="1600" dirty="0">
+              <a:rPr lang="es-MX" sz="1400" dirty="0">
                 <a:solidFill>
                   <a:schemeClr val="bg2">
                     <a:lumMod val="25000"/>
@@ -11670,7 +11812,7 @@
               </a:lnSpc>
             </a:pPr>
             <a:r>
-              <a:rPr lang="es-MX" sz="1600" b="1" dirty="0">
+              <a:rPr lang="es-MX" sz="1400" b="1" dirty="0">
                 <a:solidFill>
                   <a:schemeClr val="accent5">
                     <a:lumMod val="75000"/>
@@ -11682,7 +11824,7 @@
               <a:t>	        </a:t>
             </a:r>
             <a:r>
-              <a:rPr lang="es-MX" sz="1600" b="1" dirty="0" err="1">
+              <a:rPr lang="es-MX" sz="1400" b="1" dirty="0" err="1">
                 <a:solidFill>
                   <a:schemeClr val="accent5">
                     <a:lumMod val="75000"/>
@@ -11694,7 +11836,7 @@
               <a:t>ip</a:t>
             </a:r>
             <a:r>
-              <a:rPr lang="es-MX" sz="1600" b="1" dirty="0">
+              <a:rPr lang="es-MX" sz="1400" b="1" dirty="0">
                 <a:solidFill>
                   <a:schemeClr val="accent5">
                     <a:lumMod val="75000"/>
@@ -11706,7 +11848,7 @@
               <a:t> </a:t>
             </a:r>
             <a:r>
-              <a:rPr lang="es-MX" sz="1600" b="1" dirty="0" err="1">
+              <a:rPr lang="es-MX" sz="1400" b="1" dirty="0" err="1">
                 <a:solidFill>
                   <a:schemeClr val="accent5">
                     <a:lumMod val="75000"/>
@@ -11718,7 +11860,7 @@
               <a:t>nat</a:t>
             </a:r>
             <a:r>
-              <a:rPr lang="es-MX" sz="1600" b="1" dirty="0">
+              <a:rPr lang="es-MX" sz="1400" b="1" dirty="0">
                 <a:solidFill>
                   <a:schemeClr val="accent5">
                     <a:lumMod val="75000"/>
@@ -11730,7 +11872,7 @@
               <a:t> </a:t>
             </a:r>
             <a:r>
-              <a:rPr lang="es-MX" sz="1600" b="1" dirty="0" err="1">
+              <a:rPr lang="es-MX" sz="1400" b="1" dirty="0" err="1">
                 <a:solidFill>
                   <a:schemeClr val="accent5">
                     <a:lumMod val="75000"/>
@@ -11742,7 +11884,7 @@
               <a:t>inside</a:t>
             </a:r>
             <a:r>
-              <a:rPr lang="es-MX" sz="1600" b="1" dirty="0">
+              <a:rPr lang="es-MX" sz="1400" b="1" dirty="0">
                 <a:solidFill>
                   <a:schemeClr val="accent5">
                     <a:lumMod val="75000"/>
@@ -11754,7 +11896,7 @@
               <a:t> </a:t>
             </a:r>
             <a:r>
-              <a:rPr lang="es-MX" sz="1600" b="1" dirty="0" err="1">
+              <a:rPr lang="es-MX" sz="1400" b="1" dirty="0" err="1">
                 <a:solidFill>
                   <a:schemeClr val="accent5">
                     <a:lumMod val="75000"/>
@@ -11766,7 +11908,7 @@
               <a:t>source</a:t>
             </a:r>
             <a:r>
-              <a:rPr lang="es-MX" sz="1600" dirty="0">
+              <a:rPr lang="es-MX" sz="1400" dirty="0">
                 <a:solidFill>
                   <a:schemeClr val="accent5">
                     <a:lumMod val="75000"/>
@@ -11778,7 +11920,7 @@
               <a:t> </a:t>
             </a:r>
             <a:r>
-              <a:rPr lang="es-MX" sz="1600" b="1" dirty="0" err="1">
+              <a:rPr lang="es-MX" sz="1400" b="1" dirty="0" err="1">
                 <a:solidFill>
                   <a:schemeClr val="accent5">
                     <a:lumMod val="75000"/>
@@ -11790,7 +11932,7 @@
               <a:t>list</a:t>
             </a:r>
             <a:r>
-              <a:rPr lang="es-MX" sz="1600" b="1" dirty="0">
+              <a:rPr lang="es-MX" sz="1400" b="1" dirty="0">
                 <a:solidFill>
                   <a:schemeClr val="accent5">
                     <a:lumMod val="75000"/>
@@ -11802,7 +11944,7 @@
               <a:t> </a:t>
             </a:r>
             <a:r>
-              <a:rPr lang="es-MX" sz="1600" dirty="0">
+              <a:rPr lang="es-MX" sz="1400" dirty="0">
                 <a:solidFill>
                   <a:schemeClr val="bg2">
                     <a:lumMod val="25000"/>
@@ -11814,7 +11956,7 @@
               <a:t>{</a:t>
             </a:r>
             <a:r>
-              <a:rPr lang="es-MX" sz="1600" b="1" dirty="0">
+              <a:rPr lang="es-MX" sz="1400" b="1" dirty="0">
                 <a:solidFill>
                   <a:schemeClr val="accent6">
                     <a:lumMod val="75000"/>
@@ -11826,7 +11968,7 @@
               <a:t>Número | Nombre</a:t>
             </a:r>
             <a:r>
-              <a:rPr lang="es-MX" sz="1600" dirty="0">
+              <a:rPr lang="es-MX" sz="1400" dirty="0">
                 <a:solidFill>
                   <a:schemeClr val="bg2">
                     <a:lumMod val="25000"/>
@@ -11838,7 +11980,7 @@
               <a:t>} </a:t>
             </a:r>
             <a:r>
-              <a:rPr lang="es-MX" sz="1600" b="1" u="sng" dirty="0">
+              <a:rPr lang="es-MX" sz="1400" b="1" u="sng" dirty="0">
                 <a:solidFill>
                   <a:schemeClr val="accent5">
                     <a:lumMod val="75000"/>
@@ -11850,7 +11992,7 @@
               <a:t>interface</a:t>
             </a:r>
             <a:r>
-              <a:rPr lang="es-MX" sz="1600" u="sng" dirty="0">
+              <a:rPr lang="es-MX" sz="1400" u="sng" dirty="0">
                 <a:solidFill>
                   <a:schemeClr val="accent5">
                     <a:lumMod val="75000"/>
@@ -11862,7 +12004,7 @@
               <a:t> </a:t>
             </a:r>
             <a:r>
-              <a:rPr lang="es-MX" sz="1600" b="1" dirty="0">
+              <a:rPr lang="es-MX" sz="1400" b="1" dirty="0">
                 <a:solidFill>
                   <a:schemeClr val="accent6">
                     <a:lumMod val="75000"/>
@@ -11874,7 +12016,7 @@
               <a:t>Tipo-Número</a:t>
             </a:r>
             <a:r>
-              <a:rPr lang="es-MX" sz="1600" b="1" dirty="0">
+              <a:rPr lang="es-MX" sz="1400" b="1" dirty="0">
                 <a:solidFill>
                   <a:schemeClr val="tx1">
                     <a:lumMod val="95000"/>
@@ -11887,24 +12029,18 @@
               <a:t> </a:t>
             </a:r>
             <a:r>
-              <a:rPr lang="es-MX" sz="1600" b="1" dirty="0" err="1">
-                <a:solidFill>
-                  <a:schemeClr val="tx1">
-                    <a:lumMod val="95000"/>
-                    <a:lumOff val="5000"/>
-                  </a:schemeClr>
+              <a:rPr lang="es-MX" sz="1400" b="1" dirty="0" err="1">
+                <a:solidFill>
+                  <a:srgbClr val="FF0000"/>
                 </a:solidFill>
                 <a:latin typeface="Arial" panose="020B0604020202020204" pitchFamily="34" charset="0"/>
                 <a:cs typeface="Arial" panose="020B0604020202020204" pitchFamily="34" charset="0"/>
               </a:rPr>
               <a:t>overload</a:t>
             </a:r>
-            <a:endParaRPr lang="es-MX" sz="1600" b="1" dirty="0">
+            <a:endParaRPr lang="es-MX" sz="1400" b="1" dirty="0">
               <a:solidFill>
-                <a:schemeClr val="tx1">
-                  <a:lumMod val="95000"/>
-                  <a:lumOff val="5000"/>
-                </a:schemeClr>
+                <a:srgbClr val="FF0000"/>
               </a:solidFill>
               <a:latin typeface="Arial" panose="020B0604020202020204" pitchFamily="34" charset="0"/>
               <a:cs typeface="Arial" panose="020B0604020202020204" pitchFamily="34" charset="0"/>
@@ -11915,13 +12051,18 @@
               <a:lnSpc>
                 <a:spcPct val="150000"/>
               </a:lnSpc>
+              <a:spcBef>
+                <a:spcPts val="1200"/>
+              </a:spcBef>
               <a:buFont typeface="Arial" panose="020B0604020202020204" pitchFamily="34" charset="0"/>
               <a:buChar char="•"/>
             </a:pPr>
             <a:r>
               <a:rPr lang="es-MX" sz="1600" b="1" dirty="0">
                 <a:solidFill>
-                  <a:srgbClr val="FF0000"/>
+                  <a:schemeClr val="accent2">
+                    <a:lumMod val="75000"/>
+                  </a:schemeClr>
                 </a:solidFill>
                 <a:latin typeface="Arial" panose="020B0604020202020204" pitchFamily="34" charset="0"/>
                 <a:cs typeface="Arial" panose="020B0604020202020204" pitchFamily="34" charset="0"/>
@@ -11938,7 +12079,7 @@
               <a:buAutoNum type="arabicPeriod"/>
             </a:pPr>
             <a:r>
-              <a:rPr lang="es-MX" sz="1600" dirty="0">
+              <a:rPr lang="es-MX" sz="1400" dirty="0">
                 <a:solidFill>
                   <a:schemeClr val="bg2">
                     <a:lumMod val="25000"/>
@@ -11950,7 +12091,7 @@
               <a:t>Definir un </a:t>
             </a:r>
             <a:r>
-              <a:rPr lang="es-MX" sz="1600" b="1" u="sng" dirty="0">
+              <a:rPr lang="es-MX" sz="1400" b="1" u="sng" dirty="0">
                 <a:solidFill>
                   <a:schemeClr val="bg2">
                     <a:lumMod val="25000"/>
@@ -11962,7 +12103,7 @@
               <a:t>pool con una sola dirección global (pública)</a:t>
             </a:r>
             <a:r>
-              <a:rPr lang="es-MX" sz="1600" dirty="0">
+              <a:rPr lang="es-MX" sz="1400" dirty="0">
                 <a:solidFill>
                   <a:schemeClr val="bg2">
                     <a:lumMod val="25000"/>
@@ -11981,7 +12122,7 @@
               </a:lnSpc>
             </a:pPr>
             <a:r>
-              <a:rPr lang="es-MX" sz="1600" b="1" dirty="0" err="1">
+              <a:rPr lang="es-MX" sz="1400" b="1" dirty="0" err="1">
                 <a:solidFill>
                   <a:schemeClr val="accent5">
                     <a:lumMod val="75000"/>
@@ -11993,7 +12134,7 @@
               <a:t>ip</a:t>
             </a:r>
             <a:r>
-              <a:rPr lang="es-MX" sz="1600" b="1" dirty="0">
+              <a:rPr lang="es-MX" sz="1400" b="1" dirty="0">
                 <a:solidFill>
                   <a:schemeClr val="accent5">
                     <a:lumMod val="75000"/>
@@ -12005,7 +12146,7 @@
               <a:t> </a:t>
             </a:r>
             <a:r>
-              <a:rPr lang="es-MX" sz="1600" b="1" dirty="0" err="1">
+              <a:rPr lang="es-MX" sz="1400" b="1" dirty="0" err="1">
                 <a:solidFill>
                   <a:schemeClr val="accent5">
                     <a:lumMod val="75000"/>
@@ -12017,7 +12158,7 @@
               <a:t>nat</a:t>
             </a:r>
             <a:r>
-              <a:rPr lang="es-MX" sz="1600" b="1" dirty="0">
+              <a:rPr lang="es-MX" sz="1400" b="1" dirty="0">
                 <a:solidFill>
                   <a:schemeClr val="accent5">
                     <a:lumMod val="75000"/>
@@ -12029,7 +12170,7 @@
               <a:t> pool</a:t>
             </a:r>
             <a:r>
-              <a:rPr lang="es-MX" sz="1600" dirty="0">
+              <a:rPr lang="es-MX" sz="1400" dirty="0">
                 <a:solidFill>
                   <a:schemeClr val="accent5">
                     <a:lumMod val="75000"/>
@@ -12041,7 +12182,7 @@
               <a:t> </a:t>
             </a:r>
             <a:r>
-              <a:rPr lang="es-MX" sz="1600" b="1" dirty="0">
+              <a:rPr lang="es-MX" sz="1400" b="1" dirty="0">
                 <a:solidFill>
                   <a:schemeClr val="accent6">
                     <a:lumMod val="75000"/>
@@ -12053,7 +12194,7 @@
               <a:t>Nombre </a:t>
             </a:r>
             <a:r>
-              <a:rPr lang="es-MX" sz="1600" b="1" dirty="0" err="1">
+              <a:rPr lang="es-MX" sz="1400" b="1" dirty="0" err="1">
                 <a:solidFill>
                   <a:schemeClr val="accent6">
                     <a:lumMod val="75000"/>
@@ -12065,7 +12206,7 @@
               <a:t>dirIP</a:t>
             </a:r>
             <a:r>
-              <a:rPr lang="es-MX" sz="1600" b="1" dirty="0">
+              <a:rPr lang="es-MX" sz="1400" b="1" dirty="0">
                 <a:solidFill>
                   <a:schemeClr val="accent6">
                     <a:lumMod val="75000"/>
@@ -12077,7 +12218,7 @@
               <a:t> </a:t>
             </a:r>
             <a:r>
-              <a:rPr lang="es-MX" sz="1600" b="1" dirty="0" err="1">
+              <a:rPr lang="es-MX" sz="1400" b="1" dirty="0" err="1">
                 <a:solidFill>
                   <a:schemeClr val="accent5">
                     <a:lumMod val="75000"/>
@@ -12089,7 +12230,7 @@
               <a:t>netmask</a:t>
             </a:r>
             <a:r>
-              <a:rPr lang="es-MX" sz="1600" dirty="0">
+              <a:rPr lang="es-MX" sz="1400" dirty="0">
                 <a:solidFill>
                   <a:schemeClr val="bg2">
                     <a:lumMod val="50000"/>
@@ -12101,7 +12242,7 @@
               <a:t> </a:t>
             </a:r>
             <a:r>
-              <a:rPr lang="es-MX" sz="1600" b="1" dirty="0" err="1">
+              <a:rPr lang="es-MX" sz="1400" b="1" dirty="0" err="1">
                 <a:solidFill>
                   <a:schemeClr val="accent6">
                     <a:lumMod val="75000"/>
@@ -12112,7 +12253,7 @@
               </a:rPr>
               <a:t>MáscaraSubneteo</a:t>
             </a:r>
-            <a:endParaRPr lang="es-MX" sz="1600" b="1" dirty="0">
+            <a:endParaRPr lang="es-MX" sz="1400" b="1" dirty="0">
               <a:solidFill>
                 <a:schemeClr val="accent6">
                   <a:lumMod val="75000"/>
@@ -12131,7 +12272,7 @@
               <a:buAutoNum type="arabicPeriod"/>
             </a:pPr>
             <a:r>
-              <a:rPr lang="es-MX" sz="1600" dirty="0">
+              <a:rPr lang="es-MX" sz="1400" dirty="0">
                 <a:solidFill>
                   <a:schemeClr val="bg2">
                     <a:lumMod val="25000"/>
@@ -12143,7 +12284,7 @@
               <a:t>Definir una </a:t>
             </a:r>
             <a:r>
-              <a:rPr lang="es-MX" sz="1600" b="1" u="sng" dirty="0">
+              <a:rPr lang="es-MX" sz="1400" b="1" dirty="0">
                 <a:solidFill>
                   <a:schemeClr val="bg2">
                     <a:lumMod val="25000"/>
@@ -12155,7 +12296,7 @@
               <a:t>ACL estándar</a:t>
             </a:r>
             <a:r>
-              <a:rPr lang="es-MX" sz="1600" dirty="0">
+              <a:rPr lang="es-MX" sz="1400" dirty="0">
                 <a:solidFill>
                   <a:schemeClr val="bg2">
                     <a:lumMod val="25000"/>
@@ -12174,7 +12315,7 @@
               </a:lnSpc>
             </a:pPr>
             <a:r>
-              <a:rPr lang="es-MX" sz="1600" b="1" dirty="0" err="1">
+              <a:rPr lang="es-MX" sz="1400" b="1" dirty="0" err="1">
                 <a:solidFill>
                   <a:schemeClr val="accent5">
                     <a:lumMod val="75000"/>
@@ -12186,7 +12327,7 @@
               <a:t>access-list</a:t>
             </a:r>
             <a:r>
-              <a:rPr lang="es-MX" sz="1600" b="1" dirty="0">
+              <a:rPr lang="es-MX" sz="1400" b="1" dirty="0">
                 <a:solidFill>
                   <a:schemeClr val="accent5">
                     <a:lumMod val="75000"/>
@@ -12198,7 +12339,7 @@
               <a:t> </a:t>
             </a:r>
             <a:r>
-              <a:rPr lang="es-MX" sz="1600" b="1" dirty="0">
+              <a:rPr lang="es-MX" sz="1400" b="1" dirty="0">
                 <a:solidFill>
                   <a:schemeClr val="accent6">
                     <a:lumMod val="75000"/>
@@ -12210,7 +12351,7 @@
               <a:t>Número </a:t>
             </a:r>
             <a:r>
-              <a:rPr lang="es-MX" sz="1600" b="1" dirty="0" err="1">
+              <a:rPr lang="es-MX" sz="1400" b="1" dirty="0" err="1">
                 <a:solidFill>
                   <a:schemeClr val="accent5">
                     <a:lumMod val="75000"/>
@@ -12222,7 +12363,7 @@
               <a:t>permit</a:t>
             </a:r>
             <a:r>
-              <a:rPr lang="es-MX" sz="1600" b="1" dirty="0">
+              <a:rPr lang="es-MX" sz="1400" b="1" dirty="0">
                 <a:solidFill>
                   <a:schemeClr val="bg2">
                     <a:lumMod val="50000"/>
@@ -12234,7 +12375,7 @@
               <a:t> </a:t>
             </a:r>
             <a:r>
-              <a:rPr lang="es-MX" sz="1600" b="1" dirty="0" err="1">
+              <a:rPr lang="es-MX" sz="1400" b="1" dirty="0" err="1">
                 <a:solidFill>
                   <a:schemeClr val="accent6">
                     <a:lumMod val="75000"/>
@@ -12246,7 +12387,7 @@
               <a:t>dirIP</a:t>
             </a:r>
             <a:r>
-              <a:rPr lang="es-MX" sz="1600" b="1" dirty="0">
+              <a:rPr lang="es-MX" sz="1400" b="1" dirty="0">
                 <a:solidFill>
                   <a:schemeClr val="accent6">
                     <a:lumMod val="75000"/>
@@ -12258,7 +12399,7 @@
               <a:t>-inicial</a:t>
             </a:r>
             <a:r>
-              <a:rPr lang="es-MX" sz="1600" dirty="0">
+              <a:rPr lang="es-MX" sz="1400" dirty="0">
                 <a:solidFill>
                   <a:schemeClr val="accent6">
                     <a:lumMod val="75000"/>
@@ -12270,7 +12411,7 @@
               <a:t> </a:t>
             </a:r>
             <a:r>
-              <a:rPr lang="es-MX" sz="1600" b="1" dirty="0" err="1">
+              <a:rPr lang="es-MX" sz="1400" b="1" dirty="0" err="1">
                 <a:solidFill>
                   <a:schemeClr val="accent6">
                     <a:lumMod val="75000"/>
@@ -12281,7 +12422,7 @@
               </a:rPr>
               <a:t>WildMask_ACL</a:t>
             </a:r>
-            <a:endParaRPr lang="es-MX" sz="1600" b="1" dirty="0">
+            <a:endParaRPr lang="es-MX" sz="1400" b="1" dirty="0">
               <a:solidFill>
                 <a:schemeClr val="accent6">
                   <a:lumMod val="75000"/>
@@ -12300,7 +12441,7 @@
               <a:buAutoNum type="arabicPeriod"/>
             </a:pPr>
             <a:r>
-              <a:rPr lang="es-MX" sz="1600" dirty="0">
+              <a:rPr lang="es-MX" sz="1400" dirty="0">
                 <a:solidFill>
                   <a:schemeClr val="bg2">
                     <a:lumMod val="25000"/>
@@ -12312,7 +12453,7 @@
               <a:t>Establecer la </a:t>
             </a:r>
             <a:r>
-              <a:rPr lang="es-MX" sz="1600" b="1" u="sng" dirty="0">
+              <a:rPr lang="es-MX" sz="1400" b="1" dirty="0">
                 <a:solidFill>
                   <a:schemeClr val="bg2">
                     <a:lumMod val="25000"/>
@@ -12324,7 +12465,7 @@
               <a:t>traducción dinámica de direcciones</a:t>
             </a:r>
             <a:r>
-              <a:rPr lang="es-MX" sz="1600" dirty="0">
+              <a:rPr lang="es-MX" sz="1400" dirty="0">
                 <a:solidFill>
                   <a:schemeClr val="bg2">
                     <a:lumMod val="25000"/>
@@ -12336,7 +12477,7 @@
               <a:t> utilizando la </a:t>
             </a:r>
             <a:r>
-              <a:rPr lang="es-MX" sz="1600" b="1" dirty="0">
+              <a:rPr lang="es-MX" sz="1400" b="1" dirty="0">
                 <a:solidFill>
                   <a:schemeClr val="bg2">
                     <a:lumMod val="25000"/>
@@ -12348,7 +12489,7 @@
               <a:t>ACL definida</a:t>
             </a:r>
             <a:r>
-              <a:rPr lang="es-MX" sz="1600" dirty="0">
+              <a:rPr lang="es-MX" sz="1400" dirty="0">
                 <a:solidFill>
                   <a:schemeClr val="bg2">
                     <a:lumMod val="25000"/>
@@ -12360,7 +12501,7 @@
               <a:t> y un </a:t>
             </a:r>
             <a:r>
-              <a:rPr lang="es-MX" sz="1600" b="1" u="sng" dirty="0">
+              <a:rPr lang="es-MX" sz="1400" b="1" u="sng" dirty="0">
                 <a:solidFill>
                   <a:schemeClr val="bg2">
                     <a:lumMod val="25000"/>
@@ -12372,7 +12513,7 @@
               <a:t>pool</a:t>
             </a:r>
             <a:r>
-              <a:rPr lang="es-MX" sz="1600" dirty="0">
+              <a:rPr lang="es-MX" sz="1400" dirty="0">
                 <a:solidFill>
                   <a:schemeClr val="bg2">
                     <a:lumMod val="25000"/>
@@ -12391,7 +12532,7 @@
               </a:lnSpc>
             </a:pPr>
             <a:r>
-              <a:rPr lang="es-MX" sz="1600" b="1" dirty="0" err="1">
+              <a:rPr lang="es-MX" sz="1400" b="1" dirty="0" err="1">
                 <a:solidFill>
                   <a:schemeClr val="accent5">
                     <a:lumMod val="75000"/>
@@ -12403,7 +12544,7 @@
               <a:t>ip</a:t>
             </a:r>
             <a:r>
-              <a:rPr lang="es-MX" sz="1600" b="1" dirty="0">
+              <a:rPr lang="es-MX" sz="1400" b="1" dirty="0">
                 <a:solidFill>
                   <a:schemeClr val="accent5">
                     <a:lumMod val="75000"/>
@@ -12415,7 +12556,7 @@
               <a:t> </a:t>
             </a:r>
             <a:r>
-              <a:rPr lang="es-MX" sz="1600" b="1" dirty="0" err="1">
+              <a:rPr lang="es-MX" sz="1400" b="1" dirty="0" err="1">
                 <a:solidFill>
                   <a:schemeClr val="accent5">
                     <a:lumMod val="75000"/>
@@ -12427,7 +12568,7 @@
               <a:t>nat</a:t>
             </a:r>
             <a:r>
-              <a:rPr lang="es-MX" sz="1600" b="1" dirty="0">
+              <a:rPr lang="es-MX" sz="1400" b="1" dirty="0">
                 <a:solidFill>
                   <a:schemeClr val="accent5">
                     <a:lumMod val="75000"/>
@@ -12439,7 +12580,7 @@
               <a:t> </a:t>
             </a:r>
             <a:r>
-              <a:rPr lang="es-MX" sz="1600" b="1" dirty="0" err="1">
+              <a:rPr lang="es-MX" sz="1400" b="1" dirty="0" err="1">
                 <a:solidFill>
                   <a:schemeClr val="accent5">
                     <a:lumMod val="75000"/>
@@ -12451,7 +12592,7 @@
               <a:t>inside</a:t>
             </a:r>
             <a:r>
-              <a:rPr lang="es-MX" sz="1600" b="1" dirty="0">
+              <a:rPr lang="es-MX" sz="1400" b="1" dirty="0">
                 <a:solidFill>
                   <a:schemeClr val="accent5">
                     <a:lumMod val="75000"/>
@@ -12463,7 +12604,7 @@
               <a:t> </a:t>
             </a:r>
             <a:r>
-              <a:rPr lang="es-MX" sz="1600" b="1" dirty="0" err="1">
+              <a:rPr lang="es-MX" sz="1400" b="1" dirty="0" err="1">
                 <a:solidFill>
                   <a:schemeClr val="accent5">
                     <a:lumMod val="75000"/>
@@ -12475,7 +12616,7 @@
               <a:t>source</a:t>
             </a:r>
             <a:r>
-              <a:rPr lang="es-MX" sz="1600" dirty="0">
+              <a:rPr lang="es-MX" sz="1400" dirty="0">
                 <a:solidFill>
                   <a:schemeClr val="accent5">
                     <a:lumMod val="75000"/>
@@ -12487,7 +12628,7 @@
               <a:t> </a:t>
             </a:r>
             <a:r>
-              <a:rPr lang="es-MX" sz="1600" b="1" dirty="0" err="1">
+              <a:rPr lang="es-MX" sz="1400" b="1" dirty="0" err="1">
                 <a:solidFill>
                   <a:schemeClr val="accent5">
                     <a:lumMod val="75000"/>
@@ -12499,7 +12640,7 @@
               <a:t>list</a:t>
             </a:r>
             <a:r>
-              <a:rPr lang="es-MX" sz="1600" b="1" dirty="0">
+              <a:rPr lang="es-MX" sz="1400" b="1" dirty="0">
                 <a:solidFill>
                   <a:schemeClr val="accent5">
                     <a:lumMod val="75000"/>
@@ -12511,7 +12652,7 @@
               <a:t> </a:t>
             </a:r>
             <a:r>
-              <a:rPr lang="es-MX" sz="1600" dirty="0">
+              <a:rPr lang="es-MX" sz="1400" dirty="0">
                 <a:solidFill>
                   <a:schemeClr val="bg2">
                     <a:lumMod val="25000"/>
@@ -12523,7 +12664,7 @@
               <a:t>{</a:t>
             </a:r>
             <a:r>
-              <a:rPr lang="es-MX" sz="1600" b="1" dirty="0">
+              <a:rPr lang="es-MX" sz="1400" b="1" dirty="0">
                 <a:solidFill>
                   <a:schemeClr val="accent6">
                     <a:lumMod val="75000"/>
@@ -12535,7 +12676,7 @@
               <a:t>Número | Nombre</a:t>
             </a:r>
             <a:r>
-              <a:rPr lang="es-MX" sz="1600" dirty="0">
+              <a:rPr lang="es-MX" sz="1400" dirty="0">
                 <a:solidFill>
                   <a:schemeClr val="bg2">
                     <a:lumMod val="25000"/>
@@ -12547,7 +12688,7 @@
               <a:t>} </a:t>
             </a:r>
             <a:r>
-              <a:rPr lang="es-MX" sz="1600" b="1" u="sng" dirty="0">
+              <a:rPr lang="es-MX" sz="1400" b="1" u="sng" dirty="0">
                 <a:solidFill>
                   <a:schemeClr val="accent5">
                     <a:lumMod val="75000"/>
@@ -12559,7 +12700,7 @@
               <a:t>pool</a:t>
             </a:r>
             <a:r>
-              <a:rPr lang="es-MX" sz="1600" dirty="0">
+              <a:rPr lang="es-MX" sz="1400" dirty="0">
                 <a:solidFill>
                   <a:schemeClr val="accent5">
                     <a:lumMod val="75000"/>
@@ -12571,7 +12712,7 @@
               <a:t> </a:t>
             </a:r>
             <a:r>
-              <a:rPr lang="es-MX" sz="1600" b="1" dirty="0">
+              <a:rPr lang="es-MX" sz="1400" b="1" dirty="0">
                 <a:solidFill>
                   <a:schemeClr val="accent6">
                     <a:lumMod val="75000"/>
@@ -12583,19 +12724,16 @@
               <a:t>NOMBRE </a:t>
             </a:r>
             <a:r>
-              <a:rPr lang="es-MX" sz="1600" b="1" dirty="0" err="1">
-                <a:solidFill>
-                  <a:schemeClr val="tx1">
-                    <a:lumMod val="95000"/>
-                    <a:lumOff val="5000"/>
-                  </a:schemeClr>
+              <a:rPr lang="es-MX" sz="1400" b="1" dirty="0" err="1">
+                <a:solidFill>
+                  <a:srgbClr val="FF0000"/>
                 </a:solidFill>
                 <a:latin typeface="Arial" panose="020B0604020202020204" pitchFamily="34" charset="0"/>
                 <a:cs typeface="Arial" panose="020B0604020202020204" pitchFamily="34" charset="0"/>
               </a:rPr>
               <a:t>overload</a:t>
             </a:r>
-            <a:endParaRPr lang="es-MX" sz="1600" dirty="0">
+            <a:endParaRPr lang="es-MX" sz="1400" dirty="0">
               <a:solidFill>
                 <a:srgbClr val="FF0000"/>
               </a:solidFill>
@@ -12759,9 +12897,85 @@
           <a:chExt cx="0" cy="0"/>
         </a:xfrm>
       </p:grpSpPr>
+      <p:pic>
+        <p:nvPicPr>
+          <p:cNvPr id="5" name="Imagen 4">
+            <a:extLst>
+              <a:ext uri="{FF2B5EF4-FFF2-40B4-BE49-F238E27FC236}">
+                <a16:creationId xmlns:a16="http://schemas.microsoft.com/office/drawing/2014/main" id="{EB518922-49CE-46D6-B29F-E567A8EB9378}"/>
+              </a:ext>
+            </a:extLst>
+          </p:cNvPr>
+          <p:cNvPicPr>
+            <a:picLocks noChangeAspect="1"/>
+          </p:cNvPicPr>
+          <p:nvPr/>
+        </p:nvPicPr>
+        <p:blipFill>
+          <a:blip r:embed="rId3"/>
+          <a:stretch>
+            <a:fillRect/>
+          </a:stretch>
+        </p:blipFill>
+        <p:spPr>
+          <a:xfrm>
+            <a:off x="4495800" y="1682578"/>
+            <a:ext cx="6907860" cy="4800600"/>
+          </a:xfrm>
+          <a:prstGeom prst="rect">
+            <a:avLst/>
+          </a:prstGeom>
+        </p:spPr>
+      </p:pic>
       <p:sp>
         <p:nvSpPr>
-          <p:cNvPr id="35845" name="7 CuadroTexto"/>
+          <p:cNvPr id="2" name="object 2"/>
+          <p:cNvSpPr txBox="1"/>
+          <p:nvPr/>
+        </p:nvSpPr>
+        <p:spPr>
+          <a:xfrm>
+            <a:off x="1752600" y="381000"/>
+            <a:ext cx="7696200" cy="492443"/>
+          </a:xfrm>
+          <a:prstGeom prst="rect">
+            <a:avLst/>
+          </a:prstGeom>
+        </p:spPr>
+        <p:txBody>
+          <a:bodyPr vert="horz" wrap="square" lIns="0" tIns="0" rIns="0" bIns="0" rtlCol="0">
+            <a:spAutoFit/>
+          </a:bodyPr>
+          <a:lstStyle/>
+          <a:p>
+            <a:pPr marL="12700" algn="ctr">
+              <a:lnSpc>
+                <a:spcPct val="100000"/>
+              </a:lnSpc>
+            </a:pPr>
+            <a:r>
+              <a:rPr lang="es-ES" sz="3200" b="1" spc="-25" dirty="0">
+                <a:latin typeface="Calibri"/>
+                <a:cs typeface="Calibri"/>
+              </a:rPr>
+              <a:t>Configuración de PAT</a:t>
+            </a:r>
+            <a:endParaRPr sz="3200" dirty="0">
+              <a:latin typeface="Calibri"/>
+              <a:cs typeface="Calibri"/>
+            </a:endParaRPr>
+          </a:p>
+        </p:txBody>
+      </p:sp>
+      <p:sp>
+        <p:nvSpPr>
+          <p:cNvPr id="9" name="7 CuadroTexto">
+            <a:extLst>
+              <a:ext uri="{FF2B5EF4-FFF2-40B4-BE49-F238E27FC236}">
+                <a16:creationId xmlns:a16="http://schemas.microsoft.com/office/drawing/2014/main" id="{134ED542-4C7D-4B50-8C07-A5B19B10A18D}"/>
+              </a:ext>
+            </a:extLst>
+          </p:cNvPr>
           <p:cNvSpPr txBox="1">
             <a:spLocks noChangeArrowheads="1"/>
           </p:cNvSpPr>
@@ -12769,8 +12983,8 @@
         </p:nvSpPr>
         <p:spPr bwMode="auto">
           <a:xfrm>
-            <a:off x="609600" y="990600"/>
-            <a:ext cx="9906000" cy="6448432"/>
+            <a:off x="457200" y="1066800"/>
+            <a:ext cx="10820400" cy="785343"/>
           </a:xfrm>
           <a:prstGeom prst="rect">
             <a:avLst/>
@@ -12902,637 +13116,73 @@
             </a:lvl9pPr>
           </a:lstStyle>
           <a:p>
-            <a:pPr algn="just">
-              <a:lnSpc>
-                <a:spcPct val="200000"/>
-              </a:lnSpc>
-              <a:spcBef>
-                <a:spcPts val="600"/>
-              </a:spcBef>
-            </a:pPr>
-            <a:r>
-              <a:rPr lang="es-ES" sz="2000" b="1" dirty="0">
-                <a:solidFill>
-                  <a:schemeClr val="accent4">
-                    <a:lumMod val="50000"/>
-                  </a:schemeClr>
-                </a:solidFill>
-                <a:latin typeface="Arial" panose="020B0604020202020204" pitchFamily="34" charset="0"/>
-                <a:cs typeface="Arial" panose="020B0604020202020204" pitchFamily="34" charset="0"/>
-              </a:rPr>
-              <a:t>NAT estático. </a:t>
-            </a:r>
-            <a:r>
-              <a:rPr lang="es-ES" sz="1600" dirty="0">
-                <a:latin typeface="Arial" panose="020B0604020202020204" pitchFamily="34" charset="0"/>
-                <a:cs typeface="Arial" panose="020B0604020202020204" pitchFamily="34" charset="0"/>
-              </a:rPr>
-              <a:t>Se traduce </a:t>
-            </a:r>
-            <a:r>
-              <a:rPr lang="es-ES" sz="1600" u="sng" dirty="0">
-                <a:latin typeface="Arial" panose="020B0604020202020204" pitchFamily="34" charset="0"/>
-                <a:cs typeface="Arial" panose="020B0604020202020204" pitchFamily="34" charset="0"/>
-              </a:rPr>
-              <a:t>una dirección IP privada por una dirección IP pública</a:t>
-            </a:r>
-            <a:r>
-              <a:rPr lang="es-ES" sz="1600" dirty="0">
-                <a:latin typeface="Arial" panose="020B0604020202020204" pitchFamily="34" charset="0"/>
-                <a:cs typeface="Arial" panose="020B0604020202020204" pitchFamily="34" charset="0"/>
-              </a:rPr>
-              <a:t>.</a:t>
-            </a:r>
-          </a:p>
-          <a:p>
-            <a:pPr lvl="1" algn="just">
-              <a:lnSpc>
-                <a:spcPct val="200000"/>
-              </a:lnSpc>
-              <a:spcBef>
-                <a:spcPts val="600"/>
-              </a:spcBef>
-            </a:pPr>
-            <a:r>
-              <a:rPr lang="es-MX" sz="1600" b="1" dirty="0" err="1">
-                <a:solidFill>
-                  <a:schemeClr val="accent5">
-                    <a:lumMod val="75000"/>
-                  </a:schemeClr>
-                </a:solidFill>
-                <a:latin typeface="Arial" panose="020B0604020202020204" pitchFamily="34" charset="0"/>
-                <a:cs typeface="Arial" panose="020B0604020202020204" pitchFamily="34" charset="0"/>
-              </a:rPr>
-              <a:t>ip</a:t>
-            </a:r>
-            <a:r>
-              <a:rPr lang="es-MX" sz="1600" b="1" dirty="0">
-                <a:solidFill>
-                  <a:schemeClr val="accent5">
-                    <a:lumMod val="75000"/>
-                  </a:schemeClr>
-                </a:solidFill>
-                <a:latin typeface="Arial" panose="020B0604020202020204" pitchFamily="34" charset="0"/>
-                <a:cs typeface="Arial" panose="020B0604020202020204" pitchFamily="34" charset="0"/>
-              </a:rPr>
-              <a:t> </a:t>
-            </a:r>
-            <a:r>
-              <a:rPr lang="es-MX" sz="1600" b="1" dirty="0" err="1">
-                <a:solidFill>
-                  <a:schemeClr val="accent5">
-                    <a:lumMod val="75000"/>
-                  </a:schemeClr>
-                </a:solidFill>
-                <a:latin typeface="Arial" panose="020B0604020202020204" pitchFamily="34" charset="0"/>
-                <a:cs typeface="Arial" panose="020B0604020202020204" pitchFamily="34" charset="0"/>
-              </a:rPr>
-              <a:t>nat</a:t>
-            </a:r>
-            <a:r>
-              <a:rPr lang="es-MX" sz="1600" b="1" dirty="0">
-                <a:solidFill>
-                  <a:schemeClr val="accent5">
-                    <a:lumMod val="75000"/>
-                  </a:schemeClr>
-                </a:solidFill>
-                <a:latin typeface="Arial" panose="020B0604020202020204" pitchFamily="34" charset="0"/>
-                <a:cs typeface="Arial" panose="020B0604020202020204" pitchFamily="34" charset="0"/>
-              </a:rPr>
-              <a:t> </a:t>
-            </a:r>
-            <a:r>
-              <a:rPr lang="es-MX" sz="1600" b="1" dirty="0" err="1">
-                <a:solidFill>
-                  <a:schemeClr val="accent5">
-                    <a:lumMod val="75000"/>
-                  </a:schemeClr>
-                </a:solidFill>
-                <a:latin typeface="Arial" panose="020B0604020202020204" pitchFamily="34" charset="0"/>
-                <a:cs typeface="Arial" panose="020B0604020202020204" pitchFamily="34" charset="0"/>
-              </a:rPr>
-              <a:t>inside</a:t>
-            </a:r>
-            <a:r>
-              <a:rPr lang="es-MX" sz="1600" b="1" dirty="0">
-                <a:solidFill>
-                  <a:schemeClr val="accent5">
-                    <a:lumMod val="75000"/>
-                  </a:schemeClr>
-                </a:solidFill>
-                <a:latin typeface="Arial" panose="020B0604020202020204" pitchFamily="34" charset="0"/>
-                <a:cs typeface="Arial" panose="020B0604020202020204" pitchFamily="34" charset="0"/>
-              </a:rPr>
-              <a:t> </a:t>
-            </a:r>
-            <a:r>
-              <a:rPr lang="es-MX" sz="1600" b="1" dirty="0" err="1">
-                <a:solidFill>
-                  <a:schemeClr val="accent5">
-                    <a:lumMod val="75000"/>
-                  </a:schemeClr>
-                </a:solidFill>
-                <a:latin typeface="Arial" panose="020B0604020202020204" pitchFamily="34" charset="0"/>
-                <a:cs typeface="Arial" panose="020B0604020202020204" pitchFamily="34" charset="0"/>
-              </a:rPr>
-              <a:t>source</a:t>
-            </a:r>
-            <a:r>
-              <a:rPr lang="es-MX" sz="1600" dirty="0">
-                <a:solidFill>
-                  <a:schemeClr val="accent5">
-                    <a:lumMod val="75000"/>
-                  </a:schemeClr>
-                </a:solidFill>
-                <a:latin typeface="Arial" panose="020B0604020202020204" pitchFamily="34" charset="0"/>
-                <a:cs typeface="Arial" panose="020B0604020202020204" pitchFamily="34" charset="0"/>
-              </a:rPr>
-              <a:t> </a:t>
-            </a:r>
-            <a:r>
-              <a:rPr lang="es-MX" sz="1600" b="1" dirty="0" err="1">
-                <a:solidFill>
-                  <a:schemeClr val="accent5">
-                    <a:lumMod val="75000"/>
-                  </a:schemeClr>
-                </a:solidFill>
-                <a:latin typeface="Arial" panose="020B0604020202020204" pitchFamily="34" charset="0"/>
-                <a:cs typeface="Arial" panose="020B0604020202020204" pitchFamily="34" charset="0"/>
-              </a:rPr>
-              <a:t>static</a:t>
-            </a:r>
-            <a:r>
-              <a:rPr lang="es-MX" sz="1600" b="1" dirty="0">
-                <a:solidFill>
-                  <a:schemeClr val="accent5">
-                    <a:lumMod val="75000"/>
-                  </a:schemeClr>
-                </a:solidFill>
-                <a:latin typeface="Arial" panose="020B0604020202020204" pitchFamily="34" charset="0"/>
-                <a:cs typeface="Arial" panose="020B0604020202020204" pitchFamily="34" charset="0"/>
-              </a:rPr>
-              <a:t> </a:t>
-            </a:r>
-            <a:r>
-              <a:rPr lang="es-MX" sz="1600" b="1" dirty="0">
-                <a:solidFill>
-                  <a:schemeClr val="accent6">
-                    <a:lumMod val="75000"/>
-                  </a:schemeClr>
-                </a:solidFill>
-                <a:latin typeface="Arial" panose="020B0604020202020204" pitchFamily="34" charset="0"/>
-                <a:cs typeface="Arial" panose="020B0604020202020204" pitchFamily="34" charset="0"/>
-              </a:rPr>
-              <a:t>IP-local IP-Global</a:t>
-            </a:r>
-            <a:endParaRPr lang="es-MX" sz="1600" dirty="0">
-              <a:solidFill>
-                <a:schemeClr val="bg2">
-                  <a:lumMod val="25000"/>
-                </a:schemeClr>
-              </a:solidFill>
-              <a:latin typeface="Arial" panose="020B0604020202020204" pitchFamily="34" charset="0"/>
-              <a:cs typeface="Arial" panose="020B0604020202020204" pitchFamily="34" charset="0"/>
-            </a:endParaRPr>
-          </a:p>
-          <a:p>
-            <a:pPr algn="just">
-              <a:lnSpc>
-                <a:spcPct val="200000"/>
-              </a:lnSpc>
-              <a:spcBef>
-                <a:spcPts val="600"/>
-              </a:spcBef>
-            </a:pPr>
-            <a:r>
-              <a:rPr lang="es-ES" sz="2000" b="1" dirty="0">
-                <a:solidFill>
-                  <a:schemeClr val="accent4">
-                    <a:lumMod val="50000"/>
-                  </a:schemeClr>
-                </a:solidFill>
-                <a:latin typeface="Arial" panose="020B0604020202020204" pitchFamily="34" charset="0"/>
-                <a:cs typeface="Arial" panose="020B0604020202020204" pitchFamily="34" charset="0"/>
-              </a:rPr>
-              <a:t>NAT puro. </a:t>
-            </a:r>
-            <a:r>
-              <a:rPr lang="es-ES" sz="1600" dirty="0">
-                <a:latin typeface="Arial" panose="020B0604020202020204" pitchFamily="34" charset="0"/>
-                <a:cs typeface="Arial" panose="020B0604020202020204" pitchFamily="34" charset="0"/>
-              </a:rPr>
-              <a:t>Por </a:t>
-            </a:r>
-            <a:r>
-              <a:rPr lang="es-ES" sz="1600" u="sng" dirty="0">
-                <a:latin typeface="Arial" panose="020B0604020202020204" pitchFamily="34" charset="0"/>
-                <a:cs typeface="Arial" panose="020B0604020202020204" pitchFamily="34" charset="0"/>
-              </a:rPr>
-              <a:t>cada dirección IP privada se traduce a una dirección IP pública</a:t>
-            </a:r>
-            <a:r>
-              <a:rPr lang="es-ES" sz="1600" dirty="0">
-                <a:latin typeface="Arial" panose="020B0604020202020204" pitchFamily="34" charset="0"/>
-                <a:cs typeface="Arial" panose="020B0604020202020204" pitchFamily="34" charset="0"/>
-              </a:rPr>
-              <a:t>, lo cual consume muchas direcciones </a:t>
-            </a:r>
-            <a:r>
-              <a:rPr lang="es-ES" sz="1600" dirty="0" err="1">
-                <a:latin typeface="Arial" panose="020B0604020202020204" pitchFamily="34" charset="0"/>
-                <a:cs typeface="Arial" panose="020B0604020202020204" pitchFamily="34" charset="0"/>
-              </a:rPr>
-              <a:t>IPs</a:t>
-            </a:r>
-            <a:r>
-              <a:rPr lang="es-ES" sz="1600" dirty="0">
-                <a:latin typeface="Arial" panose="020B0604020202020204" pitchFamily="34" charset="0"/>
-                <a:cs typeface="Arial" panose="020B0604020202020204" pitchFamily="34" charset="0"/>
-              </a:rPr>
-              <a:t> públicas.</a:t>
-            </a:r>
-          </a:p>
-          <a:p>
-            <a:pPr lvl="1" algn="just">
-              <a:lnSpc>
-                <a:spcPct val="200000"/>
-              </a:lnSpc>
-              <a:spcBef>
-                <a:spcPts val="600"/>
-              </a:spcBef>
-            </a:pPr>
-            <a:r>
-              <a:rPr lang="es-MX" sz="1600" b="1" dirty="0" err="1">
-                <a:solidFill>
-                  <a:schemeClr val="accent5">
-                    <a:lumMod val="75000"/>
-                  </a:schemeClr>
-                </a:solidFill>
-                <a:latin typeface="Arial" panose="020B0604020202020204" pitchFamily="34" charset="0"/>
-                <a:cs typeface="Arial" panose="020B0604020202020204" pitchFamily="34" charset="0"/>
-              </a:rPr>
-              <a:t>ip</a:t>
-            </a:r>
-            <a:r>
-              <a:rPr lang="es-MX" sz="1600" b="1" dirty="0">
-                <a:solidFill>
-                  <a:schemeClr val="accent5">
-                    <a:lumMod val="75000"/>
-                  </a:schemeClr>
-                </a:solidFill>
-                <a:latin typeface="Arial" panose="020B0604020202020204" pitchFamily="34" charset="0"/>
-                <a:cs typeface="Arial" panose="020B0604020202020204" pitchFamily="34" charset="0"/>
-              </a:rPr>
-              <a:t> </a:t>
-            </a:r>
-            <a:r>
-              <a:rPr lang="es-MX" sz="1600" b="1" dirty="0" err="1">
-                <a:solidFill>
-                  <a:schemeClr val="accent5">
-                    <a:lumMod val="75000"/>
-                  </a:schemeClr>
-                </a:solidFill>
-                <a:latin typeface="Arial" panose="020B0604020202020204" pitchFamily="34" charset="0"/>
-                <a:cs typeface="Arial" panose="020B0604020202020204" pitchFamily="34" charset="0"/>
-              </a:rPr>
-              <a:t>nat</a:t>
-            </a:r>
-            <a:r>
-              <a:rPr lang="es-MX" sz="1600" b="1" dirty="0">
-                <a:solidFill>
-                  <a:schemeClr val="accent5">
-                    <a:lumMod val="75000"/>
-                  </a:schemeClr>
-                </a:solidFill>
-                <a:latin typeface="Arial" panose="020B0604020202020204" pitchFamily="34" charset="0"/>
-                <a:cs typeface="Arial" panose="020B0604020202020204" pitchFamily="34" charset="0"/>
-              </a:rPr>
-              <a:t> </a:t>
-            </a:r>
-            <a:r>
-              <a:rPr lang="es-MX" sz="1600" b="1" dirty="0" err="1">
-                <a:solidFill>
-                  <a:schemeClr val="accent5">
-                    <a:lumMod val="75000"/>
-                  </a:schemeClr>
-                </a:solidFill>
-                <a:latin typeface="Arial" panose="020B0604020202020204" pitchFamily="34" charset="0"/>
-                <a:cs typeface="Arial" panose="020B0604020202020204" pitchFamily="34" charset="0"/>
-              </a:rPr>
-              <a:t>inside</a:t>
-            </a:r>
-            <a:r>
-              <a:rPr lang="es-MX" sz="1600" b="1" dirty="0">
-                <a:solidFill>
-                  <a:schemeClr val="accent5">
-                    <a:lumMod val="75000"/>
-                  </a:schemeClr>
-                </a:solidFill>
-                <a:latin typeface="Arial" panose="020B0604020202020204" pitchFamily="34" charset="0"/>
-                <a:cs typeface="Arial" panose="020B0604020202020204" pitchFamily="34" charset="0"/>
-              </a:rPr>
-              <a:t> </a:t>
-            </a:r>
-            <a:r>
-              <a:rPr lang="es-MX" sz="1600" b="1" dirty="0" err="1">
-                <a:solidFill>
-                  <a:schemeClr val="accent5">
-                    <a:lumMod val="75000"/>
-                  </a:schemeClr>
-                </a:solidFill>
-                <a:latin typeface="Arial" panose="020B0604020202020204" pitchFamily="34" charset="0"/>
-                <a:cs typeface="Arial" panose="020B0604020202020204" pitchFamily="34" charset="0"/>
-              </a:rPr>
-              <a:t>source</a:t>
-            </a:r>
-            <a:r>
-              <a:rPr lang="es-MX" sz="1600" dirty="0">
-                <a:solidFill>
-                  <a:schemeClr val="accent5">
-                    <a:lumMod val="75000"/>
-                  </a:schemeClr>
-                </a:solidFill>
-                <a:latin typeface="Arial" panose="020B0604020202020204" pitchFamily="34" charset="0"/>
-                <a:cs typeface="Arial" panose="020B0604020202020204" pitchFamily="34" charset="0"/>
-              </a:rPr>
-              <a:t> </a:t>
-            </a:r>
-            <a:r>
-              <a:rPr lang="es-MX" sz="1600" b="1" dirty="0" err="1">
-                <a:solidFill>
-                  <a:schemeClr val="accent5">
-                    <a:lumMod val="75000"/>
-                  </a:schemeClr>
-                </a:solidFill>
-                <a:latin typeface="Arial" panose="020B0604020202020204" pitchFamily="34" charset="0"/>
-                <a:cs typeface="Arial" panose="020B0604020202020204" pitchFamily="34" charset="0"/>
-              </a:rPr>
-              <a:t>static</a:t>
-            </a:r>
-            <a:r>
-              <a:rPr lang="es-MX" sz="1600" b="1" dirty="0">
-                <a:solidFill>
-                  <a:schemeClr val="accent5">
-                    <a:lumMod val="75000"/>
-                  </a:schemeClr>
-                </a:solidFill>
-                <a:latin typeface="Arial" panose="020B0604020202020204" pitchFamily="34" charset="0"/>
-                <a:cs typeface="Arial" panose="020B0604020202020204" pitchFamily="34" charset="0"/>
-              </a:rPr>
-              <a:t> </a:t>
-            </a:r>
-            <a:r>
-              <a:rPr lang="es-MX" sz="1600" b="1" dirty="0">
-                <a:solidFill>
-                  <a:schemeClr val="accent6">
-                    <a:lumMod val="75000"/>
-                  </a:schemeClr>
-                </a:solidFill>
-                <a:latin typeface="Arial" panose="020B0604020202020204" pitchFamily="34" charset="0"/>
-                <a:cs typeface="Arial" panose="020B0604020202020204" pitchFamily="34" charset="0"/>
-              </a:rPr>
-              <a:t>IP-local IP-Global</a:t>
-            </a:r>
-            <a:endParaRPr lang="es-MX" sz="1600" dirty="0">
-              <a:solidFill>
-                <a:schemeClr val="bg2">
-                  <a:lumMod val="25000"/>
-                </a:schemeClr>
-              </a:solidFill>
-              <a:latin typeface="Arial" panose="020B0604020202020204" pitchFamily="34" charset="0"/>
-              <a:cs typeface="Arial" panose="020B0604020202020204" pitchFamily="34" charset="0"/>
-            </a:endParaRPr>
-          </a:p>
-          <a:p>
-            <a:pPr algn="just">
-              <a:lnSpc>
-                <a:spcPct val="200000"/>
-              </a:lnSpc>
-              <a:spcBef>
-                <a:spcPts val="600"/>
-              </a:spcBef>
-            </a:pPr>
-            <a:endParaRPr lang="es-MX" sz="1600" dirty="0">
-              <a:latin typeface="Arial" panose="020B0604020202020204" pitchFamily="34" charset="0"/>
-              <a:cs typeface="Arial" panose="020B0604020202020204" pitchFamily="34" charset="0"/>
-            </a:endParaRPr>
-          </a:p>
-          <a:p>
-            <a:pPr lvl="0" algn="just">
+            <a:pPr marL="342900" indent="-342900">
               <a:lnSpc>
                 <a:spcPct val="150000"/>
               </a:lnSpc>
-              <a:spcBef>
-                <a:spcPts val="600"/>
-              </a:spcBef>
+              <a:buAutoNum type="arabicPeriod"/>
             </a:pPr>
             <a:r>
-              <a:rPr lang="es-ES" sz="1600" b="1" dirty="0">
-                <a:solidFill>
-                  <a:schemeClr val="accent5">
-                    <a:lumMod val="75000"/>
-                  </a:schemeClr>
-                </a:solidFill>
-                <a:latin typeface="Arial" panose="020B0604020202020204" pitchFamily="34" charset="0"/>
-                <a:cs typeface="Arial" panose="020B0604020202020204" pitchFamily="34" charset="0"/>
-              </a:rPr>
-              <a:t>NAT dinámico:</a:t>
-            </a:r>
-          </a:p>
-          <a:p>
-            <a:pPr marL="342900" indent="-342900" algn="just">
-              <a:lnSpc>
-                <a:spcPct val="150000"/>
-              </a:lnSpc>
-              <a:spcBef>
-                <a:spcPts val="600"/>
-              </a:spcBef>
-              <a:buFont typeface="+mj-lt"/>
-              <a:buAutoNum type="arabicPeriod" startAt="2"/>
-            </a:pPr>
-            <a:r>
-              <a:rPr lang="es-ES" sz="1600" b="1" dirty="0">
-                <a:solidFill>
-                  <a:schemeClr val="accent6">
-                    <a:lumMod val="75000"/>
-                  </a:schemeClr>
-                </a:solidFill>
-                <a:latin typeface="Arial" panose="020B0604020202020204" pitchFamily="34" charset="0"/>
-                <a:cs typeface="Arial" panose="020B0604020202020204" pitchFamily="34" charset="0"/>
-              </a:rPr>
-              <a:t>NAT puro: </a:t>
-            </a:r>
-            <a:r>
-              <a:rPr lang="es-ES" sz="1600" dirty="0">
-                <a:latin typeface="Arial" panose="020B0604020202020204" pitchFamily="34" charset="0"/>
-                <a:cs typeface="Arial" panose="020B0604020202020204" pitchFamily="34" charset="0"/>
-              </a:rPr>
-              <a:t>Por </a:t>
-            </a:r>
-            <a:r>
-              <a:rPr lang="es-ES" sz="1600" u="sng" dirty="0">
-                <a:latin typeface="Arial" panose="020B0604020202020204" pitchFamily="34" charset="0"/>
-                <a:cs typeface="Arial" panose="020B0604020202020204" pitchFamily="34" charset="0"/>
-              </a:rPr>
-              <a:t>cada dirección IP privada se traduce a una dirección IP pública</a:t>
-            </a:r>
-            <a:r>
-              <a:rPr lang="es-ES" sz="1600" dirty="0">
-                <a:latin typeface="Arial" panose="020B0604020202020204" pitchFamily="34" charset="0"/>
-                <a:cs typeface="Arial" panose="020B0604020202020204" pitchFamily="34" charset="0"/>
-              </a:rPr>
-              <a:t>, lo cual consume muchas direcciones </a:t>
-            </a:r>
-            <a:r>
-              <a:rPr lang="es-ES" sz="1600" dirty="0" err="1">
-                <a:latin typeface="Arial" panose="020B0604020202020204" pitchFamily="34" charset="0"/>
-                <a:cs typeface="Arial" panose="020B0604020202020204" pitchFamily="34" charset="0"/>
-              </a:rPr>
-              <a:t>IPs</a:t>
-            </a:r>
-            <a:r>
-              <a:rPr lang="es-ES" sz="1600" dirty="0">
-                <a:latin typeface="Arial" panose="020B0604020202020204" pitchFamily="34" charset="0"/>
-                <a:cs typeface="Arial" panose="020B0604020202020204" pitchFamily="34" charset="0"/>
-              </a:rPr>
-              <a:t> públicas. </a:t>
-            </a:r>
-          </a:p>
-          <a:p>
-            <a:pPr marL="342900" indent="-342900" algn="just">
-              <a:lnSpc>
-                <a:spcPct val="150000"/>
-              </a:lnSpc>
-              <a:spcBef>
-                <a:spcPts val="600"/>
-              </a:spcBef>
-              <a:buFont typeface="+mj-lt"/>
-              <a:buAutoNum type="arabicPeriod" startAt="2"/>
-            </a:pPr>
-            <a:r>
-              <a:rPr lang="es-ES" sz="1600" b="1" dirty="0">
-                <a:solidFill>
-                  <a:schemeClr val="accent6">
-                    <a:lumMod val="75000"/>
-                  </a:schemeClr>
-                </a:solidFill>
-                <a:latin typeface="Arial" panose="020B0604020202020204" pitchFamily="34" charset="0"/>
-                <a:cs typeface="Arial" panose="020B0604020202020204" pitchFamily="34" charset="0"/>
-              </a:rPr>
-              <a:t>NAT con sobrecarga (PAT): </a:t>
-            </a:r>
-            <a:r>
-              <a:rPr lang="es-ES" sz="1600" u="sng" dirty="0">
-                <a:latin typeface="Arial" panose="020B0604020202020204" pitchFamily="34" charset="0"/>
-                <a:cs typeface="Arial" panose="020B0604020202020204" pitchFamily="34" charset="0"/>
-              </a:rPr>
-              <a:t>Muchas direcciones IP privadas se traducen con pocas direcciones IP públicas</a:t>
-            </a:r>
-            <a:r>
-              <a:rPr lang="es-ES" sz="1600" dirty="0">
-                <a:latin typeface="Arial" panose="020B0604020202020204" pitchFamily="34" charset="0"/>
-                <a:cs typeface="Arial" panose="020B0604020202020204" pitchFamily="34" charset="0"/>
-              </a:rPr>
-              <a:t>. Se utiliza la combinación de direccionamiento </a:t>
-            </a:r>
-            <a:r>
-              <a:rPr lang="es-ES" sz="1600" b="1" dirty="0">
-                <a:latin typeface="Arial" panose="020B0604020202020204" pitchFamily="34" charset="0"/>
-                <a:cs typeface="Arial" panose="020B0604020202020204" pitchFamily="34" charset="0"/>
-              </a:rPr>
-              <a:t>IP capa 3</a:t>
-            </a:r>
-            <a:r>
-              <a:rPr lang="es-ES" sz="1600" dirty="0">
-                <a:latin typeface="Arial" panose="020B0604020202020204" pitchFamily="34" charset="0"/>
-                <a:cs typeface="Arial" panose="020B0604020202020204" pitchFamily="34" charset="0"/>
-              </a:rPr>
-              <a:t> y el </a:t>
-            </a:r>
-            <a:r>
-              <a:rPr lang="es-ES" sz="1600" b="1" dirty="0">
-                <a:latin typeface="Arial" panose="020B0604020202020204" pitchFamily="34" charset="0"/>
-                <a:cs typeface="Arial" panose="020B0604020202020204" pitchFamily="34" charset="0"/>
-              </a:rPr>
-              <a:t>puerto capa 4</a:t>
-            </a:r>
-            <a:r>
-              <a:rPr lang="es-ES" sz="1600" dirty="0">
-                <a:latin typeface="Arial" panose="020B0604020202020204" pitchFamily="34" charset="0"/>
-                <a:cs typeface="Arial" panose="020B0604020202020204" pitchFamily="34" charset="0"/>
-              </a:rPr>
-              <a:t>. </a:t>
-            </a:r>
-          </a:p>
-          <a:p>
-            <a:pPr marL="342900" indent="-342900" algn="just">
-              <a:lnSpc>
-                <a:spcPct val="150000"/>
-              </a:lnSpc>
-              <a:spcBef>
-                <a:spcPts val="600"/>
-              </a:spcBef>
-              <a:buFont typeface="+mj-lt"/>
-              <a:buAutoNum type="arabicPeriod" startAt="2"/>
-            </a:pPr>
-            <a:r>
-              <a:rPr lang="es-MX" sz="1600" b="1" dirty="0">
-                <a:solidFill>
-                  <a:schemeClr val="accent6">
-                    <a:lumMod val="75000"/>
-                  </a:schemeClr>
-                </a:solidFill>
-                <a:latin typeface="Arial" panose="020B0604020202020204" pitchFamily="34" charset="0"/>
-                <a:cs typeface="Arial" panose="020B0604020202020204" pitchFamily="34" charset="0"/>
-              </a:rPr>
-              <a:t>Port </a:t>
-            </a:r>
-            <a:r>
-              <a:rPr lang="es-MX" sz="1600" b="1" dirty="0" err="1">
-                <a:solidFill>
-                  <a:schemeClr val="accent6">
-                    <a:lumMod val="75000"/>
-                  </a:schemeClr>
-                </a:solidFill>
-                <a:latin typeface="Arial" panose="020B0604020202020204" pitchFamily="34" charset="0"/>
-                <a:cs typeface="Arial" panose="020B0604020202020204" pitchFamily="34" charset="0"/>
-              </a:rPr>
-              <a:t>forwarding</a:t>
-            </a:r>
-            <a:r>
-              <a:rPr lang="es-MX" sz="1600" b="1" dirty="0">
-                <a:solidFill>
-                  <a:schemeClr val="accent6">
-                    <a:lumMod val="75000"/>
-                  </a:schemeClr>
-                </a:solidFill>
-                <a:latin typeface="Arial" panose="020B0604020202020204" pitchFamily="34" charset="0"/>
-                <a:cs typeface="Arial" panose="020B0604020202020204" pitchFamily="34" charset="0"/>
-              </a:rPr>
-              <a:t>: </a:t>
-            </a:r>
-            <a:r>
-              <a:rPr lang="es-ES" sz="1600" u="sng" dirty="0">
-                <a:latin typeface="Arial" panose="020B0604020202020204" pitchFamily="34" charset="0"/>
-                <a:cs typeface="Arial" panose="020B0604020202020204" pitchFamily="34" charset="0"/>
-              </a:rPr>
-              <a:t>Muchas direcciones IP privadas se traducen con una dirección IP pública,</a:t>
-            </a:r>
-            <a:r>
-              <a:rPr lang="es-ES" sz="1600" dirty="0">
-                <a:latin typeface="Arial" panose="020B0604020202020204" pitchFamily="34" charset="0"/>
-                <a:cs typeface="Arial" panose="020B0604020202020204" pitchFamily="34" charset="0"/>
-              </a:rPr>
-              <a:t> incluyendo direcciones estáticas como los servidores, impresoras, etc.</a:t>
-            </a:r>
-            <a:r>
-              <a:rPr lang="es-MX" sz="1600" dirty="0">
-                <a:latin typeface="Arial" panose="020B0604020202020204" pitchFamily="34" charset="0"/>
-                <a:cs typeface="Arial" panose="020B0604020202020204" pitchFamily="34" charset="0"/>
-              </a:rPr>
-              <a:t> </a:t>
-            </a:r>
-            <a:endParaRPr lang="es-MX" sz="1800" dirty="0">
+              <a:rPr lang="es-ES_tradnl" sz="1600" dirty="0">
+                <a:solidFill>
+                  <a:schemeClr val="bg2">
+                    <a:lumMod val="25000"/>
+                  </a:schemeClr>
+                </a:solidFill>
+                <a:latin typeface="Arial" panose="020B0604020202020204" pitchFamily="34" charset="0"/>
+                <a:cs typeface="Arial" panose="020B0604020202020204" pitchFamily="34" charset="0"/>
+              </a:rPr>
+              <a:t>Configurar </a:t>
+            </a:r>
+            <a:r>
+              <a:rPr lang="es-ES_tradnl" sz="1600" b="1" dirty="0">
+                <a:solidFill>
+                  <a:schemeClr val="bg2">
+                    <a:lumMod val="25000"/>
+                  </a:schemeClr>
+                </a:solidFill>
+                <a:latin typeface="Arial" panose="020B0604020202020204" pitchFamily="34" charset="0"/>
+                <a:cs typeface="Arial" panose="020B0604020202020204" pitchFamily="34" charset="0"/>
+              </a:rPr>
+              <a:t>PAT</a:t>
+            </a:r>
+            <a:r>
+              <a:rPr lang="es-ES_tradnl" sz="1600" dirty="0">
+                <a:solidFill>
+                  <a:schemeClr val="bg2">
+                    <a:lumMod val="25000"/>
+                  </a:schemeClr>
+                </a:solidFill>
+                <a:latin typeface="Arial" panose="020B0604020202020204" pitchFamily="34" charset="0"/>
+                <a:cs typeface="Arial" panose="020B0604020202020204" pitchFamily="34" charset="0"/>
+              </a:rPr>
+              <a:t>, utilizando la dirección del puerto </a:t>
+            </a:r>
+            <a:r>
+              <a:rPr lang="es-ES_tradnl" sz="1600" b="1" dirty="0">
+                <a:solidFill>
+                  <a:schemeClr val="bg2">
+                    <a:lumMod val="25000"/>
+                  </a:schemeClr>
+                </a:solidFill>
+                <a:latin typeface="Arial" panose="020B0604020202020204" pitchFamily="34" charset="0"/>
+                <a:cs typeface="Arial" panose="020B0604020202020204" pitchFamily="34" charset="0"/>
+              </a:rPr>
+              <a:t>g0/0</a:t>
+            </a:r>
+            <a:r>
+              <a:rPr lang="es-ES_tradnl" sz="1600" dirty="0">
+                <a:solidFill>
+                  <a:schemeClr val="bg2">
+                    <a:lumMod val="25000"/>
+                  </a:schemeClr>
+                </a:solidFill>
+                <a:latin typeface="Arial" panose="020B0604020202020204" pitchFamily="34" charset="0"/>
+                <a:cs typeface="Arial" panose="020B0604020202020204" pitchFamily="34" charset="0"/>
+              </a:rPr>
+              <a:t> como la única dirección IP pública, con el fin de permitir que todas las estaciones locales puedan salir al exterior.</a:t>
+            </a:r>
+            <a:endParaRPr lang="es-MX" sz="1600" dirty="0">
               <a:solidFill>
                 <a:schemeClr val="bg2">
                   <a:lumMod val="25000"/>
@@ -13546,84 +13196,10 @@
       </p:sp>
       <p:sp>
         <p:nvSpPr>
-          <p:cNvPr id="8" name="Rectangle 2"/>
-          <p:cNvSpPr txBox="1">
-            <a:spLocks noChangeArrowheads="1"/>
-          </p:cNvSpPr>
-          <p:nvPr/>
-        </p:nvSpPr>
-        <p:spPr>
-          <a:xfrm>
-            <a:off x="1219200" y="0"/>
-            <a:ext cx="8892480" cy="1143000"/>
-          </a:xfrm>
-          <a:prstGeom prst="rect">
-            <a:avLst/>
-          </a:prstGeom>
-        </p:spPr>
-        <p:txBody>
-          <a:bodyPr vert="horz" lIns="92075" tIns="46038" rIns="92075" bIns="46038" rtlCol="0" anchor="ctr">
-            <a:noAutofit/>
-          </a:bodyPr>
-          <a:lstStyle>
-            <a:lvl1pPr algn="ctr" defTabSz="914400" rtl="0" eaLnBrk="1" latinLnBrk="0" hangingPunct="1">
-              <a:spcBef>
-                <a:spcPct val="0"/>
-              </a:spcBef>
-              <a:buNone/>
-              <a:defRPr sz="4400" kern="1200">
-                <a:solidFill>
-                  <a:schemeClr val="tx1"/>
-                </a:solidFill>
-                <a:latin typeface="+mj-lt"/>
-                <a:ea typeface="+mj-ea"/>
-                <a:cs typeface="+mj-cs"/>
-              </a:defRPr>
-            </a:lvl1pPr>
-          </a:lstStyle>
-          <a:p>
-            <a:pPr>
-              <a:defRPr/>
-            </a:pPr>
-            <a:r>
-              <a:rPr lang="es-ES_tradnl" sz="3200" dirty="0">
-                <a:solidFill>
-                  <a:srgbClr val="3333CC"/>
-                </a:solidFill>
-                <a:effectLst>
-                  <a:outerShdw blurRad="38100" dist="38100" dir="2700000" algn="tl">
-                    <a:srgbClr val="C0C0C0"/>
-                  </a:outerShdw>
-                </a:effectLst>
-                <a:latin typeface="Dom Casual" charset="0"/>
-              </a:rPr>
-              <a:t> </a:t>
-            </a:r>
-            <a:r>
-              <a:rPr lang="es-ES_tradnl" sz="3200" b="1" dirty="0">
-                <a:solidFill>
-                  <a:schemeClr val="accent4">
-                    <a:lumMod val="50000"/>
-                  </a:schemeClr>
-                </a:solidFill>
-                <a:effectLst>
-                  <a:outerShdw blurRad="38100" dist="38100" dir="2700000" algn="tl">
-                    <a:srgbClr val="C0C0C0"/>
-                  </a:outerShdw>
-                </a:effectLst>
-                <a:latin typeface="Dom Casual" charset="0"/>
-              </a:rPr>
-              <a:t>Configuración de NAT</a:t>
-            </a:r>
-          </a:p>
-        </p:txBody>
-      </p:sp>
-      <p:sp>
-        <p:nvSpPr>
-          <p:cNvPr id="4" name="7 CuadroTexto">
+          <p:cNvPr id="6" name="7 CuadroTexto">
             <a:extLst>
               <a:ext uri="{FF2B5EF4-FFF2-40B4-BE49-F238E27FC236}">
-                <a16:creationId xmlns:a16="http://schemas.microsoft.com/office/drawing/2014/main" id="{B40A0E4D-1B6D-46D9-B829-2F293501DA09}"/>
+                <a16:creationId xmlns:a16="http://schemas.microsoft.com/office/drawing/2014/main" id="{48C8B2BF-8C2B-432F-8BC5-5884EE638EA4}"/>
               </a:ext>
             </a:extLst>
           </p:cNvPr>
@@ -13634,8 +13210,8 @@
         </p:nvSpPr>
         <p:spPr bwMode="auto">
           <a:xfrm>
-            <a:off x="3505200" y="1143000"/>
-            <a:ext cx="10744200" cy="5719514"/>
+            <a:off x="457200" y="1852143"/>
+            <a:ext cx="3682314" cy="3909275"/>
           </a:xfrm>
           <a:prstGeom prst="rect">
             <a:avLst/>
@@ -13772,10 +13348,13 @@
                 <a:spcPct val="150000"/>
               </a:lnSpc>
               <a:buFont typeface="+mj-lt"/>
-              <a:buAutoNum type="arabicPeriod"/>
+              <a:buAutoNum type="arabicPeriod" startAt="2"/>
+              <a:tabLst>
+                <a:tab pos="2693988" algn="l"/>
+              </a:tabLst>
             </a:pPr>
             <a:r>
-              <a:rPr lang="es-MX" sz="1800" dirty="0">
+              <a:rPr lang="es-ES_tradnl" sz="1600" dirty="0">
                 <a:solidFill>
                   <a:schemeClr val="bg2">
                     <a:lumMod val="25000"/>
@@ -13784,10 +13363,10 @@
                 <a:latin typeface="Arial" panose="020B0604020202020204" pitchFamily="34" charset="0"/>
                 <a:cs typeface="Arial" panose="020B0604020202020204" pitchFamily="34" charset="0"/>
               </a:rPr>
-              <a:t>Definir un </a:t>
-            </a:r>
-            <a:r>
-              <a:rPr lang="es-MX" sz="1800" b="1" u="sng" dirty="0">
+              <a:t>Revisar comandos para configurar </a:t>
+            </a:r>
+            <a:r>
+              <a:rPr lang="es-ES_tradnl" sz="1600" b="1" dirty="0">
                 <a:solidFill>
                   <a:schemeClr val="bg2">
                     <a:lumMod val="25000"/>
@@ -13796,10 +13375,10 @@
                 <a:latin typeface="Arial" panose="020B0604020202020204" pitchFamily="34" charset="0"/>
                 <a:cs typeface="Arial" panose="020B0604020202020204" pitchFamily="34" charset="0"/>
               </a:rPr>
-              <a:t>pool de direcciones globales (públicas) </a:t>
-            </a:r>
-            <a:r>
-              <a:rPr lang="es-MX" sz="1800" dirty="0">
+              <a:t>PAT</a:t>
+            </a:r>
+            <a:r>
+              <a:rPr lang="es-ES_tradnl" sz="1600" dirty="0">
                 <a:solidFill>
                   <a:schemeClr val="bg2">
                     <a:lumMod val="25000"/>
@@ -13808,7 +13387,99 @@
                 <a:latin typeface="Arial" panose="020B0604020202020204" pitchFamily="34" charset="0"/>
                 <a:cs typeface="Arial" panose="020B0604020202020204" pitchFamily="34" charset="0"/>
               </a:rPr>
-              <a:t>que serán asignadas cuando sean necesarias.</a:t>
+              <a:t>, utilizando un </a:t>
+            </a:r>
+            <a:r>
+              <a:rPr lang="es-ES_tradnl" sz="1600" b="1" dirty="0">
+                <a:solidFill>
+                  <a:schemeClr val="bg2">
+                    <a:lumMod val="25000"/>
+                  </a:schemeClr>
+                </a:solidFill>
+                <a:latin typeface="Arial" panose="020B0604020202020204" pitchFamily="34" charset="0"/>
+                <a:cs typeface="Arial" panose="020B0604020202020204" pitchFamily="34" charset="0"/>
+              </a:rPr>
+              <a:t>pool</a:t>
+            </a:r>
+            <a:r>
+              <a:rPr lang="es-ES_tradnl" sz="1600" dirty="0">
+                <a:solidFill>
+                  <a:schemeClr val="bg2">
+                    <a:lumMod val="25000"/>
+                  </a:schemeClr>
+                </a:solidFill>
+                <a:latin typeface="Arial" panose="020B0604020202020204" pitchFamily="34" charset="0"/>
+                <a:cs typeface="Arial" panose="020B0604020202020204" pitchFamily="34" charset="0"/>
+              </a:rPr>
+              <a:t> con una sola dirección IP.</a:t>
+            </a:r>
+          </a:p>
+          <a:p>
+            <a:pPr marL="342900" indent="-342900">
+              <a:lnSpc>
+                <a:spcPct val="150000"/>
+              </a:lnSpc>
+              <a:buAutoNum type="arabicPeriod" startAt="2"/>
+            </a:pPr>
+            <a:r>
+              <a:rPr lang="es-ES_tradnl" sz="1600" dirty="0">
+                <a:solidFill>
+                  <a:schemeClr val="bg2">
+                    <a:lumMod val="25000"/>
+                  </a:schemeClr>
+                </a:solidFill>
+                <a:latin typeface="Arial" panose="020B0604020202020204" pitchFamily="34" charset="0"/>
+                <a:cs typeface="Arial" panose="020B0604020202020204" pitchFamily="34" charset="0"/>
+              </a:rPr>
+              <a:t>Configurar interfaces que son </a:t>
+            </a:r>
+            <a:r>
+              <a:rPr lang="es-ES_tradnl" sz="1600" b="1" dirty="0" err="1">
+                <a:solidFill>
+                  <a:schemeClr val="bg2">
+                    <a:lumMod val="25000"/>
+                  </a:schemeClr>
+                </a:solidFill>
+                <a:latin typeface="Arial" panose="020B0604020202020204" pitchFamily="34" charset="0"/>
+                <a:cs typeface="Arial" panose="020B0604020202020204" pitchFamily="34" charset="0"/>
+              </a:rPr>
+              <a:t>outside</a:t>
+            </a:r>
+            <a:r>
+              <a:rPr lang="es-ES_tradnl" sz="1600" dirty="0">
+                <a:solidFill>
+                  <a:schemeClr val="bg2">
+                    <a:lumMod val="25000"/>
+                  </a:schemeClr>
+                </a:solidFill>
+                <a:latin typeface="Arial" panose="020B0604020202020204" pitchFamily="34" charset="0"/>
+                <a:cs typeface="Arial" panose="020B0604020202020204" pitchFamily="34" charset="0"/>
+              </a:rPr>
+              <a:t> e interfaces que son </a:t>
+            </a:r>
+            <a:r>
+              <a:rPr lang="es-ES_tradnl" sz="1600" b="1" dirty="0" err="1">
+                <a:solidFill>
+                  <a:schemeClr val="bg2">
+                    <a:lumMod val="25000"/>
+                  </a:schemeClr>
+                </a:solidFill>
+                <a:latin typeface="Arial" panose="020B0604020202020204" pitchFamily="34" charset="0"/>
+                <a:cs typeface="Arial" panose="020B0604020202020204" pitchFamily="34" charset="0"/>
+              </a:rPr>
+              <a:t>inside</a:t>
+            </a:r>
+            <a:r>
+              <a:rPr lang="es-ES_tradnl" sz="1600" dirty="0">
+                <a:solidFill>
+                  <a:schemeClr val="bg2">
+                    <a:lumMod val="25000"/>
+                  </a:schemeClr>
+                </a:solidFill>
+                <a:latin typeface="Arial" panose="020B0604020202020204" pitchFamily="34" charset="0"/>
+                <a:cs typeface="Arial" panose="020B0604020202020204" pitchFamily="34" charset="0"/>
+              </a:rPr>
+              <a:t>.</a:t>
             </a:r>
           </a:p>
           <a:p>
@@ -13818,9 +13489,43 @@
               </a:lnSpc>
             </a:pPr>
             <a:r>
+              <a:rPr lang="es-MX" sz="1800" b="1" dirty="0">
+                <a:solidFill>
+                  <a:schemeClr val="accent5">
+                    <a:lumMod val="75000"/>
+                  </a:schemeClr>
+                </a:solidFill>
+                <a:latin typeface="Arial" panose="020B0604020202020204" pitchFamily="34" charset="0"/>
+                <a:cs typeface="Arial" panose="020B0604020202020204" pitchFamily="34" charset="0"/>
+              </a:rPr>
+              <a:t>interface </a:t>
+            </a:r>
+            <a:r>
+              <a:rPr lang="es-MX" sz="1800" b="1" dirty="0">
+                <a:solidFill>
+                  <a:schemeClr val="accent6">
+                    <a:lumMod val="75000"/>
+                  </a:schemeClr>
+                </a:solidFill>
+                <a:latin typeface="Arial" panose="020B0604020202020204" pitchFamily="34" charset="0"/>
+                <a:cs typeface="Arial" panose="020B0604020202020204" pitchFamily="34" charset="0"/>
+              </a:rPr>
+              <a:t>Tipo-Número</a:t>
+            </a:r>
+          </a:p>
+          <a:p>
+            <a:pPr lvl="1">
+              <a:lnSpc>
+                <a:spcPct val="150000"/>
+              </a:lnSpc>
+              <a:spcAft>
+                <a:spcPts val="600"/>
+              </a:spcAft>
+            </a:pPr>
+            <a:r>
               <a:rPr lang="es-MX" sz="1800" b="1" dirty="0" err="1">
                 <a:solidFill>
-                  <a:schemeClr val="accent5">
+                  <a:schemeClr val="accent6">
                     <a:lumMod val="75000"/>
                   </a:schemeClr>
                 </a:solidFill>
@@ -13832,7 +13537,7 @@
             <a:r>
               <a:rPr lang="es-MX" sz="1800" b="1" dirty="0">
                 <a:solidFill>
-                  <a:schemeClr val="accent5">
+                  <a:schemeClr val="accent6">
                     <a:lumMod val="75000"/>
                   </a:schemeClr>
                 </a:solidFill>
@@ -13844,7 +13549,7 @@
             <a:r>
               <a:rPr lang="es-MX" sz="1800" b="1" dirty="0" err="1">
                 <a:solidFill>
-                  <a:schemeClr val="accent5">
+                  <a:schemeClr val="accent6">
                     <a:lumMod val="75000"/>
                   </a:schemeClr>
                 </a:solidFill>
@@ -13856,19 +13561,7 @@
             <a:r>
               <a:rPr lang="es-MX" sz="1800" b="1" dirty="0">
                 <a:solidFill>
-                  <a:schemeClr val="accent5">
-                    <a:lumMod val="75000"/>
-                  </a:schemeClr>
-                </a:solidFill>
-                <a:latin typeface="Arial" panose="020B0604020202020204" pitchFamily="34" charset="0"/>
-                <a:cs typeface="Arial" panose="020B0604020202020204" pitchFamily="34" charset="0"/>
-              </a:rPr>
-              <a:t> pool</a:t>
-            </a:r>
-            <a:r>
-              <a:rPr lang="es-MX" sz="1800" dirty="0">
-                <a:solidFill>
-                  <a:schemeClr val="accent5">
+                  <a:schemeClr val="accent6">
                     <a:lumMod val="75000"/>
                   </a:schemeClr>
                 </a:solidFill>
@@ -13878,6 +13571,18 @@
               <a:t> </a:t>
             </a:r>
             <a:r>
+              <a:rPr lang="es-MX" sz="1800" b="1" dirty="0" err="1">
+                <a:solidFill>
+                  <a:schemeClr val="accent6">
+                    <a:lumMod val="75000"/>
+                  </a:schemeClr>
+                </a:solidFill>
+                <a:latin typeface="Arial" panose="020B0604020202020204" pitchFamily="34" charset="0"/>
+                <a:cs typeface="Arial" panose="020B0604020202020204" pitchFamily="34" charset="0"/>
+              </a:rPr>
+              <a:t>inside</a:t>
+            </a:r>
+            <a:r>
               <a:rPr lang="es-MX" sz="1800" b="1" dirty="0">
                 <a:solidFill>
                   <a:schemeClr val="accent6">
@@ -13887,7 +13592,7 @@
                 <a:latin typeface="Arial" panose="020B0604020202020204" pitchFamily="34" charset="0"/>
                 <a:cs typeface="Arial" panose="020B0604020202020204" pitchFamily="34" charset="0"/>
               </a:rPr>
-              <a:t>Nombre </a:t>
+              <a:t> | </a:t>
             </a:r>
             <a:r>
               <a:rPr lang="es-MX" sz="1800" b="1" dirty="0" err="1">
@@ -13899,7 +13604,7 @@
                 <a:latin typeface="Arial" panose="020B0604020202020204" pitchFamily="34" charset="0"/>
                 <a:cs typeface="Arial" panose="020B0604020202020204" pitchFamily="34" charset="0"/>
               </a:rPr>
-              <a:t>dirIP</a:t>
+              <a:t>ip</a:t>
             </a:r>
             <a:r>
               <a:rPr lang="es-MX" sz="1800" b="1" dirty="0">
@@ -13911,7 +13616,7 @@
                 <a:latin typeface="Arial" panose="020B0604020202020204" pitchFamily="34" charset="0"/>
                 <a:cs typeface="Arial" panose="020B0604020202020204" pitchFamily="34" charset="0"/>
               </a:rPr>
-              <a:t>-inicial </a:t>
+              <a:t> </a:t>
             </a:r>
             <a:r>
               <a:rPr lang="es-MX" sz="1800" b="1" dirty="0" err="1">
@@ -13923,7 +13628,7 @@
                 <a:latin typeface="Arial" panose="020B0604020202020204" pitchFamily="34" charset="0"/>
                 <a:cs typeface="Arial" panose="020B0604020202020204" pitchFamily="34" charset="0"/>
               </a:rPr>
-              <a:t>dirIP</a:t>
+              <a:t>nat</a:t>
             </a:r>
             <a:r>
               <a:rPr lang="es-MX" sz="1800" b="1" dirty="0">
@@ -13935,35 +13640,11 @@
                 <a:latin typeface="Arial" panose="020B0604020202020204" pitchFamily="34" charset="0"/>
                 <a:cs typeface="Arial" panose="020B0604020202020204" pitchFamily="34" charset="0"/>
               </a:rPr>
-              <a:t>-final </a:t>
+              <a:t> </a:t>
             </a:r>
             <a:r>
               <a:rPr lang="es-MX" sz="1800" b="1" dirty="0" err="1">
                 <a:solidFill>
-                  <a:schemeClr val="accent5">
-                    <a:lumMod val="75000"/>
-                  </a:schemeClr>
-                </a:solidFill>
-                <a:latin typeface="Arial" panose="020B0604020202020204" pitchFamily="34" charset="0"/>
-                <a:cs typeface="Arial" panose="020B0604020202020204" pitchFamily="34" charset="0"/>
-              </a:rPr>
-              <a:t>netmask</a:t>
-            </a:r>
-            <a:r>
-              <a:rPr lang="es-MX" sz="1800" dirty="0">
-                <a:solidFill>
-                  <a:schemeClr val="bg2">
-                    <a:lumMod val="50000"/>
-                  </a:schemeClr>
-                </a:solidFill>
-                <a:latin typeface="Arial" panose="020B0604020202020204" pitchFamily="34" charset="0"/>
-                <a:cs typeface="Arial" panose="020B0604020202020204" pitchFamily="34" charset="0"/>
-              </a:rPr>
-              <a:t> </a:t>
-            </a:r>
-            <a:r>
-              <a:rPr lang="es-MX" sz="1800" b="1" dirty="0" err="1">
-                <a:solidFill>
                   <a:schemeClr val="accent6">
                     <a:lumMod val="75000"/>
                   </a:schemeClr>
@@ -13971,9 +13652,9 @@
                 <a:latin typeface="Arial" panose="020B0604020202020204" pitchFamily="34" charset="0"/>
                 <a:cs typeface="Arial" panose="020B0604020202020204" pitchFamily="34" charset="0"/>
               </a:rPr>
-              <a:t>MáscaraSubneteo</a:t>
-            </a:r>
-            <a:endParaRPr lang="es-MX" sz="1800" b="1" dirty="0">
+              <a:t>outside</a:t>
+            </a:r>
+            <a:endParaRPr lang="es-MX" sz="1800" dirty="0">
               <a:solidFill>
                 <a:schemeClr val="accent6">
                   <a:lumMod val="75000"/>
@@ -13988,14 +13669,11 @@
               <a:lnSpc>
                 <a:spcPct val="150000"/>
               </a:lnSpc>
-              <a:spcBef>
-                <a:spcPts val="1800"/>
-              </a:spcBef>
-              <a:buFont typeface="+mj-lt"/>
-              <a:buAutoNum type="arabicPeriod"/>
+              <a:buFontTx/>
+              <a:buAutoNum type="arabicPeriod" startAt="2"/>
             </a:pPr>
             <a:r>
-              <a:rPr lang="es-MX" sz="1800" dirty="0">
+              <a:rPr lang="es-ES_tradnl" sz="1600" dirty="0">
                 <a:solidFill>
                   <a:schemeClr val="bg2">
                     <a:lumMod val="25000"/>
@@ -14004,1258 +13682,12 @@
                 <a:latin typeface="Arial" panose="020B0604020202020204" pitchFamily="34" charset="0"/>
                 <a:cs typeface="Arial" panose="020B0604020202020204" pitchFamily="34" charset="0"/>
               </a:rPr>
-              <a:t>Definir una </a:t>
-            </a:r>
-            <a:r>
-              <a:rPr lang="es-MX" sz="1800" b="1" u="sng" dirty="0">
-                <a:solidFill>
-                  <a:schemeClr val="bg2">
-                    <a:lumMod val="25000"/>
-                  </a:schemeClr>
-                </a:solidFill>
-                <a:latin typeface="Arial" panose="020B0604020202020204" pitchFamily="34" charset="0"/>
-                <a:cs typeface="Arial" panose="020B0604020202020204" pitchFamily="34" charset="0"/>
-              </a:rPr>
-              <a:t>ACL estándar</a:t>
-            </a:r>
-            <a:r>
-              <a:rPr lang="es-MX" sz="1800" dirty="0">
-                <a:solidFill>
-                  <a:schemeClr val="bg2">
-                    <a:lumMod val="25000"/>
-                  </a:schemeClr>
-                </a:solidFill>
-                <a:latin typeface="Arial" panose="020B0604020202020204" pitchFamily="34" charset="0"/>
-                <a:cs typeface="Arial" panose="020B0604020202020204" pitchFamily="34" charset="0"/>
-              </a:rPr>
-              <a:t>:</a:t>
-            </a:r>
-          </a:p>
-          <a:p>
-            <a:pPr lvl="1">
-              <a:lnSpc>
-                <a:spcPct val="150000"/>
-              </a:lnSpc>
-            </a:pPr>
-            <a:r>
-              <a:rPr lang="es-MX" sz="1800" b="1" dirty="0" err="1">
-                <a:solidFill>
-                  <a:schemeClr val="accent5">
-                    <a:lumMod val="75000"/>
-                  </a:schemeClr>
-                </a:solidFill>
-                <a:latin typeface="Arial" panose="020B0604020202020204" pitchFamily="34" charset="0"/>
-                <a:cs typeface="Arial" panose="020B0604020202020204" pitchFamily="34" charset="0"/>
-              </a:rPr>
-              <a:t>access-list</a:t>
-            </a:r>
-            <a:r>
-              <a:rPr lang="es-MX" sz="1800" b="1" dirty="0">
-                <a:solidFill>
-                  <a:schemeClr val="accent5">
-                    <a:lumMod val="75000"/>
-                  </a:schemeClr>
-                </a:solidFill>
-                <a:latin typeface="Arial" panose="020B0604020202020204" pitchFamily="34" charset="0"/>
-                <a:cs typeface="Arial" panose="020B0604020202020204" pitchFamily="34" charset="0"/>
-              </a:rPr>
-              <a:t> </a:t>
-            </a:r>
-            <a:r>
-              <a:rPr lang="es-MX" sz="1800" b="1" dirty="0">
-                <a:solidFill>
-                  <a:schemeClr val="accent6">
-                    <a:lumMod val="75000"/>
-                  </a:schemeClr>
-                </a:solidFill>
-                <a:latin typeface="Arial" panose="020B0604020202020204" pitchFamily="34" charset="0"/>
-                <a:cs typeface="Arial" panose="020B0604020202020204" pitchFamily="34" charset="0"/>
-              </a:rPr>
-              <a:t>Número </a:t>
-            </a:r>
-            <a:r>
-              <a:rPr lang="es-MX" sz="1800" b="1" dirty="0" err="1">
-                <a:solidFill>
-                  <a:schemeClr val="accent5">
-                    <a:lumMod val="75000"/>
-                  </a:schemeClr>
-                </a:solidFill>
-                <a:latin typeface="Arial" panose="020B0604020202020204" pitchFamily="34" charset="0"/>
-                <a:cs typeface="Arial" panose="020B0604020202020204" pitchFamily="34" charset="0"/>
-              </a:rPr>
-              <a:t>permit</a:t>
-            </a:r>
-            <a:r>
-              <a:rPr lang="es-MX" sz="1800" b="1" dirty="0">
-                <a:solidFill>
-                  <a:schemeClr val="bg2">
-                    <a:lumMod val="50000"/>
-                  </a:schemeClr>
-                </a:solidFill>
-                <a:latin typeface="Arial" panose="020B0604020202020204" pitchFamily="34" charset="0"/>
-                <a:cs typeface="Arial" panose="020B0604020202020204" pitchFamily="34" charset="0"/>
-              </a:rPr>
-              <a:t> </a:t>
-            </a:r>
-            <a:r>
-              <a:rPr lang="es-MX" sz="1800" b="1" dirty="0" err="1">
-                <a:solidFill>
-                  <a:schemeClr val="accent6">
-                    <a:lumMod val="75000"/>
-                  </a:schemeClr>
-                </a:solidFill>
-                <a:latin typeface="Arial" panose="020B0604020202020204" pitchFamily="34" charset="0"/>
-                <a:cs typeface="Arial" panose="020B0604020202020204" pitchFamily="34" charset="0"/>
-              </a:rPr>
-              <a:t>dirIP</a:t>
-            </a:r>
-            <a:r>
-              <a:rPr lang="es-MX" sz="1800" b="1" dirty="0">
-                <a:solidFill>
-                  <a:schemeClr val="accent6">
-                    <a:lumMod val="75000"/>
-                  </a:schemeClr>
-                </a:solidFill>
-                <a:latin typeface="Arial" panose="020B0604020202020204" pitchFamily="34" charset="0"/>
-                <a:cs typeface="Arial" panose="020B0604020202020204" pitchFamily="34" charset="0"/>
-              </a:rPr>
-              <a:t>-inicial</a:t>
-            </a:r>
-            <a:r>
-              <a:rPr lang="es-MX" sz="1800" dirty="0">
-                <a:solidFill>
-                  <a:schemeClr val="accent6">
-                    <a:lumMod val="75000"/>
-                  </a:schemeClr>
-                </a:solidFill>
-                <a:latin typeface="Arial" panose="020B0604020202020204" pitchFamily="34" charset="0"/>
-                <a:cs typeface="Arial" panose="020B0604020202020204" pitchFamily="34" charset="0"/>
-              </a:rPr>
-              <a:t> </a:t>
-            </a:r>
-            <a:r>
-              <a:rPr lang="es-MX" sz="1800" b="1" dirty="0" err="1">
-                <a:solidFill>
-                  <a:schemeClr val="accent6">
-                    <a:lumMod val="75000"/>
-                  </a:schemeClr>
-                </a:solidFill>
-                <a:latin typeface="Arial" panose="020B0604020202020204" pitchFamily="34" charset="0"/>
-                <a:cs typeface="Arial" panose="020B0604020202020204" pitchFamily="34" charset="0"/>
-              </a:rPr>
-              <a:t>WildMask_ACL</a:t>
-            </a:r>
-            <a:endParaRPr lang="es-MX" sz="1800" b="1" dirty="0">
-              <a:solidFill>
-                <a:schemeClr val="accent6">
-                  <a:lumMod val="75000"/>
-                </a:schemeClr>
-              </a:solidFill>
-              <a:latin typeface="Arial" panose="020B0604020202020204" pitchFamily="34" charset="0"/>
-              <a:cs typeface="Arial" panose="020B0604020202020204" pitchFamily="34" charset="0"/>
-            </a:endParaRPr>
-          </a:p>
-          <a:p>
-            <a:pPr marL="342900" indent="-342900">
-              <a:lnSpc>
-                <a:spcPct val="150000"/>
-              </a:lnSpc>
-              <a:spcBef>
-                <a:spcPts val="1800"/>
-              </a:spcBef>
-              <a:buFont typeface="+mj-lt"/>
-              <a:buAutoNum type="arabicPeriod"/>
-            </a:pPr>
-            <a:r>
-              <a:rPr lang="es-MX" sz="1800" dirty="0">
-                <a:solidFill>
-                  <a:schemeClr val="bg2">
-                    <a:lumMod val="25000"/>
-                  </a:schemeClr>
-                </a:solidFill>
-                <a:latin typeface="Arial" panose="020B0604020202020204" pitchFamily="34" charset="0"/>
-                <a:cs typeface="Arial" panose="020B0604020202020204" pitchFamily="34" charset="0"/>
-              </a:rPr>
-              <a:t>Establecer la </a:t>
-            </a:r>
-            <a:r>
-              <a:rPr lang="es-MX" sz="1800" b="1" u="sng" dirty="0">
-                <a:solidFill>
-                  <a:schemeClr val="bg2">
-                    <a:lumMod val="25000"/>
-                  </a:schemeClr>
-                </a:solidFill>
-                <a:latin typeface="Arial" panose="020B0604020202020204" pitchFamily="34" charset="0"/>
-                <a:cs typeface="Arial" panose="020B0604020202020204" pitchFamily="34" charset="0"/>
-              </a:rPr>
-              <a:t>traducción dinámica de direcciones </a:t>
-            </a:r>
-            <a:r>
-              <a:rPr lang="es-MX" sz="1800" dirty="0">
-                <a:solidFill>
-                  <a:schemeClr val="bg2">
-                    <a:lumMod val="25000"/>
-                  </a:schemeClr>
-                </a:solidFill>
-                <a:latin typeface="Arial" panose="020B0604020202020204" pitchFamily="34" charset="0"/>
-                <a:cs typeface="Arial" panose="020B0604020202020204" pitchFamily="34" charset="0"/>
-              </a:rPr>
-              <a:t>utilizando la ACL definida.</a:t>
-            </a:r>
-          </a:p>
-          <a:p>
-            <a:pPr marL="444500" lvl="1" indent="12700">
-              <a:lnSpc>
-                <a:spcPct val="150000"/>
-              </a:lnSpc>
-            </a:pPr>
-            <a:r>
-              <a:rPr lang="es-MX" sz="1800" b="1" dirty="0" err="1">
-                <a:solidFill>
-                  <a:schemeClr val="accent5">
-                    <a:lumMod val="75000"/>
-                  </a:schemeClr>
-                </a:solidFill>
-                <a:latin typeface="Arial" panose="020B0604020202020204" pitchFamily="34" charset="0"/>
-                <a:cs typeface="Arial" panose="020B0604020202020204" pitchFamily="34" charset="0"/>
-              </a:rPr>
-              <a:t>ip</a:t>
-            </a:r>
-            <a:r>
-              <a:rPr lang="es-MX" sz="1800" b="1" dirty="0">
-                <a:solidFill>
-                  <a:schemeClr val="accent5">
-                    <a:lumMod val="75000"/>
-                  </a:schemeClr>
-                </a:solidFill>
-                <a:latin typeface="Arial" panose="020B0604020202020204" pitchFamily="34" charset="0"/>
-                <a:cs typeface="Arial" panose="020B0604020202020204" pitchFamily="34" charset="0"/>
-              </a:rPr>
-              <a:t> </a:t>
-            </a:r>
-            <a:r>
-              <a:rPr lang="es-MX" sz="1800" b="1" dirty="0" err="1">
-                <a:solidFill>
-                  <a:schemeClr val="accent5">
-                    <a:lumMod val="75000"/>
-                  </a:schemeClr>
-                </a:solidFill>
-                <a:latin typeface="Arial" panose="020B0604020202020204" pitchFamily="34" charset="0"/>
-                <a:cs typeface="Arial" panose="020B0604020202020204" pitchFamily="34" charset="0"/>
-              </a:rPr>
-              <a:t>nat</a:t>
-            </a:r>
-            <a:r>
-              <a:rPr lang="es-MX" sz="1800" b="1" dirty="0">
-                <a:solidFill>
-                  <a:schemeClr val="accent5">
-                    <a:lumMod val="75000"/>
-                  </a:schemeClr>
-                </a:solidFill>
-                <a:latin typeface="Arial" panose="020B0604020202020204" pitchFamily="34" charset="0"/>
-                <a:cs typeface="Arial" panose="020B0604020202020204" pitchFamily="34" charset="0"/>
-              </a:rPr>
-              <a:t> </a:t>
-            </a:r>
-            <a:r>
-              <a:rPr lang="es-MX" sz="1800" b="1" dirty="0" err="1">
-                <a:solidFill>
-                  <a:schemeClr val="accent5">
-                    <a:lumMod val="75000"/>
-                  </a:schemeClr>
-                </a:solidFill>
-                <a:latin typeface="Arial" panose="020B0604020202020204" pitchFamily="34" charset="0"/>
-                <a:cs typeface="Arial" panose="020B0604020202020204" pitchFamily="34" charset="0"/>
-              </a:rPr>
-              <a:t>inside</a:t>
-            </a:r>
-            <a:r>
-              <a:rPr lang="es-MX" sz="1800" b="1" dirty="0">
-                <a:solidFill>
-                  <a:schemeClr val="accent5">
-                    <a:lumMod val="75000"/>
-                  </a:schemeClr>
-                </a:solidFill>
-                <a:latin typeface="Arial" panose="020B0604020202020204" pitchFamily="34" charset="0"/>
-                <a:cs typeface="Arial" panose="020B0604020202020204" pitchFamily="34" charset="0"/>
-              </a:rPr>
-              <a:t> </a:t>
-            </a:r>
-            <a:r>
-              <a:rPr lang="es-MX" sz="1800" b="1" dirty="0" err="1">
-                <a:solidFill>
-                  <a:schemeClr val="accent5">
-                    <a:lumMod val="75000"/>
-                  </a:schemeClr>
-                </a:solidFill>
-                <a:latin typeface="Arial" panose="020B0604020202020204" pitchFamily="34" charset="0"/>
-                <a:cs typeface="Arial" panose="020B0604020202020204" pitchFamily="34" charset="0"/>
-              </a:rPr>
-              <a:t>source</a:t>
-            </a:r>
-            <a:r>
-              <a:rPr lang="es-MX" sz="1800" dirty="0">
-                <a:solidFill>
-                  <a:schemeClr val="accent5">
-                    <a:lumMod val="75000"/>
-                  </a:schemeClr>
-                </a:solidFill>
-                <a:latin typeface="Arial" panose="020B0604020202020204" pitchFamily="34" charset="0"/>
-                <a:cs typeface="Arial" panose="020B0604020202020204" pitchFamily="34" charset="0"/>
-              </a:rPr>
-              <a:t> </a:t>
-            </a:r>
-            <a:r>
-              <a:rPr lang="es-MX" sz="1800" b="1" dirty="0" err="1">
-                <a:solidFill>
-                  <a:schemeClr val="accent5">
-                    <a:lumMod val="75000"/>
-                  </a:schemeClr>
-                </a:solidFill>
-                <a:latin typeface="Arial" panose="020B0604020202020204" pitchFamily="34" charset="0"/>
-                <a:cs typeface="Arial" panose="020B0604020202020204" pitchFamily="34" charset="0"/>
-              </a:rPr>
-              <a:t>static</a:t>
-            </a:r>
-            <a:r>
-              <a:rPr lang="es-MX" sz="1800" b="1" dirty="0">
-                <a:solidFill>
-                  <a:schemeClr val="accent5">
-                    <a:lumMod val="75000"/>
-                  </a:schemeClr>
-                </a:solidFill>
-                <a:latin typeface="Arial" panose="020B0604020202020204" pitchFamily="34" charset="0"/>
-                <a:cs typeface="Arial" panose="020B0604020202020204" pitchFamily="34" charset="0"/>
-              </a:rPr>
-              <a:t> </a:t>
-            </a:r>
-            <a:r>
-              <a:rPr lang="es-MX" sz="1800" b="1" dirty="0">
-                <a:solidFill>
-                  <a:schemeClr val="accent6">
-                    <a:lumMod val="75000"/>
-                  </a:schemeClr>
-                </a:solidFill>
-                <a:latin typeface="Arial" panose="020B0604020202020204" pitchFamily="34" charset="0"/>
-                <a:cs typeface="Arial" panose="020B0604020202020204" pitchFamily="34" charset="0"/>
-              </a:rPr>
-              <a:t>IP-local IP-Global</a:t>
-            </a:r>
-            <a:endParaRPr lang="es-MX" sz="1800" dirty="0">
+              <a:t>Realizar pruebas de conectividad con el exterior.</a:t>
+            </a:r>
+            <a:endParaRPr lang="es-MX" sz="1600" dirty="0">
               <a:solidFill>
                 <a:schemeClr val="bg2">
                   <a:lumMod val="25000"/>
-                </a:schemeClr>
-              </a:solidFill>
-              <a:latin typeface="Arial" panose="020B0604020202020204" pitchFamily="34" charset="0"/>
-              <a:cs typeface="Arial" panose="020B0604020202020204" pitchFamily="34" charset="0"/>
-            </a:endParaRPr>
-          </a:p>
-          <a:p>
-            <a:pPr marL="444500" lvl="1" indent="12700">
-              <a:lnSpc>
-                <a:spcPct val="150000"/>
-              </a:lnSpc>
-            </a:pPr>
-            <a:r>
-              <a:rPr lang="es-MX" sz="1800" b="1" dirty="0" err="1">
-                <a:solidFill>
-                  <a:schemeClr val="accent5">
-                    <a:lumMod val="75000"/>
-                  </a:schemeClr>
-                </a:solidFill>
-                <a:latin typeface="Arial" panose="020B0604020202020204" pitchFamily="34" charset="0"/>
-                <a:cs typeface="Arial" panose="020B0604020202020204" pitchFamily="34" charset="0"/>
-              </a:rPr>
-              <a:t>ip</a:t>
-            </a:r>
-            <a:r>
-              <a:rPr lang="es-MX" sz="1800" b="1" dirty="0">
-                <a:solidFill>
-                  <a:schemeClr val="accent5">
-                    <a:lumMod val="75000"/>
-                  </a:schemeClr>
-                </a:solidFill>
-                <a:latin typeface="Arial" panose="020B0604020202020204" pitchFamily="34" charset="0"/>
-                <a:cs typeface="Arial" panose="020B0604020202020204" pitchFamily="34" charset="0"/>
-              </a:rPr>
-              <a:t> </a:t>
-            </a:r>
-            <a:r>
-              <a:rPr lang="es-MX" sz="1800" b="1" dirty="0" err="1">
-                <a:solidFill>
-                  <a:schemeClr val="accent5">
-                    <a:lumMod val="75000"/>
-                  </a:schemeClr>
-                </a:solidFill>
-                <a:latin typeface="Arial" panose="020B0604020202020204" pitchFamily="34" charset="0"/>
-                <a:cs typeface="Arial" panose="020B0604020202020204" pitchFamily="34" charset="0"/>
-              </a:rPr>
-              <a:t>nat</a:t>
-            </a:r>
-            <a:r>
-              <a:rPr lang="es-MX" sz="1800" b="1" dirty="0">
-                <a:solidFill>
-                  <a:schemeClr val="accent5">
-                    <a:lumMod val="75000"/>
-                  </a:schemeClr>
-                </a:solidFill>
-                <a:latin typeface="Arial" panose="020B0604020202020204" pitchFamily="34" charset="0"/>
-                <a:cs typeface="Arial" panose="020B0604020202020204" pitchFamily="34" charset="0"/>
-              </a:rPr>
-              <a:t> </a:t>
-            </a:r>
-            <a:r>
-              <a:rPr lang="es-MX" sz="1800" b="1" dirty="0" err="1">
-                <a:solidFill>
-                  <a:schemeClr val="accent5">
-                    <a:lumMod val="75000"/>
-                  </a:schemeClr>
-                </a:solidFill>
-                <a:latin typeface="Arial" panose="020B0604020202020204" pitchFamily="34" charset="0"/>
-                <a:cs typeface="Arial" panose="020B0604020202020204" pitchFamily="34" charset="0"/>
-              </a:rPr>
-              <a:t>inside</a:t>
-            </a:r>
-            <a:r>
-              <a:rPr lang="es-MX" sz="1800" b="1" dirty="0">
-                <a:solidFill>
-                  <a:schemeClr val="accent5">
-                    <a:lumMod val="75000"/>
-                  </a:schemeClr>
-                </a:solidFill>
-                <a:latin typeface="Arial" panose="020B0604020202020204" pitchFamily="34" charset="0"/>
-                <a:cs typeface="Arial" panose="020B0604020202020204" pitchFamily="34" charset="0"/>
-              </a:rPr>
-              <a:t> </a:t>
-            </a:r>
-            <a:r>
-              <a:rPr lang="es-MX" sz="1800" b="1" dirty="0" err="1">
-                <a:solidFill>
-                  <a:schemeClr val="accent5">
-                    <a:lumMod val="75000"/>
-                  </a:schemeClr>
-                </a:solidFill>
-                <a:latin typeface="Arial" panose="020B0604020202020204" pitchFamily="34" charset="0"/>
-                <a:cs typeface="Arial" panose="020B0604020202020204" pitchFamily="34" charset="0"/>
-              </a:rPr>
-              <a:t>source</a:t>
-            </a:r>
-            <a:r>
-              <a:rPr lang="es-MX" sz="1800" dirty="0">
-                <a:solidFill>
-                  <a:schemeClr val="accent5">
-                    <a:lumMod val="75000"/>
-                  </a:schemeClr>
-                </a:solidFill>
-                <a:latin typeface="Arial" panose="020B0604020202020204" pitchFamily="34" charset="0"/>
-                <a:cs typeface="Arial" panose="020B0604020202020204" pitchFamily="34" charset="0"/>
-              </a:rPr>
-              <a:t> </a:t>
-            </a:r>
-            <a:r>
-              <a:rPr lang="es-MX" sz="1800" b="1" dirty="0" err="1">
-                <a:solidFill>
-                  <a:schemeClr val="bg2">
-                    <a:lumMod val="25000"/>
-                  </a:schemeClr>
-                </a:solidFill>
-                <a:latin typeface="Arial" panose="020B0604020202020204" pitchFamily="34" charset="0"/>
-                <a:cs typeface="Arial" panose="020B0604020202020204" pitchFamily="34" charset="0"/>
-              </a:rPr>
-              <a:t>list</a:t>
-            </a:r>
-            <a:r>
-              <a:rPr lang="es-MX" sz="1800" b="1" dirty="0">
-                <a:solidFill>
-                  <a:schemeClr val="bg2">
-                    <a:lumMod val="25000"/>
-                  </a:schemeClr>
-                </a:solidFill>
-                <a:latin typeface="Arial" panose="020B0604020202020204" pitchFamily="34" charset="0"/>
-                <a:cs typeface="Arial" panose="020B0604020202020204" pitchFamily="34" charset="0"/>
-              </a:rPr>
-              <a:t> </a:t>
-            </a:r>
-            <a:r>
-              <a:rPr lang="es-MX" sz="1800" dirty="0">
-                <a:solidFill>
-                  <a:schemeClr val="bg2">
-                    <a:lumMod val="25000"/>
-                  </a:schemeClr>
-                </a:solidFill>
-                <a:latin typeface="Arial" panose="020B0604020202020204" pitchFamily="34" charset="0"/>
-                <a:cs typeface="Arial" panose="020B0604020202020204" pitchFamily="34" charset="0"/>
-              </a:rPr>
-              <a:t>{</a:t>
-            </a:r>
-            <a:r>
-              <a:rPr lang="es-MX" sz="1800" b="1" dirty="0">
-                <a:solidFill>
-                  <a:schemeClr val="accent6">
-                    <a:lumMod val="75000"/>
-                  </a:schemeClr>
-                </a:solidFill>
-                <a:latin typeface="Arial" panose="020B0604020202020204" pitchFamily="34" charset="0"/>
-                <a:cs typeface="Arial" panose="020B0604020202020204" pitchFamily="34" charset="0"/>
-              </a:rPr>
-              <a:t>Número | Nombre</a:t>
-            </a:r>
-            <a:r>
-              <a:rPr lang="es-MX" sz="1800" dirty="0">
-                <a:solidFill>
-                  <a:schemeClr val="bg2">
-                    <a:lumMod val="25000"/>
-                  </a:schemeClr>
-                </a:solidFill>
-                <a:latin typeface="Arial" panose="020B0604020202020204" pitchFamily="34" charset="0"/>
-                <a:cs typeface="Arial" panose="020B0604020202020204" pitchFamily="34" charset="0"/>
-              </a:rPr>
-              <a:t>} </a:t>
-            </a:r>
-            <a:r>
-              <a:rPr lang="es-MX" sz="1800" b="1" dirty="0">
-                <a:solidFill>
-                  <a:schemeClr val="bg2">
-                    <a:lumMod val="25000"/>
-                  </a:schemeClr>
-                </a:solidFill>
-                <a:latin typeface="Arial" panose="020B0604020202020204" pitchFamily="34" charset="0"/>
-                <a:cs typeface="Arial" panose="020B0604020202020204" pitchFamily="34" charset="0"/>
-              </a:rPr>
-              <a:t>pool</a:t>
-            </a:r>
-            <a:r>
-              <a:rPr lang="es-MX" sz="1800" dirty="0">
-                <a:solidFill>
-                  <a:schemeClr val="bg2">
-                    <a:lumMod val="25000"/>
-                  </a:schemeClr>
-                </a:solidFill>
-                <a:latin typeface="Arial" panose="020B0604020202020204" pitchFamily="34" charset="0"/>
-                <a:cs typeface="Arial" panose="020B0604020202020204" pitchFamily="34" charset="0"/>
-              </a:rPr>
-              <a:t> </a:t>
-            </a:r>
-            <a:r>
-              <a:rPr lang="es-MX" sz="1800" b="1" dirty="0">
-                <a:solidFill>
-                  <a:schemeClr val="accent6">
-                    <a:lumMod val="75000"/>
-                  </a:schemeClr>
-                </a:solidFill>
-                <a:latin typeface="Arial" panose="020B0604020202020204" pitchFamily="34" charset="0"/>
-                <a:cs typeface="Arial" panose="020B0604020202020204" pitchFamily="34" charset="0"/>
-              </a:rPr>
-              <a:t>NOMBRE </a:t>
-            </a:r>
-            <a:r>
-              <a:rPr lang="es-MX" sz="1800" b="1" dirty="0">
-                <a:solidFill>
-                  <a:schemeClr val="bg2">
-                    <a:lumMod val="25000"/>
-                  </a:schemeClr>
-                </a:solidFill>
-                <a:latin typeface="Arial" panose="020B0604020202020204" pitchFamily="34" charset="0"/>
-                <a:cs typeface="Arial" panose="020B0604020202020204" pitchFamily="34" charset="0"/>
-              </a:rPr>
-              <a:t>[</a:t>
-            </a:r>
-            <a:r>
-              <a:rPr lang="es-MX" sz="1800" b="1" dirty="0" err="1">
-                <a:solidFill>
-                  <a:schemeClr val="bg2">
-                    <a:lumMod val="25000"/>
-                  </a:schemeClr>
-                </a:solidFill>
-                <a:latin typeface="Arial" panose="020B0604020202020204" pitchFamily="34" charset="0"/>
-                <a:cs typeface="Arial" panose="020B0604020202020204" pitchFamily="34" charset="0"/>
-              </a:rPr>
-              <a:t>overload</a:t>
-            </a:r>
-            <a:r>
-              <a:rPr lang="es-MX" sz="1800" b="1" dirty="0">
-                <a:solidFill>
-                  <a:schemeClr val="bg2">
-                    <a:lumMod val="25000"/>
-                  </a:schemeClr>
-                </a:solidFill>
-                <a:latin typeface="Arial" panose="020B0604020202020204" pitchFamily="34" charset="0"/>
-                <a:cs typeface="Arial" panose="020B0604020202020204" pitchFamily="34" charset="0"/>
-              </a:rPr>
-              <a:t>] </a:t>
-            </a:r>
-            <a:endParaRPr lang="es-MX" sz="1800" dirty="0">
-              <a:solidFill>
-                <a:schemeClr val="bg2">
-                  <a:lumMod val="25000"/>
-                </a:schemeClr>
-              </a:solidFill>
-              <a:latin typeface="Arial" panose="020B0604020202020204" pitchFamily="34" charset="0"/>
-              <a:cs typeface="Arial" panose="020B0604020202020204" pitchFamily="34" charset="0"/>
-            </a:endParaRPr>
-          </a:p>
-          <a:p>
-            <a:pPr marL="444500" lvl="1" indent="12700">
-              <a:lnSpc>
-                <a:spcPct val="150000"/>
-              </a:lnSpc>
-            </a:pPr>
-            <a:r>
-              <a:rPr lang="es-MX" sz="1800" b="1" dirty="0" err="1">
-                <a:solidFill>
-                  <a:schemeClr val="accent5">
-                    <a:lumMod val="75000"/>
-                  </a:schemeClr>
-                </a:solidFill>
-                <a:latin typeface="Arial" panose="020B0604020202020204" pitchFamily="34" charset="0"/>
-                <a:cs typeface="Arial" panose="020B0604020202020204" pitchFamily="34" charset="0"/>
-              </a:rPr>
-              <a:t>ip</a:t>
-            </a:r>
-            <a:r>
-              <a:rPr lang="es-MX" sz="1800" b="1" dirty="0">
-                <a:solidFill>
-                  <a:schemeClr val="accent5">
-                    <a:lumMod val="75000"/>
-                  </a:schemeClr>
-                </a:solidFill>
-                <a:latin typeface="Arial" panose="020B0604020202020204" pitchFamily="34" charset="0"/>
-                <a:cs typeface="Arial" panose="020B0604020202020204" pitchFamily="34" charset="0"/>
-              </a:rPr>
-              <a:t> </a:t>
-            </a:r>
-            <a:r>
-              <a:rPr lang="es-MX" sz="1800" b="1" dirty="0" err="1">
-                <a:solidFill>
-                  <a:schemeClr val="accent5">
-                    <a:lumMod val="75000"/>
-                  </a:schemeClr>
-                </a:solidFill>
-                <a:latin typeface="Arial" panose="020B0604020202020204" pitchFamily="34" charset="0"/>
-                <a:cs typeface="Arial" panose="020B0604020202020204" pitchFamily="34" charset="0"/>
-              </a:rPr>
-              <a:t>nat</a:t>
-            </a:r>
-            <a:r>
-              <a:rPr lang="es-MX" sz="1800" b="1" dirty="0">
-                <a:solidFill>
-                  <a:schemeClr val="accent5">
-                    <a:lumMod val="75000"/>
-                  </a:schemeClr>
-                </a:solidFill>
-                <a:latin typeface="Arial" panose="020B0604020202020204" pitchFamily="34" charset="0"/>
-                <a:cs typeface="Arial" panose="020B0604020202020204" pitchFamily="34" charset="0"/>
-              </a:rPr>
-              <a:t> </a:t>
-            </a:r>
-            <a:r>
-              <a:rPr lang="es-MX" sz="1800" b="1" dirty="0" err="1">
-                <a:solidFill>
-                  <a:schemeClr val="accent5">
-                    <a:lumMod val="75000"/>
-                  </a:schemeClr>
-                </a:solidFill>
-                <a:latin typeface="Arial" panose="020B0604020202020204" pitchFamily="34" charset="0"/>
-                <a:cs typeface="Arial" panose="020B0604020202020204" pitchFamily="34" charset="0"/>
-              </a:rPr>
-              <a:t>inside</a:t>
-            </a:r>
-            <a:r>
-              <a:rPr lang="es-MX" sz="1800" b="1" dirty="0">
-                <a:solidFill>
-                  <a:schemeClr val="accent5">
-                    <a:lumMod val="75000"/>
-                  </a:schemeClr>
-                </a:solidFill>
-                <a:latin typeface="Arial" panose="020B0604020202020204" pitchFamily="34" charset="0"/>
-                <a:cs typeface="Arial" panose="020B0604020202020204" pitchFamily="34" charset="0"/>
-              </a:rPr>
-              <a:t> </a:t>
-            </a:r>
-            <a:r>
-              <a:rPr lang="es-MX" sz="1800" b="1" dirty="0" err="1">
-                <a:solidFill>
-                  <a:schemeClr val="accent5">
-                    <a:lumMod val="75000"/>
-                  </a:schemeClr>
-                </a:solidFill>
-                <a:latin typeface="Arial" panose="020B0604020202020204" pitchFamily="34" charset="0"/>
-                <a:cs typeface="Arial" panose="020B0604020202020204" pitchFamily="34" charset="0"/>
-              </a:rPr>
-              <a:t>source</a:t>
-            </a:r>
-            <a:r>
-              <a:rPr lang="es-MX" sz="1800" dirty="0">
-                <a:solidFill>
-                  <a:schemeClr val="accent5">
-                    <a:lumMod val="75000"/>
-                  </a:schemeClr>
-                </a:solidFill>
-                <a:latin typeface="Arial" panose="020B0604020202020204" pitchFamily="34" charset="0"/>
-                <a:cs typeface="Arial" panose="020B0604020202020204" pitchFamily="34" charset="0"/>
-              </a:rPr>
-              <a:t> </a:t>
-            </a:r>
-            <a:r>
-              <a:rPr lang="es-MX" sz="1800" b="1" dirty="0" err="1">
-                <a:solidFill>
-                  <a:schemeClr val="tx1">
-                    <a:lumMod val="95000"/>
-                    <a:lumOff val="5000"/>
-                  </a:schemeClr>
-                </a:solidFill>
-                <a:latin typeface="Arial" panose="020B0604020202020204" pitchFamily="34" charset="0"/>
-                <a:cs typeface="Arial" panose="020B0604020202020204" pitchFamily="34" charset="0"/>
-              </a:rPr>
-              <a:t>list</a:t>
-            </a:r>
-            <a:r>
-              <a:rPr lang="es-MX" sz="1800" b="1" dirty="0">
-                <a:solidFill>
-                  <a:schemeClr val="bg2">
-                    <a:lumMod val="50000"/>
-                  </a:schemeClr>
-                </a:solidFill>
-                <a:latin typeface="Arial" panose="020B0604020202020204" pitchFamily="34" charset="0"/>
-                <a:cs typeface="Arial" panose="020B0604020202020204" pitchFamily="34" charset="0"/>
-              </a:rPr>
-              <a:t> </a:t>
-            </a:r>
-            <a:r>
-              <a:rPr lang="es-MX" sz="1800" dirty="0">
-                <a:solidFill>
-                  <a:schemeClr val="bg2">
-                    <a:lumMod val="25000"/>
-                  </a:schemeClr>
-                </a:solidFill>
-                <a:latin typeface="Arial" panose="020B0604020202020204" pitchFamily="34" charset="0"/>
-                <a:cs typeface="Arial" panose="020B0604020202020204" pitchFamily="34" charset="0"/>
-              </a:rPr>
-              <a:t>{</a:t>
-            </a:r>
-            <a:r>
-              <a:rPr lang="es-MX" sz="1800" b="1" dirty="0">
-                <a:solidFill>
-                  <a:schemeClr val="accent6">
-                    <a:lumMod val="75000"/>
-                  </a:schemeClr>
-                </a:solidFill>
-                <a:latin typeface="Arial" panose="020B0604020202020204" pitchFamily="34" charset="0"/>
-                <a:cs typeface="Arial" panose="020B0604020202020204" pitchFamily="34" charset="0"/>
-              </a:rPr>
-              <a:t>Número | Nombre</a:t>
-            </a:r>
-            <a:r>
-              <a:rPr lang="es-MX" sz="1800" dirty="0">
-                <a:solidFill>
-                  <a:schemeClr val="bg2">
-                    <a:lumMod val="25000"/>
-                  </a:schemeClr>
-                </a:solidFill>
-                <a:latin typeface="Arial" panose="020B0604020202020204" pitchFamily="34" charset="0"/>
-                <a:cs typeface="Arial" panose="020B0604020202020204" pitchFamily="34" charset="0"/>
-              </a:rPr>
-              <a:t>} </a:t>
-            </a:r>
-            <a:r>
-              <a:rPr lang="es-MX" sz="1800" b="1" dirty="0">
-                <a:solidFill>
-                  <a:schemeClr val="tx1">
-                    <a:lumMod val="95000"/>
-                    <a:lumOff val="5000"/>
-                  </a:schemeClr>
-                </a:solidFill>
-                <a:latin typeface="Arial" panose="020B0604020202020204" pitchFamily="34" charset="0"/>
-                <a:cs typeface="Arial" panose="020B0604020202020204" pitchFamily="34" charset="0"/>
-              </a:rPr>
-              <a:t>interface</a:t>
-            </a:r>
-            <a:r>
-              <a:rPr lang="es-MX" sz="1800" dirty="0">
-                <a:solidFill>
-                  <a:schemeClr val="bg2">
-                    <a:lumMod val="50000"/>
-                  </a:schemeClr>
-                </a:solidFill>
-                <a:latin typeface="Arial" panose="020B0604020202020204" pitchFamily="34" charset="0"/>
-                <a:cs typeface="Arial" panose="020B0604020202020204" pitchFamily="34" charset="0"/>
-              </a:rPr>
-              <a:t> </a:t>
-            </a:r>
-            <a:r>
-              <a:rPr lang="es-MX" sz="1800" b="1" dirty="0">
-                <a:solidFill>
-                  <a:schemeClr val="accent6">
-                    <a:lumMod val="75000"/>
-                  </a:schemeClr>
-                </a:solidFill>
-                <a:latin typeface="Arial" panose="020B0604020202020204" pitchFamily="34" charset="0"/>
-                <a:cs typeface="Arial" panose="020B0604020202020204" pitchFamily="34" charset="0"/>
-              </a:rPr>
-              <a:t>Tipo-Número</a:t>
-            </a:r>
-            <a:r>
-              <a:rPr lang="es-MX" sz="1800" b="1" dirty="0">
-                <a:solidFill>
-                  <a:schemeClr val="tx1">
-                    <a:lumMod val="95000"/>
-                    <a:lumOff val="5000"/>
-                  </a:schemeClr>
-                </a:solidFill>
-                <a:latin typeface="Arial" panose="020B0604020202020204" pitchFamily="34" charset="0"/>
-                <a:cs typeface="Arial" panose="020B0604020202020204" pitchFamily="34" charset="0"/>
-              </a:rPr>
-              <a:t> [</a:t>
-            </a:r>
-            <a:r>
-              <a:rPr lang="es-MX" sz="1800" b="1" dirty="0" err="1">
-                <a:solidFill>
-                  <a:schemeClr val="tx1">
-                    <a:lumMod val="95000"/>
-                    <a:lumOff val="5000"/>
-                  </a:schemeClr>
-                </a:solidFill>
-                <a:latin typeface="Arial" panose="020B0604020202020204" pitchFamily="34" charset="0"/>
-                <a:cs typeface="Arial" panose="020B0604020202020204" pitchFamily="34" charset="0"/>
-              </a:rPr>
-              <a:t>overload</a:t>
-            </a:r>
-            <a:r>
-              <a:rPr lang="es-MX" sz="1800" b="1" dirty="0">
-                <a:solidFill>
-                  <a:schemeClr val="tx1">
-                    <a:lumMod val="95000"/>
-                    <a:lumOff val="5000"/>
-                  </a:schemeClr>
-                </a:solidFill>
-                <a:latin typeface="Arial" panose="020B0604020202020204" pitchFamily="34" charset="0"/>
-                <a:cs typeface="Arial" panose="020B0604020202020204" pitchFamily="34" charset="0"/>
-              </a:rPr>
-              <a:t>]</a:t>
-            </a:r>
-          </a:p>
-          <a:p>
-            <a:pPr marL="444500" lvl="1" indent="12700">
-              <a:lnSpc>
-                <a:spcPct val="150000"/>
-              </a:lnSpc>
-            </a:pPr>
-            <a:r>
-              <a:rPr lang="es-MX" sz="1800" b="1" dirty="0" err="1">
-                <a:solidFill>
-                  <a:schemeClr val="accent5">
-                    <a:lumMod val="75000"/>
-                  </a:schemeClr>
-                </a:solidFill>
-                <a:latin typeface="Arial" panose="020B0604020202020204" pitchFamily="34" charset="0"/>
-                <a:cs typeface="Arial" panose="020B0604020202020204" pitchFamily="34" charset="0"/>
-              </a:rPr>
-              <a:t>ip</a:t>
-            </a:r>
-            <a:r>
-              <a:rPr lang="es-MX" sz="1800" b="1" dirty="0">
-                <a:solidFill>
-                  <a:schemeClr val="accent5">
-                    <a:lumMod val="75000"/>
-                  </a:schemeClr>
-                </a:solidFill>
-                <a:latin typeface="Arial" panose="020B0604020202020204" pitchFamily="34" charset="0"/>
-                <a:cs typeface="Arial" panose="020B0604020202020204" pitchFamily="34" charset="0"/>
-              </a:rPr>
-              <a:t> </a:t>
-            </a:r>
-            <a:r>
-              <a:rPr lang="es-MX" sz="1800" b="1" dirty="0" err="1">
-                <a:solidFill>
-                  <a:schemeClr val="accent5">
-                    <a:lumMod val="75000"/>
-                  </a:schemeClr>
-                </a:solidFill>
-                <a:latin typeface="Arial" panose="020B0604020202020204" pitchFamily="34" charset="0"/>
-                <a:cs typeface="Arial" panose="020B0604020202020204" pitchFamily="34" charset="0"/>
-              </a:rPr>
-              <a:t>nat</a:t>
-            </a:r>
-            <a:r>
-              <a:rPr lang="es-MX" sz="1800" b="1" dirty="0">
-                <a:solidFill>
-                  <a:schemeClr val="accent5">
-                    <a:lumMod val="75000"/>
-                  </a:schemeClr>
-                </a:solidFill>
-                <a:latin typeface="Arial" panose="020B0604020202020204" pitchFamily="34" charset="0"/>
-                <a:cs typeface="Arial" panose="020B0604020202020204" pitchFamily="34" charset="0"/>
-              </a:rPr>
-              <a:t> </a:t>
-            </a:r>
-            <a:r>
-              <a:rPr lang="es-MX" sz="1800" b="1" dirty="0" err="1">
-                <a:solidFill>
-                  <a:schemeClr val="accent5">
-                    <a:lumMod val="75000"/>
-                  </a:schemeClr>
-                </a:solidFill>
-                <a:latin typeface="Arial" panose="020B0604020202020204" pitchFamily="34" charset="0"/>
-                <a:cs typeface="Arial" panose="020B0604020202020204" pitchFamily="34" charset="0"/>
-              </a:rPr>
-              <a:t>inside</a:t>
-            </a:r>
-            <a:r>
-              <a:rPr lang="es-MX" sz="1800" b="1" dirty="0">
-                <a:solidFill>
-                  <a:schemeClr val="accent5">
-                    <a:lumMod val="75000"/>
-                  </a:schemeClr>
-                </a:solidFill>
-                <a:latin typeface="Arial" panose="020B0604020202020204" pitchFamily="34" charset="0"/>
-                <a:cs typeface="Arial" panose="020B0604020202020204" pitchFamily="34" charset="0"/>
-              </a:rPr>
-              <a:t> </a:t>
-            </a:r>
-            <a:r>
-              <a:rPr lang="es-MX" sz="1800" b="1" dirty="0" err="1">
-                <a:solidFill>
-                  <a:schemeClr val="accent5">
-                    <a:lumMod val="75000"/>
-                  </a:schemeClr>
-                </a:solidFill>
-                <a:latin typeface="Arial" panose="020B0604020202020204" pitchFamily="34" charset="0"/>
-                <a:cs typeface="Arial" panose="020B0604020202020204" pitchFamily="34" charset="0"/>
-              </a:rPr>
-              <a:t>source</a:t>
-            </a:r>
-            <a:r>
-              <a:rPr lang="es-MX" sz="1800" dirty="0">
-                <a:solidFill>
-                  <a:schemeClr val="accent5">
-                    <a:lumMod val="75000"/>
-                  </a:schemeClr>
-                </a:solidFill>
-                <a:latin typeface="Arial" panose="020B0604020202020204" pitchFamily="34" charset="0"/>
-                <a:cs typeface="Arial" panose="020B0604020202020204" pitchFamily="34" charset="0"/>
-              </a:rPr>
-              <a:t> </a:t>
-            </a:r>
-            <a:r>
-              <a:rPr lang="es-MX" sz="1800" b="1" dirty="0" err="1">
-                <a:solidFill>
-                  <a:schemeClr val="tx1">
-                    <a:lumMod val="95000"/>
-                    <a:lumOff val="5000"/>
-                  </a:schemeClr>
-                </a:solidFill>
-                <a:latin typeface="Arial" panose="020B0604020202020204" pitchFamily="34" charset="0"/>
-                <a:cs typeface="Arial" panose="020B0604020202020204" pitchFamily="34" charset="0"/>
-              </a:rPr>
-              <a:t>static</a:t>
-            </a:r>
-            <a:r>
-              <a:rPr lang="es-MX" sz="1800" b="1" dirty="0">
-                <a:solidFill>
-                  <a:schemeClr val="bg2">
-                    <a:lumMod val="50000"/>
-                  </a:schemeClr>
-                </a:solidFill>
-                <a:latin typeface="Arial" panose="020B0604020202020204" pitchFamily="34" charset="0"/>
-                <a:cs typeface="Arial" panose="020B0604020202020204" pitchFamily="34" charset="0"/>
-              </a:rPr>
-              <a:t> </a:t>
-            </a:r>
-            <a:r>
-              <a:rPr lang="es-MX" sz="1800" b="1" dirty="0">
-                <a:solidFill>
-                  <a:schemeClr val="accent5">
-                    <a:lumMod val="75000"/>
-                  </a:schemeClr>
-                </a:solidFill>
-                <a:latin typeface="Arial" panose="020B0604020202020204" pitchFamily="34" charset="0"/>
-                <a:cs typeface="Arial" panose="020B0604020202020204" pitchFamily="34" charset="0"/>
-              </a:rPr>
-              <a:t>Protocolo</a:t>
-            </a:r>
-            <a:r>
-              <a:rPr lang="es-MX" sz="1800" dirty="0">
-                <a:solidFill>
-                  <a:schemeClr val="bg2">
-                    <a:lumMod val="25000"/>
-                  </a:schemeClr>
-                </a:solidFill>
-                <a:latin typeface="Arial" panose="020B0604020202020204" pitchFamily="34" charset="0"/>
-                <a:cs typeface="Arial" panose="020B0604020202020204" pitchFamily="34" charset="0"/>
-              </a:rPr>
-              <a:t> </a:t>
-            </a:r>
-            <a:r>
-              <a:rPr lang="es-MX" sz="1800" b="1" dirty="0">
-                <a:solidFill>
-                  <a:schemeClr val="accent6">
-                    <a:lumMod val="75000"/>
-                  </a:schemeClr>
-                </a:solidFill>
-                <a:latin typeface="Arial" panose="020B0604020202020204" pitchFamily="34" charset="0"/>
-                <a:cs typeface="Arial" panose="020B0604020202020204" pitchFamily="34" charset="0"/>
-              </a:rPr>
-              <a:t>IP-local(privada) </a:t>
-            </a:r>
-            <a:r>
-              <a:rPr lang="es-MX" sz="1800" b="1" dirty="0">
-                <a:solidFill>
-                  <a:schemeClr val="accent5">
-                    <a:lumMod val="75000"/>
-                  </a:schemeClr>
-                </a:solidFill>
-                <a:latin typeface="Arial" panose="020B0604020202020204" pitchFamily="34" charset="0"/>
-                <a:cs typeface="Arial" panose="020B0604020202020204" pitchFamily="34" charset="0"/>
-              </a:rPr>
-              <a:t>Puerto </a:t>
-            </a:r>
-            <a:r>
-              <a:rPr lang="es-MX" sz="1800" b="1" dirty="0">
-                <a:solidFill>
-                  <a:schemeClr val="accent6">
-                    <a:lumMod val="75000"/>
-                  </a:schemeClr>
-                </a:solidFill>
-                <a:latin typeface="Arial" panose="020B0604020202020204" pitchFamily="34" charset="0"/>
-                <a:cs typeface="Arial" panose="020B0604020202020204" pitchFamily="34" charset="0"/>
-              </a:rPr>
-              <a:t>IP-Global(publica) </a:t>
-            </a:r>
-            <a:r>
-              <a:rPr lang="es-MX" sz="1800" b="1" dirty="0">
-                <a:solidFill>
-                  <a:schemeClr val="accent5">
-                    <a:lumMod val="75000"/>
-                  </a:schemeClr>
-                </a:solidFill>
-                <a:latin typeface="Arial" panose="020B0604020202020204" pitchFamily="34" charset="0"/>
-                <a:cs typeface="Arial" panose="020B0604020202020204" pitchFamily="34" charset="0"/>
-              </a:rPr>
-              <a:t>Puerto</a:t>
-            </a:r>
-            <a:endParaRPr lang="es-MX" sz="1800" dirty="0">
-              <a:solidFill>
-                <a:schemeClr val="accent5">
-                  <a:lumMod val="75000"/>
-                </a:schemeClr>
-              </a:solidFill>
-              <a:latin typeface="Arial" panose="020B0604020202020204" pitchFamily="34" charset="0"/>
-              <a:cs typeface="Arial" panose="020B0604020202020204" pitchFamily="34" charset="0"/>
-            </a:endParaRPr>
-          </a:p>
-          <a:p>
-            <a:pPr marL="342900" indent="-342900">
-              <a:lnSpc>
-                <a:spcPct val="150000"/>
-              </a:lnSpc>
-              <a:spcBef>
-                <a:spcPts val="1800"/>
-              </a:spcBef>
-              <a:buFont typeface="+mj-lt"/>
-              <a:buAutoNum type="arabicPeriod"/>
-            </a:pPr>
-            <a:r>
-              <a:rPr lang="es-MX" sz="1800" dirty="0">
-                <a:solidFill>
-                  <a:schemeClr val="bg2">
-                    <a:lumMod val="25000"/>
-                  </a:schemeClr>
-                </a:solidFill>
-                <a:latin typeface="Arial" panose="020B0604020202020204" pitchFamily="34" charset="0"/>
-                <a:cs typeface="Arial" panose="020B0604020202020204" pitchFamily="34" charset="0"/>
-              </a:rPr>
-              <a:t>Especificar las </a:t>
-            </a:r>
-            <a:r>
-              <a:rPr lang="es-MX" sz="1800" b="1" u="sng" dirty="0">
-                <a:solidFill>
-                  <a:schemeClr val="bg2">
-                    <a:lumMod val="25000"/>
-                  </a:schemeClr>
-                </a:solidFill>
-                <a:latin typeface="Arial" panose="020B0604020202020204" pitchFamily="34" charset="0"/>
-                <a:cs typeface="Arial" panose="020B0604020202020204" pitchFamily="34" charset="0"/>
-              </a:rPr>
-              <a:t>interfaces interiores y exteriores</a:t>
-            </a:r>
-          </a:p>
-          <a:p>
-            <a:pPr lvl="1">
-              <a:lnSpc>
-                <a:spcPct val="150000"/>
-              </a:lnSpc>
-            </a:pPr>
-            <a:r>
-              <a:rPr lang="es-MX" sz="1800" b="1" dirty="0">
-                <a:solidFill>
-                  <a:schemeClr val="accent5">
-                    <a:lumMod val="75000"/>
-                  </a:schemeClr>
-                </a:solidFill>
-                <a:latin typeface="Arial" panose="020B0604020202020204" pitchFamily="34" charset="0"/>
-                <a:cs typeface="Arial" panose="020B0604020202020204" pitchFamily="34" charset="0"/>
-              </a:rPr>
-              <a:t>interface </a:t>
-            </a:r>
-            <a:r>
-              <a:rPr lang="es-MX" sz="1800" b="1" dirty="0">
-                <a:solidFill>
-                  <a:schemeClr val="accent6">
-                    <a:lumMod val="75000"/>
-                  </a:schemeClr>
-                </a:solidFill>
-                <a:latin typeface="Arial" panose="020B0604020202020204" pitchFamily="34" charset="0"/>
-                <a:cs typeface="Arial" panose="020B0604020202020204" pitchFamily="34" charset="0"/>
-              </a:rPr>
-              <a:t>Tipo-Número</a:t>
-            </a:r>
-          </a:p>
-          <a:p>
-            <a:pPr lvl="1">
-              <a:lnSpc>
-                <a:spcPct val="150000"/>
-              </a:lnSpc>
-              <a:spcAft>
-                <a:spcPts val="600"/>
-              </a:spcAft>
-            </a:pPr>
-            <a:r>
-              <a:rPr lang="es-MX" sz="1800" b="1" dirty="0" err="1">
-                <a:solidFill>
-                  <a:schemeClr val="accent6">
-                    <a:lumMod val="75000"/>
-                  </a:schemeClr>
-                </a:solidFill>
-                <a:latin typeface="Arial" panose="020B0604020202020204" pitchFamily="34" charset="0"/>
-                <a:cs typeface="Arial" panose="020B0604020202020204" pitchFamily="34" charset="0"/>
-              </a:rPr>
-              <a:t>ip</a:t>
-            </a:r>
-            <a:r>
-              <a:rPr lang="es-MX" sz="1800" b="1" dirty="0">
-                <a:solidFill>
-                  <a:schemeClr val="accent6">
-                    <a:lumMod val="75000"/>
-                  </a:schemeClr>
-                </a:solidFill>
-                <a:latin typeface="Arial" panose="020B0604020202020204" pitchFamily="34" charset="0"/>
-                <a:cs typeface="Arial" panose="020B0604020202020204" pitchFamily="34" charset="0"/>
-              </a:rPr>
-              <a:t> </a:t>
-            </a:r>
-            <a:r>
-              <a:rPr lang="es-MX" sz="1800" b="1" dirty="0" err="1">
-                <a:solidFill>
-                  <a:schemeClr val="accent6">
-                    <a:lumMod val="75000"/>
-                  </a:schemeClr>
-                </a:solidFill>
-                <a:latin typeface="Arial" panose="020B0604020202020204" pitchFamily="34" charset="0"/>
-                <a:cs typeface="Arial" panose="020B0604020202020204" pitchFamily="34" charset="0"/>
-              </a:rPr>
-              <a:t>nat</a:t>
-            </a:r>
-            <a:r>
-              <a:rPr lang="es-MX" sz="1800" b="1" dirty="0">
-                <a:solidFill>
-                  <a:schemeClr val="accent6">
-                    <a:lumMod val="75000"/>
-                  </a:schemeClr>
-                </a:solidFill>
-                <a:latin typeface="Arial" panose="020B0604020202020204" pitchFamily="34" charset="0"/>
-                <a:cs typeface="Arial" panose="020B0604020202020204" pitchFamily="34" charset="0"/>
-              </a:rPr>
-              <a:t> </a:t>
-            </a:r>
-            <a:r>
-              <a:rPr lang="es-MX" sz="1800" b="1" dirty="0" err="1">
-                <a:solidFill>
-                  <a:schemeClr val="accent6">
-                    <a:lumMod val="75000"/>
-                  </a:schemeClr>
-                </a:solidFill>
-                <a:latin typeface="Arial" panose="020B0604020202020204" pitchFamily="34" charset="0"/>
-                <a:cs typeface="Arial" panose="020B0604020202020204" pitchFamily="34" charset="0"/>
-              </a:rPr>
-              <a:t>inside</a:t>
-            </a:r>
-            <a:r>
-              <a:rPr lang="es-MX" sz="1800" b="1" dirty="0">
-                <a:solidFill>
-                  <a:schemeClr val="accent6">
-                    <a:lumMod val="75000"/>
-                  </a:schemeClr>
-                </a:solidFill>
-                <a:latin typeface="Arial" panose="020B0604020202020204" pitchFamily="34" charset="0"/>
-                <a:cs typeface="Arial" panose="020B0604020202020204" pitchFamily="34" charset="0"/>
-              </a:rPr>
-              <a:t> | </a:t>
-            </a:r>
-            <a:r>
-              <a:rPr lang="es-MX" sz="1800" b="1" dirty="0" err="1">
-                <a:solidFill>
-                  <a:schemeClr val="accent6">
-                    <a:lumMod val="75000"/>
-                  </a:schemeClr>
-                </a:solidFill>
-                <a:latin typeface="Arial" panose="020B0604020202020204" pitchFamily="34" charset="0"/>
-                <a:cs typeface="Arial" panose="020B0604020202020204" pitchFamily="34" charset="0"/>
-              </a:rPr>
-              <a:t>ip</a:t>
-            </a:r>
-            <a:r>
-              <a:rPr lang="es-MX" sz="1800" b="1" dirty="0">
-                <a:solidFill>
-                  <a:schemeClr val="accent6">
-                    <a:lumMod val="75000"/>
-                  </a:schemeClr>
-                </a:solidFill>
-                <a:latin typeface="Arial" panose="020B0604020202020204" pitchFamily="34" charset="0"/>
-                <a:cs typeface="Arial" panose="020B0604020202020204" pitchFamily="34" charset="0"/>
-              </a:rPr>
-              <a:t> </a:t>
-            </a:r>
-            <a:r>
-              <a:rPr lang="es-MX" sz="1800" b="1" dirty="0" err="1">
-                <a:solidFill>
-                  <a:schemeClr val="accent6">
-                    <a:lumMod val="75000"/>
-                  </a:schemeClr>
-                </a:solidFill>
-                <a:latin typeface="Arial" panose="020B0604020202020204" pitchFamily="34" charset="0"/>
-                <a:cs typeface="Arial" panose="020B0604020202020204" pitchFamily="34" charset="0"/>
-              </a:rPr>
-              <a:t>nat</a:t>
-            </a:r>
-            <a:r>
-              <a:rPr lang="es-MX" sz="1800" b="1" dirty="0">
-                <a:solidFill>
-                  <a:schemeClr val="accent6">
-                    <a:lumMod val="75000"/>
-                  </a:schemeClr>
-                </a:solidFill>
-                <a:latin typeface="Arial" panose="020B0604020202020204" pitchFamily="34" charset="0"/>
-                <a:cs typeface="Arial" panose="020B0604020202020204" pitchFamily="34" charset="0"/>
-              </a:rPr>
-              <a:t> </a:t>
-            </a:r>
-            <a:r>
-              <a:rPr lang="es-MX" sz="1800" b="1" dirty="0" err="1">
-                <a:solidFill>
-                  <a:schemeClr val="accent6">
-                    <a:lumMod val="75000"/>
-                  </a:schemeClr>
-                </a:solidFill>
-                <a:latin typeface="Arial" panose="020B0604020202020204" pitchFamily="34" charset="0"/>
-                <a:cs typeface="Arial" panose="020B0604020202020204" pitchFamily="34" charset="0"/>
-              </a:rPr>
-              <a:t>outside</a:t>
-            </a:r>
-            <a:endParaRPr lang="es-MX" sz="1800" dirty="0">
-              <a:solidFill>
-                <a:schemeClr val="accent6">
-                  <a:lumMod val="75000"/>
                 </a:schemeClr>
               </a:solidFill>
               <a:latin typeface="Arial" panose="020B0604020202020204" pitchFamily="34" charset="0"/>
@@ -15267,7 +13699,7 @@
     </p:spTree>
     <p:extLst>
       <p:ext uri="{BB962C8B-B14F-4D97-AF65-F5344CB8AC3E}">
-        <p14:creationId xmlns:p14="http://schemas.microsoft.com/office/powerpoint/2010/main" val="422478329"/>
+        <p14:creationId xmlns:p14="http://schemas.microsoft.com/office/powerpoint/2010/main" val="2546287348"/>
       </p:ext>
     </p:extLst>
   </p:cSld>
@@ -15308,7 +13740,7 @@
                                           </p:stCondLst>
                                         </p:cTn>
                                         <p:tgtEl>
-                                          <p:spTgt spid="35845"/>
+                                          <p:spTgt spid="9"/>
                                         </p:tgtEl>
                                         <p:attrNameLst>
                                           <p:attrName>style.visibility</p:attrName>
@@ -15353,7 +13785,7 @@
                                           </p:stCondLst>
                                         </p:cTn>
                                         <p:tgtEl>
-                                          <p:spTgt spid="4"/>
+                                          <p:spTgt spid="6"/>
                                         </p:tgtEl>
                                         <p:attrNameLst>
                                           <p:attrName>style.visibility</p:attrName>
@@ -15394,8 +13826,8 @@
       </p:par>
     </p:tnLst>
     <p:bldLst>
-      <p:bldP spid="35845" grpId="0"/>
-      <p:bldP spid="4" grpId="0"/>
+      <p:bldP spid="9" grpId="0"/>
+      <p:bldP spid="6" grpId="0"/>
     </p:bldLst>
   </p:timing>
 </p:sld>
@@ -15420,7 +13852,60 @@
       </p:grpSpPr>
       <p:sp>
         <p:nvSpPr>
-          <p:cNvPr id="35845" name="7 CuadroTexto"/>
+          <p:cNvPr id="2" name="object 2"/>
+          <p:cNvSpPr txBox="1"/>
+          <p:nvPr/>
+        </p:nvSpPr>
+        <p:spPr>
+          <a:xfrm>
+            <a:off x="1752600" y="381000"/>
+            <a:ext cx="7696200" cy="492443"/>
+          </a:xfrm>
+          <a:prstGeom prst="rect">
+            <a:avLst/>
+          </a:prstGeom>
+        </p:spPr>
+        <p:txBody>
+          <a:bodyPr vert="horz" wrap="square" lIns="0" tIns="0" rIns="0" bIns="0" rtlCol="0">
+            <a:spAutoFit/>
+          </a:bodyPr>
+          <a:lstStyle/>
+          <a:p>
+            <a:pPr marL="12700" algn="ctr">
+              <a:lnSpc>
+                <a:spcPct val="100000"/>
+              </a:lnSpc>
+            </a:pPr>
+            <a:r>
+              <a:rPr lang="es-ES" sz="3200" b="1" spc="-25" dirty="0">
+                <a:latin typeface="Calibri"/>
+                <a:cs typeface="Calibri"/>
+              </a:rPr>
+              <a:t>Configuración de Port </a:t>
+            </a:r>
+            <a:r>
+              <a:rPr lang="es-ES" sz="3200" b="1" spc="-25" dirty="0" err="1">
+                <a:latin typeface="Calibri"/>
+                <a:cs typeface="Calibri"/>
+              </a:rPr>
+              <a:t>Forwarding</a:t>
+            </a:r>
+            <a:endParaRPr sz="3200" dirty="0">
+              <a:latin typeface="Calibri"/>
+              <a:cs typeface="Calibri"/>
+            </a:endParaRPr>
+          </a:p>
+        </p:txBody>
+      </p:sp>
+      <p:sp>
+        <p:nvSpPr>
+          <p:cNvPr id="7" name="7 CuadroTexto">
+            <a:extLst>
+              <a:ext uri="{FF2B5EF4-FFF2-40B4-BE49-F238E27FC236}">
+                <a16:creationId xmlns:a16="http://schemas.microsoft.com/office/drawing/2014/main" id="{97A5F177-69B7-4D90-83F6-DE5C57E0C02E}"/>
+              </a:ext>
+            </a:extLst>
+          </p:cNvPr>
           <p:cNvSpPr txBox="1">
             <a:spLocks noChangeArrowheads="1"/>
           </p:cNvSpPr>
@@ -15428,8 +13913,8 @@
         </p:nvSpPr>
         <p:spPr bwMode="auto">
           <a:xfrm>
-            <a:off x="723900" y="914400"/>
-            <a:ext cx="10744200" cy="5719514"/>
+            <a:off x="609600" y="1105240"/>
+            <a:ext cx="11277600" cy="1831784"/>
           </a:xfrm>
           <a:prstGeom prst="rect">
             <a:avLst/>
@@ -15561,216 +14046,71 @@
             </a:lvl9pPr>
           </a:lstStyle>
           <a:p>
-            <a:pPr marL="342900" indent="-342900">
+            <a:pPr algn="just">
               <a:lnSpc>
                 <a:spcPct val="150000"/>
               </a:lnSpc>
-              <a:buFont typeface="+mj-lt"/>
-              <a:buAutoNum type="arabicPeriod"/>
+              <a:spcBef>
+                <a:spcPts val="1200"/>
+              </a:spcBef>
             </a:pPr>
             <a:r>
-              <a:rPr lang="es-MX" sz="1800" dirty="0">
-                <a:solidFill>
-                  <a:schemeClr val="bg2">
-                    <a:lumMod val="25000"/>
-                  </a:schemeClr>
-                </a:solidFill>
-                <a:latin typeface="Arial" panose="020B0604020202020204" pitchFamily="34" charset="0"/>
-                <a:cs typeface="Arial" panose="020B0604020202020204" pitchFamily="34" charset="0"/>
-              </a:rPr>
-              <a:t>Definir un </a:t>
-            </a:r>
-            <a:r>
-              <a:rPr lang="es-MX" sz="1800" b="1" u="sng" dirty="0">
-                <a:solidFill>
-                  <a:schemeClr val="bg2">
-                    <a:lumMod val="25000"/>
-                  </a:schemeClr>
-                </a:solidFill>
-                <a:latin typeface="Arial" panose="020B0604020202020204" pitchFamily="34" charset="0"/>
-                <a:cs typeface="Arial" panose="020B0604020202020204" pitchFamily="34" charset="0"/>
-              </a:rPr>
-              <a:t>pool de direcciones globales (públicas) </a:t>
-            </a:r>
-            <a:r>
-              <a:rPr lang="es-MX" sz="1800" dirty="0">
-                <a:solidFill>
-                  <a:schemeClr val="bg2">
-                    <a:lumMod val="25000"/>
-                  </a:schemeClr>
-                </a:solidFill>
-                <a:latin typeface="Arial" panose="020B0604020202020204" pitchFamily="34" charset="0"/>
-                <a:cs typeface="Arial" panose="020B0604020202020204" pitchFamily="34" charset="0"/>
-              </a:rPr>
-              <a:t>que serán asignadas cuando sean necesarias.</a:t>
-            </a:r>
-          </a:p>
-          <a:p>
-            <a:pPr lvl="1">
-              <a:lnSpc>
-                <a:spcPct val="150000"/>
-              </a:lnSpc>
-            </a:pPr>
-            <a:r>
-              <a:rPr lang="es-MX" sz="1800" b="1" dirty="0" err="1">
-                <a:solidFill>
-                  <a:schemeClr val="accent5">
-                    <a:lumMod val="75000"/>
-                  </a:schemeClr>
-                </a:solidFill>
-                <a:latin typeface="Arial" panose="020B0604020202020204" pitchFamily="34" charset="0"/>
-                <a:cs typeface="Arial" panose="020B0604020202020204" pitchFamily="34" charset="0"/>
-              </a:rPr>
-              <a:t>ip</a:t>
-            </a:r>
-            <a:r>
-              <a:rPr lang="es-MX" sz="1800" b="1" dirty="0">
-                <a:solidFill>
-                  <a:schemeClr val="accent5">
-                    <a:lumMod val="75000"/>
-                  </a:schemeClr>
-                </a:solidFill>
-                <a:latin typeface="Arial" panose="020B0604020202020204" pitchFamily="34" charset="0"/>
-                <a:cs typeface="Arial" panose="020B0604020202020204" pitchFamily="34" charset="0"/>
-              </a:rPr>
-              <a:t> </a:t>
-            </a:r>
-            <a:r>
-              <a:rPr lang="es-MX" sz="1800" b="1" dirty="0" err="1">
-                <a:solidFill>
-                  <a:schemeClr val="accent5">
-                    <a:lumMod val="75000"/>
-                  </a:schemeClr>
-                </a:solidFill>
-                <a:latin typeface="Arial" panose="020B0604020202020204" pitchFamily="34" charset="0"/>
-                <a:cs typeface="Arial" panose="020B0604020202020204" pitchFamily="34" charset="0"/>
-              </a:rPr>
-              <a:t>nat</a:t>
-            </a:r>
-            <a:r>
-              <a:rPr lang="es-MX" sz="1800" b="1" dirty="0">
-                <a:solidFill>
-                  <a:schemeClr val="accent5">
-                    <a:lumMod val="75000"/>
-                  </a:schemeClr>
-                </a:solidFill>
-                <a:latin typeface="Arial" panose="020B0604020202020204" pitchFamily="34" charset="0"/>
-                <a:cs typeface="Arial" panose="020B0604020202020204" pitchFamily="34" charset="0"/>
-              </a:rPr>
-              <a:t> pool</a:t>
-            </a:r>
-            <a:r>
-              <a:rPr lang="es-MX" sz="1800" dirty="0">
-                <a:solidFill>
-                  <a:schemeClr val="accent5">
-                    <a:lumMod val="75000"/>
-                  </a:schemeClr>
-                </a:solidFill>
-                <a:latin typeface="Arial" panose="020B0604020202020204" pitchFamily="34" charset="0"/>
-                <a:cs typeface="Arial" panose="020B0604020202020204" pitchFamily="34" charset="0"/>
-              </a:rPr>
-              <a:t> </a:t>
-            </a:r>
-            <a:r>
-              <a:rPr lang="es-MX" sz="1800" b="1" dirty="0">
-                <a:solidFill>
-                  <a:schemeClr val="accent6">
-                    <a:lumMod val="75000"/>
-                  </a:schemeClr>
-                </a:solidFill>
-                <a:latin typeface="Arial" panose="020B0604020202020204" pitchFamily="34" charset="0"/>
-                <a:cs typeface="Arial" panose="020B0604020202020204" pitchFamily="34" charset="0"/>
-              </a:rPr>
-              <a:t>Nombre </a:t>
-            </a:r>
-            <a:r>
-              <a:rPr lang="es-MX" sz="1800" b="1" dirty="0" err="1">
-                <a:solidFill>
-                  <a:schemeClr val="accent6">
-                    <a:lumMod val="75000"/>
-                  </a:schemeClr>
-                </a:solidFill>
-                <a:latin typeface="Arial" panose="020B0604020202020204" pitchFamily="34" charset="0"/>
-                <a:cs typeface="Arial" panose="020B0604020202020204" pitchFamily="34" charset="0"/>
-              </a:rPr>
-              <a:t>dirIP</a:t>
-            </a:r>
-            <a:r>
-              <a:rPr lang="es-MX" sz="1800" b="1" dirty="0">
-                <a:solidFill>
-                  <a:schemeClr val="accent6">
-                    <a:lumMod val="75000"/>
-                  </a:schemeClr>
-                </a:solidFill>
-                <a:latin typeface="Arial" panose="020B0604020202020204" pitchFamily="34" charset="0"/>
-                <a:cs typeface="Arial" panose="020B0604020202020204" pitchFamily="34" charset="0"/>
-              </a:rPr>
-              <a:t>-inicial </a:t>
-            </a:r>
-            <a:r>
-              <a:rPr lang="es-MX" sz="1800" b="1" dirty="0" err="1">
-                <a:solidFill>
-                  <a:schemeClr val="accent6">
-                    <a:lumMod val="75000"/>
-                  </a:schemeClr>
-                </a:solidFill>
-                <a:latin typeface="Arial" panose="020B0604020202020204" pitchFamily="34" charset="0"/>
-                <a:cs typeface="Arial" panose="020B0604020202020204" pitchFamily="34" charset="0"/>
-              </a:rPr>
-              <a:t>dirIP</a:t>
-            </a:r>
-            <a:r>
-              <a:rPr lang="es-MX" sz="1800" b="1" dirty="0">
-                <a:solidFill>
-                  <a:schemeClr val="accent6">
-                    <a:lumMod val="75000"/>
-                  </a:schemeClr>
-                </a:solidFill>
-                <a:latin typeface="Arial" panose="020B0604020202020204" pitchFamily="34" charset="0"/>
-                <a:cs typeface="Arial" panose="020B0604020202020204" pitchFamily="34" charset="0"/>
-              </a:rPr>
-              <a:t>-final </a:t>
-            </a:r>
-            <a:r>
-              <a:rPr lang="es-MX" sz="1800" b="1" dirty="0" err="1">
-                <a:solidFill>
-                  <a:schemeClr val="accent5">
-                    <a:lumMod val="75000"/>
-                  </a:schemeClr>
-                </a:solidFill>
-                <a:latin typeface="Arial" panose="020B0604020202020204" pitchFamily="34" charset="0"/>
-                <a:cs typeface="Arial" panose="020B0604020202020204" pitchFamily="34" charset="0"/>
-              </a:rPr>
-              <a:t>netmask</a:t>
-            </a:r>
-            <a:r>
-              <a:rPr lang="es-MX" sz="1800" dirty="0">
-                <a:solidFill>
-                  <a:schemeClr val="bg2">
-                    <a:lumMod val="50000"/>
-                  </a:schemeClr>
-                </a:solidFill>
-                <a:latin typeface="Arial" panose="020B0604020202020204" pitchFamily="34" charset="0"/>
-                <a:cs typeface="Arial" panose="020B0604020202020204" pitchFamily="34" charset="0"/>
-              </a:rPr>
-              <a:t> </a:t>
-            </a:r>
-            <a:r>
-              <a:rPr lang="es-MX" sz="1800" b="1" dirty="0" err="1">
-                <a:solidFill>
-                  <a:schemeClr val="accent6">
-                    <a:lumMod val="75000"/>
-                  </a:schemeClr>
-                </a:solidFill>
-                <a:latin typeface="Arial" panose="020B0604020202020204" pitchFamily="34" charset="0"/>
-                <a:cs typeface="Arial" panose="020B0604020202020204" pitchFamily="34" charset="0"/>
-              </a:rPr>
-              <a:t>MáscaraSubneteo</a:t>
-            </a:r>
-            <a:endParaRPr lang="es-MX" sz="1800" b="1" dirty="0">
+              <a:rPr lang="es-MX" sz="1600" b="1" dirty="0">
+                <a:solidFill>
+                  <a:schemeClr val="tx1">
+                    <a:lumMod val="95000"/>
+                    <a:lumOff val="5000"/>
+                  </a:schemeClr>
+                </a:solidFill>
+                <a:latin typeface="Arial" panose="020B0604020202020204" pitchFamily="34" charset="0"/>
+                <a:cs typeface="Arial" panose="020B0604020202020204" pitchFamily="34" charset="0"/>
+              </a:rPr>
+              <a:t>Port </a:t>
+            </a:r>
+            <a:r>
+              <a:rPr lang="es-MX" sz="1600" b="1" dirty="0" err="1">
+                <a:solidFill>
+                  <a:schemeClr val="tx1">
+                    <a:lumMod val="95000"/>
+                    <a:lumOff val="5000"/>
+                  </a:schemeClr>
+                </a:solidFill>
+                <a:latin typeface="Arial" panose="020B0604020202020204" pitchFamily="34" charset="0"/>
+                <a:cs typeface="Arial" panose="020B0604020202020204" pitchFamily="34" charset="0"/>
+              </a:rPr>
+              <a:t>forwarding</a:t>
+            </a:r>
+            <a:r>
+              <a:rPr lang="es-MX" sz="1600" dirty="0">
+                <a:solidFill>
+                  <a:schemeClr val="tx1">
+                    <a:lumMod val="95000"/>
+                    <a:lumOff val="5000"/>
+                  </a:schemeClr>
+                </a:solidFill>
+                <a:latin typeface="Arial" panose="020B0604020202020204" pitchFamily="34" charset="0"/>
+                <a:cs typeface="Arial" panose="020B0604020202020204" pitchFamily="34" charset="0"/>
+              </a:rPr>
+              <a:t>, que es una </a:t>
+            </a:r>
+            <a:r>
+              <a:rPr lang="es-ES" sz="1600" dirty="0">
+                <a:solidFill>
+                  <a:schemeClr val="tx1">
+                    <a:lumMod val="95000"/>
+                    <a:lumOff val="5000"/>
+                  </a:schemeClr>
+                </a:solidFill>
+                <a:latin typeface="Arial" panose="020B0604020202020204" pitchFamily="34" charset="0"/>
+                <a:cs typeface="Arial" panose="020B0604020202020204" pitchFamily="34" charset="0"/>
+              </a:rPr>
+              <a:t>traducción NAT estática con un número de puerto TCP o UDP específico.</a:t>
+            </a:r>
+            <a:endParaRPr lang="es-MX" sz="1600" dirty="0">
               <a:solidFill>
-                <a:schemeClr val="accent6">
-                  <a:lumMod val="75000"/>
+                <a:schemeClr val="tx1">
+                  <a:lumMod val="95000"/>
+                  <a:lumOff val="5000"/>
                 </a:schemeClr>
               </a:solidFill>
               <a:latin typeface="Arial" panose="020B0604020202020204" pitchFamily="34" charset="0"/>
@@ -15778,1120 +14118,129 @@
             </a:endParaRPr>
           </a:p>
           <a:p>
-            <a:pPr marL="342900" indent="-342900">
+            <a:pPr algn="just">
               <a:lnSpc>
                 <a:spcPct val="150000"/>
               </a:lnSpc>
               <a:spcBef>
-                <a:spcPts val="1800"/>
+                <a:spcPts val="1200"/>
               </a:spcBef>
-              <a:buFont typeface="+mj-lt"/>
-              <a:buAutoNum type="arabicPeriod"/>
             </a:pPr>
             <a:r>
-              <a:rPr lang="es-MX" sz="1800" dirty="0">
-                <a:solidFill>
-                  <a:schemeClr val="bg2">
-                    <a:lumMod val="25000"/>
-                  </a:schemeClr>
-                </a:solidFill>
-                <a:latin typeface="Arial" panose="020B0604020202020204" pitchFamily="34" charset="0"/>
-                <a:cs typeface="Arial" panose="020B0604020202020204" pitchFamily="34" charset="0"/>
-              </a:rPr>
-              <a:t>Definir una </a:t>
-            </a:r>
-            <a:r>
-              <a:rPr lang="es-MX" sz="1800" b="1" u="sng" dirty="0">
-                <a:solidFill>
-                  <a:schemeClr val="bg2">
-                    <a:lumMod val="25000"/>
-                  </a:schemeClr>
-                </a:solidFill>
-                <a:latin typeface="Arial" panose="020B0604020202020204" pitchFamily="34" charset="0"/>
-                <a:cs typeface="Arial" panose="020B0604020202020204" pitchFamily="34" charset="0"/>
-              </a:rPr>
-              <a:t>ACL estándar</a:t>
-            </a:r>
-            <a:r>
-              <a:rPr lang="es-MX" sz="1800" dirty="0">
-                <a:solidFill>
-                  <a:schemeClr val="bg2">
-                    <a:lumMod val="25000"/>
-                  </a:schemeClr>
-                </a:solidFill>
-                <a:latin typeface="Arial" panose="020B0604020202020204" pitchFamily="34" charset="0"/>
-                <a:cs typeface="Arial" panose="020B0604020202020204" pitchFamily="34" charset="0"/>
-              </a:rPr>
-              <a:t>:</a:t>
+              <a:rPr lang="es-MX" sz="1600" dirty="0">
+                <a:latin typeface="Arial" panose="020B0604020202020204" pitchFamily="34" charset="0"/>
+                <a:cs typeface="Arial" panose="020B0604020202020204" pitchFamily="34" charset="0"/>
+              </a:rPr>
+              <a:t>Configurar </a:t>
+            </a:r>
+            <a:r>
+              <a:rPr lang="es-MX" sz="1600" b="1" dirty="0" err="1">
+                <a:latin typeface="Arial" panose="020B0604020202020204" pitchFamily="34" charset="0"/>
+                <a:cs typeface="Arial" panose="020B0604020202020204" pitchFamily="34" charset="0"/>
+              </a:rPr>
+              <a:t>port</a:t>
+            </a:r>
+            <a:r>
+              <a:rPr lang="es-MX" sz="1600" b="1" dirty="0">
+                <a:latin typeface="Arial" panose="020B0604020202020204" pitchFamily="34" charset="0"/>
+                <a:cs typeface="Arial" panose="020B0604020202020204" pitchFamily="34" charset="0"/>
+              </a:rPr>
+              <a:t> </a:t>
+            </a:r>
+            <a:r>
+              <a:rPr lang="es-MX" sz="1600" b="1" dirty="0" err="1">
+                <a:latin typeface="Arial" panose="020B0604020202020204" pitchFamily="34" charset="0"/>
+                <a:cs typeface="Arial" panose="020B0604020202020204" pitchFamily="34" charset="0"/>
+              </a:rPr>
+              <a:t>forwarding</a:t>
+            </a:r>
+            <a:r>
+              <a:rPr lang="es-MX" sz="1600" b="1" dirty="0">
+                <a:latin typeface="Arial" panose="020B0604020202020204" pitchFamily="34" charset="0"/>
+                <a:cs typeface="Arial" panose="020B0604020202020204" pitchFamily="34" charset="0"/>
+              </a:rPr>
+              <a:t> </a:t>
+            </a:r>
+            <a:r>
+              <a:rPr lang="es-MX" sz="1600" dirty="0">
+                <a:latin typeface="Arial" panose="020B0604020202020204" pitchFamily="34" charset="0"/>
+                <a:cs typeface="Arial" panose="020B0604020202020204" pitchFamily="34" charset="0"/>
+              </a:rPr>
+              <a:t>para que:</a:t>
             </a:r>
           </a:p>
           <a:p>
-            <a:pPr lvl="1">
-              <a:lnSpc>
-                <a:spcPct val="150000"/>
-              </a:lnSpc>
-            </a:pPr>
-            <a:r>
-              <a:rPr lang="es-MX" sz="1800" b="1" dirty="0" err="1">
-                <a:solidFill>
-                  <a:schemeClr val="accent5">
-                    <a:lumMod val="75000"/>
-                  </a:schemeClr>
-                </a:solidFill>
-                <a:latin typeface="Arial" panose="020B0604020202020204" pitchFamily="34" charset="0"/>
-                <a:cs typeface="Arial" panose="020B0604020202020204" pitchFamily="34" charset="0"/>
-              </a:rPr>
-              <a:t>access-list</a:t>
-            </a:r>
-            <a:r>
-              <a:rPr lang="es-MX" sz="1800" b="1" dirty="0">
-                <a:solidFill>
-                  <a:schemeClr val="accent5">
-                    <a:lumMod val="75000"/>
-                  </a:schemeClr>
-                </a:solidFill>
-                <a:latin typeface="Arial" panose="020B0604020202020204" pitchFamily="34" charset="0"/>
-                <a:cs typeface="Arial" panose="020B0604020202020204" pitchFamily="34" charset="0"/>
-              </a:rPr>
-              <a:t> </a:t>
-            </a:r>
-            <a:r>
-              <a:rPr lang="es-MX" sz="1800" b="1" dirty="0">
-                <a:solidFill>
-                  <a:schemeClr val="accent6">
-                    <a:lumMod val="75000"/>
-                  </a:schemeClr>
-                </a:solidFill>
-                <a:latin typeface="Arial" panose="020B0604020202020204" pitchFamily="34" charset="0"/>
-                <a:cs typeface="Arial" panose="020B0604020202020204" pitchFamily="34" charset="0"/>
-              </a:rPr>
-              <a:t>Número </a:t>
-            </a:r>
-            <a:r>
-              <a:rPr lang="es-MX" sz="1800" b="1" dirty="0" err="1">
-                <a:solidFill>
-                  <a:schemeClr val="accent5">
-                    <a:lumMod val="75000"/>
-                  </a:schemeClr>
-                </a:solidFill>
-                <a:latin typeface="Arial" panose="020B0604020202020204" pitchFamily="34" charset="0"/>
-                <a:cs typeface="Arial" panose="020B0604020202020204" pitchFamily="34" charset="0"/>
-              </a:rPr>
-              <a:t>permit</a:t>
-            </a:r>
-            <a:r>
-              <a:rPr lang="es-MX" sz="1800" b="1" dirty="0">
-                <a:solidFill>
-                  <a:schemeClr val="bg2">
-                    <a:lumMod val="50000"/>
-                  </a:schemeClr>
-                </a:solidFill>
-                <a:latin typeface="Arial" panose="020B0604020202020204" pitchFamily="34" charset="0"/>
-                <a:cs typeface="Arial" panose="020B0604020202020204" pitchFamily="34" charset="0"/>
-              </a:rPr>
-              <a:t> </a:t>
-            </a:r>
-            <a:r>
-              <a:rPr lang="es-MX" sz="1800" b="1" dirty="0" err="1">
-                <a:solidFill>
-                  <a:schemeClr val="accent6">
-                    <a:lumMod val="75000"/>
-                  </a:schemeClr>
-                </a:solidFill>
-                <a:latin typeface="Arial" panose="020B0604020202020204" pitchFamily="34" charset="0"/>
-                <a:cs typeface="Arial" panose="020B0604020202020204" pitchFamily="34" charset="0"/>
-              </a:rPr>
-              <a:t>dirIP</a:t>
-            </a:r>
-            <a:r>
-              <a:rPr lang="es-MX" sz="1800" b="1" dirty="0">
-                <a:solidFill>
-                  <a:schemeClr val="accent6">
-                    <a:lumMod val="75000"/>
-                  </a:schemeClr>
-                </a:solidFill>
-                <a:latin typeface="Arial" panose="020B0604020202020204" pitchFamily="34" charset="0"/>
-                <a:cs typeface="Arial" panose="020B0604020202020204" pitchFamily="34" charset="0"/>
-              </a:rPr>
-              <a:t>-inicial</a:t>
-            </a:r>
-            <a:r>
-              <a:rPr lang="es-MX" sz="1800" dirty="0">
-                <a:solidFill>
-                  <a:schemeClr val="accent6">
-                    <a:lumMod val="75000"/>
-                  </a:schemeClr>
-                </a:solidFill>
-                <a:latin typeface="Arial" panose="020B0604020202020204" pitchFamily="34" charset="0"/>
-                <a:cs typeface="Arial" panose="020B0604020202020204" pitchFamily="34" charset="0"/>
-              </a:rPr>
-              <a:t> </a:t>
-            </a:r>
-            <a:r>
-              <a:rPr lang="es-MX" sz="1800" b="1" dirty="0" err="1">
-                <a:solidFill>
-                  <a:schemeClr val="accent6">
-                    <a:lumMod val="75000"/>
-                  </a:schemeClr>
-                </a:solidFill>
-                <a:latin typeface="Arial" panose="020B0604020202020204" pitchFamily="34" charset="0"/>
-                <a:cs typeface="Arial" panose="020B0604020202020204" pitchFamily="34" charset="0"/>
-              </a:rPr>
-              <a:t>WildMask_ACL</a:t>
-            </a:r>
-            <a:endParaRPr lang="es-MX" sz="1800" b="1" dirty="0">
-              <a:solidFill>
-                <a:schemeClr val="accent6">
-                  <a:lumMod val="75000"/>
-                </a:schemeClr>
-              </a:solidFill>
-              <a:latin typeface="Arial" panose="020B0604020202020204" pitchFamily="34" charset="0"/>
-              <a:cs typeface="Arial" panose="020B0604020202020204" pitchFamily="34" charset="0"/>
-            </a:endParaRPr>
-          </a:p>
-          <a:p>
-            <a:pPr marL="342900" indent="-342900">
+            <a:pPr marL="285750" indent="-285750" algn="just">
               <a:lnSpc>
                 <a:spcPct val="150000"/>
               </a:lnSpc>
               <a:spcBef>
-                <a:spcPts val="1800"/>
+                <a:spcPts val="600"/>
               </a:spcBef>
-              <a:buFont typeface="+mj-lt"/>
-              <a:buAutoNum type="arabicPeriod"/>
+              <a:buFont typeface="Arial" panose="020B0604020202020204" pitchFamily="34" charset="0"/>
+              <a:buChar char="•"/>
             </a:pPr>
             <a:r>
-              <a:rPr lang="es-MX" sz="1800" dirty="0">
-                <a:solidFill>
-                  <a:schemeClr val="bg2">
-                    <a:lumMod val="25000"/>
-                  </a:schemeClr>
-                </a:solidFill>
-                <a:latin typeface="Arial" panose="020B0604020202020204" pitchFamily="34" charset="0"/>
-                <a:cs typeface="Arial" panose="020B0604020202020204" pitchFamily="34" charset="0"/>
-              </a:rPr>
-              <a:t>Establecer la </a:t>
-            </a:r>
-            <a:r>
-              <a:rPr lang="es-MX" sz="1800" b="1" u="sng" dirty="0">
-                <a:solidFill>
-                  <a:schemeClr val="bg2">
-                    <a:lumMod val="25000"/>
-                  </a:schemeClr>
-                </a:solidFill>
-                <a:latin typeface="Arial" panose="020B0604020202020204" pitchFamily="34" charset="0"/>
-                <a:cs typeface="Arial" panose="020B0604020202020204" pitchFamily="34" charset="0"/>
-              </a:rPr>
-              <a:t>traducción dinámica de direcciones </a:t>
-            </a:r>
-            <a:r>
-              <a:rPr lang="es-MX" sz="1800" dirty="0">
-                <a:solidFill>
-                  <a:schemeClr val="bg2">
-                    <a:lumMod val="25000"/>
-                  </a:schemeClr>
-                </a:solidFill>
-                <a:latin typeface="Arial" panose="020B0604020202020204" pitchFamily="34" charset="0"/>
-                <a:cs typeface="Arial" panose="020B0604020202020204" pitchFamily="34" charset="0"/>
-              </a:rPr>
-              <a:t>utilizando la ACL definida.</a:t>
+              <a:rPr lang="es-MX" sz="1600" dirty="0">
+                <a:latin typeface="Arial" panose="020B0604020202020204" pitchFamily="34" charset="0"/>
+                <a:cs typeface="Arial" panose="020B0604020202020204" pitchFamily="34" charset="0"/>
+              </a:rPr>
+              <a:t>El </a:t>
+            </a:r>
+            <a:r>
+              <a:rPr lang="es-MX" sz="1600" b="1" dirty="0">
+                <a:solidFill>
+                  <a:schemeClr val="accent6">
+                    <a:lumMod val="75000"/>
+                  </a:schemeClr>
+                </a:solidFill>
+                <a:latin typeface="Arial" panose="020B0604020202020204" pitchFamily="34" charset="0"/>
+                <a:cs typeface="Arial" panose="020B0604020202020204" pitchFamily="34" charset="0"/>
+              </a:rPr>
+              <a:t>servidor</a:t>
+            </a:r>
+            <a:r>
+              <a:rPr lang="es-MX" sz="1600" b="1" dirty="0">
+                <a:latin typeface="Arial" panose="020B0604020202020204" pitchFamily="34" charset="0"/>
+                <a:cs typeface="Arial" panose="020B0604020202020204" pitchFamily="34" charset="0"/>
+              </a:rPr>
+              <a:t> </a:t>
+            </a:r>
+            <a:r>
+              <a:rPr lang="es-MX" sz="1600" dirty="0">
+                <a:latin typeface="Arial" panose="020B0604020202020204" pitchFamily="34" charset="0"/>
+                <a:cs typeface="Arial" panose="020B0604020202020204" pitchFamily="34" charset="0"/>
+              </a:rPr>
+              <a:t>sea accedido vía</a:t>
+            </a:r>
+            <a:r>
+              <a:rPr lang="es-MX" sz="1600" b="1" dirty="0">
+                <a:latin typeface="Arial" panose="020B0604020202020204" pitchFamily="34" charset="0"/>
+                <a:cs typeface="Arial" panose="020B0604020202020204" pitchFamily="34" charset="0"/>
+              </a:rPr>
+              <a:t> web.</a:t>
             </a:r>
           </a:p>
           <a:p>
-            <a:pPr marL="444500" lvl="1" indent="12700">
-              <a:lnSpc>
-                <a:spcPct val="150000"/>
-              </a:lnSpc>
-            </a:pPr>
-            <a:r>
-              <a:rPr lang="es-MX" sz="1800" b="1" dirty="0" err="1">
-                <a:solidFill>
-                  <a:schemeClr val="accent5">
-                    <a:lumMod val="75000"/>
-                  </a:schemeClr>
-                </a:solidFill>
-                <a:latin typeface="Arial" panose="020B0604020202020204" pitchFamily="34" charset="0"/>
-                <a:cs typeface="Arial" panose="020B0604020202020204" pitchFamily="34" charset="0"/>
-              </a:rPr>
-              <a:t>ip</a:t>
-            </a:r>
-            <a:r>
-              <a:rPr lang="es-MX" sz="1800" b="1" dirty="0">
-                <a:solidFill>
-                  <a:schemeClr val="accent5">
-                    <a:lumMod val="75000"/>
-                  </a:schemeClr>
-                </a:solidFill>
-                <a:latin typeface="Arial" panose="020B0604020202020204" pitchFamily="34" charset="0"/>
-                <a:cs typeface="Arial" panose="020B0604020202020204" pitchFamily="34" charset="0"/>
-              </a:rPr>
-              <a:t> </a:t>
-            </a:r>
-            <a:r>
-              <a:rPr lang="es-MX" sz="1800" b="1" dirty="0" err="1">
-                <a:solidFill>
-                  <a:schemeClr val="accent5">
-                    <a:lumMod val="75000"/>
-                  </a:schemeClr>
-                </a:solidFill>
-                <a:latin typeface="Arial" panose="020B0604020202020204" pitchFamily="34" charset="0"/>
-                <a:cs typeface="Arial" panose="020B0604020202020204" pitchFamily="34" charset="0"/>
-              </a:rPr>
-              <a:t>nat</a:t>
-            </a:r>
-            <a:r>
-              <a:rPr lang="es-MX" sz="1800" b="1" dirty="0">
-                <a:solidFill>
-                  <a:schemeClr val="accent5">
-                    <a:lumMod val="75000"/>
-                  </a:schemeClr>
-                </a:solidFill>
-                <a:latin typeface="Arial" panose="020B0604020202020204" pitchFamily="34" charset="0"/>
-                <a:cs typeface="Arial" panose="020B0604020202020204" pitchFamily="34" charset="0"/>
-              </a:rPr>
-              <a:t> </a:t>
-            </a:r>
-            <a:r>
-              <a:rPr lang="es-MX" sz="1800" b="1" dirty="0" err="1">
-                <a:solidFill>
-                  <a:schemeClr val="accent5">
-                    <a:lumMod val="75000"/>
-                  </a:schemeClr>
-                </a:solidFill>
-                <a:latin typeface="Arial" panose="020B0604020202020204" pitchFamily="34" charset="0"/>
-                <a:cs typeface="Arial" panose="020B0604020202020204" pitchFamily="34" charset="0"/>
-              </a:rPr>
-              <a:t>inside</a:t>
-            </a:r>
-            <a:r>
-              <a:rPr lang="es-MX" sz="1800" b="1" dirty="0">
-                <a:solidFill>
-                  <a:schemeClr val="accent5">
-                    <a:lumMod val="75000"/>
-                  </a:schemeClr>
-                </a:solidFill>
-                <a:latin typeface="Arial" panose="020B0604020202020204" pitchFamily="34" charset="0"/>
-                <a:cs typeface="Arial" panose="020B0604020202020204" pitchFamily="34" charset="0"/>
-              </a:rPr>
-              <a:t> </a:t>
-            </a:r>
-            <a:r>
-              <a:rPr lang="es-MX" sz="1800" b="1" dirty="0" err="1">
-                <a:solidFill>
-                  <a:schemeClr val="accent5">
-                    <a:lumMod val="75000"/>
-                  </a:schemeClr>
-                </a:solidFill>
-                <a:latin typeface="Arial" panose="020B0604020202020204" pitchFamily="34" charset="0"/>
-                <a:cs typeface="Arial" panose="020B0604020202020204" pitchFamily="34" charset="0"/>
-              </a:rPr>
-              <a:t>source</a:t>
-            </a:r>
-            <a:r>
-              <a:rPr lang="es-MX" sz="1800" dirty="0">
-                <a:solidFill>
-                  <a:schemeClr val="accent5">
-                    <a:lumMod val="75000"/>
-                  </a:schemeClr>
-                </a:solidFill>
-                <a:latin typeface="Arial" panose="020B0604020202020204" pitchFamily="34" charset="0"/>
-                <a:cs typeface="Arial" panose="020B0604020202020204" pitchFamily="34" charset="0"/>
-              </a:rPr>
-              <a:t> </a:t>
-            </a:r>
-            <a:r>
-              <a:rPr lang="es-MX" sz="1800" b="1" dirty="0" err="1">
-                <a:solidFill>
-                  <a:schemeClr val="accent5">
-                    <a:lumMod val="75000"/>
-                  </a:schemeClr>
-                </a:solidFill>
-                <a:latin typeface="Arial" panose="020B0604020202020204" pitchFamily="34" charset="0"/>
-                <a:cs typeface="Arial" panose="020B0604020202020204" pitchFamily="34" charset="0"/>
-              </a:rPr>
-              <a:t>static</a:t>
-            </a:r>
-            <a:r>
-              <a:rPr lang="es-MX" sz="1800" b="1" dirty="0">
-                <a:solidFill>
-                  <a:schemeClr val="accent5">
-                    <a:lumMod val="75000"/>
-                  </a:schemeClr>
-                </a:solidFill>
-                <a:latin typeface="Arial" panose="020B0604020202020204" pitchFamily="34" charset="0"/>
-                <a:cs typeface="Arial" panose="020B0604020202020204" pitchFamily="34" charset="0"/>
-              </a:rPr>
-              <a:t> </a:t>
-            </a:r>
-            <a:r>
-              <a:rPr lang="es-MX" sz="1800" b="1" dirty="0">
-                <a:solidFill>
-                  <a:schemeClr val="accent6">
-                    <a:lumMod val="75000"/>
-                  </a:schemeClr>
-                </a:solidFill>
-                <a:latin typeface="Arial" panose="020B0604020202020204" pitchFamily="34" charset="0"/>
-                <a:cs typeface="Arial" panose="020B0604020202020204" pitchFamily="34" charset="0"/>
-              </a:rPr>
-              <a:t>IP-local IP-Global</a:t>
-            </a:r>
-            <a:endParaRPr lang="es-MX" sz="1800" dirty="0">
-              <a:solidFill>
-                <a:schemeClr val="bg2">
-                  <a:lumMod val="25000"/>
-                </a:schemeClr>
-              </a:solidFill>
-              <a:latin typeface="Arial" panose="020B0604020202020204" pitchFamily="34" charset="0"/>
-              <a:cs typeface="Arial" panose="020B0604020202020204" pitchFamily="34" charset="0"/>
-            </a:endParaRPr>
-          </a:p>
-          <a:p>
-            <a:pPr marL="444500" lvl="1" indent="12700">
-              <a:lnSpc>
-                <a:spcPct val="150000"/>
-              </a:lnSpc>
-            </a:pPr>
-            <a:r>
-              <a:rPr lang="es-MX" sz="1800" b="1" dirty="0" err="1">
-                <a:solidFill>
-                  <a:schemeClr val="accent5">
-                    <a:lumMod val="75000"/>
-                  </a:schemeClr>
-                </a:solidFill>
-                <a:latin typeface="Arial" panose="020B0604020202020204" pitchFamily="34" charset="0"/>
-                <a:cs typeface="Arial" panose="020B0604020202020204" pitchFamily="34" charset="0"/>
-              </a:rPr>
-              <a:t>ip</a:t>
-            </a:r>
-            <a:r>
-              <a:rPr lang="es-MX" sz="1800" b="1" dirty="0">
-                <a:solidFill>
-                  <a:schemeClr val="accent5">
-                    <a:lumMod val="75000"/>
-                  </a:schemeClr>
-                </a:solidFill>
-                <a:latin typeface="Arial" panose="020B0604020202020204" pitchFamily="34" charset="0"/>
-                <a:cs typeface="Arial" panose="020B0604020202020204" pitchFamily="34" charset="0"/>
-              </a:rPr>
-              <a:t> </a:t>
-            </a:r>
-            <a:r>
-              <a:rPr lang="es-MX" sz="1800" b="1" dirty="0" err="1">
-                <a:solidFill>
-                  <a:schemeClr val="accent5">
-                    <a:lumMod val="75000"/>
-                  </a:schemeClr>
-                </a:solidFill>
-                <a:latin typeface="Arial" panose="020B0604020202020204" pitchFamily="34" charset="0"/>
-                <a:cs typeface="Arial" panose="020B0604020202020204" pitchFamily="34" charset="0"/>
-              </a:rPr>
-              <a:t>nat</a:t>
-            </a:r>
-            <a:r>
-              <a:rPr lang="es-MX" sz="1800" b="1" dirty="0">
-                <a:solidFill>
-                  <a:schemeClr val="accent5">
-                    <a:lumMod val="75000"/>
-                  </a:schemeClr>
-                </a:solidFill>
-                <a:latin typeface="Arial" panose="020B0604020202020204" pitchFamily="34" charset="0"/>
-                <a:cs typeface="Arial" panose="020B0604020202020204" pitchFamily="34" charset="0"/>
-              </a:rPr>
-              <a:t> </a:t>
-            </a:r>
-            <a:r>
-              <a:rPr lang="es-MX" sz="1800" b="1" dirty="0" err="1">
-                <a:solidFill>
-                  <a:schemeClr val="accent5">
-                    <a:lumMod val="75000"/>
-                  </a:schemeClr>
-                </a:solidFill>
-                <a:latin typeface="Arial" panose="020B0604020202020204" pitchFamily="34" charset="0"/>
-                <a:cs typeface="Arial" panose="020B0604020202020204" pitchFamily="34" charset="0"/>
-              </a:rPr>
-              <a:t>inside</a:t>
-            </a:r>
-            <a:r>
-              <a:rPr lang="es-MX" sz="1800" b="1" dirty="0">
-                <a:solidFill>
-                  <a:schemeClr val="accent5">
-                    <a:lumMod val="75000"/>
-                  </a:schemeClr>
-                </a:solidFill>
-                <a:latin typeface="Arial" panose="020B0604020202020204" pitchFamily="34" charset="0"/>
-                <a:cs typeface="Arial" panose="020B0604020202020204" pitchFamily="34" charset="0"/>
-              </a:rPr>
-              <a:t> </a:t>
-            </a:r>
-            <a:r>
-              <a:rPr lang="es-MX" sz="1800" b="1" dirty="0" err="1">
-                <a:solidFill>
-                  <a:schemeClr val="accent5">
-                    <a:lumMod val="75000"/>
-                  </a:schemeClr>
-                </a:solidFill>
-                <a:latin typeface="Arial" panose="020B0604020202020204" pitchFamily="34" charset="0"/>
-                <a:cs typeface="Arial" panose="020B0604020202020204" pitchFamily="34" charset="0"/>
-              </a:rPr>
-              <a:t>source</a:t>
-            </a:r>
-            <a:r>
-              <a:rPr lang="es-MX" sz="1800" dirty="0">
-                <a:solidFill>
-                  <a:schemeClr val="accent5">
-                    <a:lumMod val="75000"/>
-                  </a:schemeClr>
-                </a:solidFill>
-                <a:latin typeface="Arial" panose="020B0604020202020204" pitchFamily="34" charset="0"/>
-                <a:cs typeface="Arial" panose="020B0604020202020204" pitchFamily="34" charset="0"/>
-              </a:rPr>
-              <a:t> </a:t>
-            </a:r>
-            <a:r>
-              <a:rPr lang="es-MX" sz="1800" b="1" dirty="0" err="1">
-                <a:solidFill>
-                  <a:schemeClr val="bg2">
-                    <a:lumMod val="25000"/>
-                  </a:schemeClr>
-                </a:solidFill>
-                <a:latin typeface="Arial" panose="020B0604020202020204" pitchFamily="34" charset="0"/>
-                <a:cs typeface="Arial" panose="020B0604020202020204" pitchFamily="34" charset="0"/>
-              </a:rPr>
-              <a:t>list</a:t>
-            </a:r>
-            <a:r>
-              <a:rPr lang="es-MX" sz="1800" b="1" dirty="0">
-                <a:solidFill>
-                  <a:schemeClr val="bg2">
-                    <a:lumMod val="25000"/>
-                  </a:schemeClr>
-                </a:solidFill>
-                <a:latin typeface="Arial" panose="020B0604020202020204" pitchFamily="34" charset="0"/>
-                <a:cs typeface="Arial" panose="020B0604020202020204" pitchFamily="34" charset="0"/>
-              </a:rPr>
-              <a:t> </a:t>
-            </a:r>
-            <a:r>
-              <a:rPr lang="es-MX" sz="1800" dirty="0">
-                <a:solidFill>
-                  <a:schemeClr val="bg2">
-                    <a:lumMod val="25000"/>
-                  </a:schemeClr>
-                </a:solidFill>
-                <a:latin typeface="Arial" panose="020B0604020202020204" pitchFamily="34" charset="0"/>
-                <a:cs typeface="Arial" panose="020B0604020202020204" pitchFamily="34" charset="0"/>
-              </a:rPr>
-              <a:t>{</a:t>
-            </a:r>
-            <a:r>
-              <a:rPr lang="es-MX" sz="1800" b="1" dirty="0">
-                <a:solidFill>
-                  <a:schemeClr val="accent6">
-                    <a:lumMod val="75000"/>
-                  </a:schemeClr>
-                </a:solidFill>
-                <a:latin typeface="Arial" panose="020B0604020202020204" pitchFamily="34" charset="0"/>
-                <a:cs typeface="Arial" panose="020B0604020202020204" pitchFamily="34" charset="0"/>
-              </a:rPr>
-              <a:t>Número | Nombre</a:t>
-            </a:r>
-            <a:r>
-              <a:rPr lang="es-MX" sz="1800" dirty="0">
-                <a:solidFill>
-                  <a:schemeClr val="bg2">
-                    <a:lumMod val="25000"/>
-                  </a:schemeClr>
-                </a:solidFill>
-                <a:latin typeface="Arial" panose="020B0604020202020204" pitchFamily="34" charset="0"/>
-                <a:cs typeface="Arial" panose="020B0604020202020204" pitchFamily="34" charset="0"/>
-              </a:rPr>
-              <a:t>} </a:t>
-            </a:r>
-            <a:r>
-              <a:rPr lang="es-MX" sz="1800" b="1" dirty="0">
-                <a:solidFill>
-                  <a:schemeClr val="bg2">
-                    <a:lumMod val="25000"/>
-                  </a:schemeClr>
-                </a:solidFill>
-                <a:latin typeface="Arial" panose="020B0604020202020204" pitchFamily="34" charset="0"/>
-                <a:cs typeface="Arial" panose="020B0604020202020204" pitchFamily="34" charset="0"/>
-              </a:rPr>
-              <a:t>pool</a:t>
-            </a:r>
-            <a:r>
-              <a:rPr lang="es-MX" sz="1800" dirty="0">
-                <a:solidFill>
-                  <a:schemeClr val="bg2">
-                    <a:lumMod val="25000"/>
-                  </a:schemeClr>
-                </a:solidFill>
-                <a:latin typeface="Arial" panose="020B0604020202020204" pitchFamily="34" charset="0"/>
-                <a:cs typeface="Arial" panose="020B0604020202020204" pitchFamily="34" charset="0"/>
-              </a:rPr>
-              <a:t> </a:t>
-            </a:r>
-            <a:r>
-              <a:rPr lang="es-MX" sz="1800" b="1" dirty="0">
-                <a:solidFill>
-                  <a:schemeClr val="accent6">
-                    <a:lumMod val="75000"/>
-                  </a:schemeClr>
-                </a:solidFill>
-                <a:latin typeface="Arial" panose="020B0604020202020204" pitchFamily="34" charset="0"/>
-                <a:cs typeface="Arial" panose="020B0604020202020204" pitchFamily="34" charset="0"/>
-              </a:rPr>
-              <a:t>NOMBRE </a:t>
-            </a:r>
-            <a:r>
-              <a:rPr lang="es-MX" sz="1800" b="1" dirty="0">
-                <a:solidFill>
-                  <a:schemeClr val="bg2">
-                    <a:lumMod val="25000"/>
-                  </a:schemeClr>
-                </a:solidFill>
-                <a:latin typeface="Arial" panose="020B0604020202020204" pitchFamily="34" charset="0"/>
-                <a:cs typeface="Arial" panose="020B0604020202020204" pitchFamily="34" charset="0"/>
-              </a:rPr>
-              <a:t>[</a:t>
-            </a:r>
-            <a:r>
-              <a:rPr lang="es-MX" sz="1800" b="1" dirty="0" err="1">
-                <a:solidFill>
-                  <a:schemeClr val="bg2">
-                    <a:lumMod val="25000"/>
-                  </a:schemeClr>
-                </a:solidFill>
-                <a:latin typeface="Arial" panose="020B0604020202020204" pitchFamily="34" charset="0"/>
-                <a:cs typeface="Arial" panose="020B0604020202020204" pitchFamily="34" charset="0"/>
-              </a:rPr>
-              <a:t>overload</a:t>
-            </a:r>
-            <a:r>
-              <a:rPr lang="es-MX" sz="1800" b="1" dirty="0">
-                <a:solidFill>
-                  <a:schemeClr val="bg2">
-                    <a:lumMod val="25000"/>
-                  </a:schemeClr>
-                </a:solidFill>
-                <a:latin typeface="Arial" panose="020B0604020202020204" pitchFamily="34" charset="0"/>
-                <a:cs typeface="Arial" panose="020B0604020202020204" pitchFamily="34" charset="0"/>
-              </a:rPr>
-              <a:t>] </a:t>
-            </a:r>
-            <a:endParaRPr lang="es-MX" sz="1800" dirty="0">
-              <a:solidFill>
-                <a:schemeClr val="bg2">
-                  <a:lumMod val="25000"/>
-                </a:schemeClr>
-              </a:solidFill>
-              <a:latin typeface="Arial" panose="020B0604020202020204" pitchFamily="34" charset="0"/>
-              <a:cs typeface="Arial" panose="020B0604020202020204" pitchFamily="34" charset="0"/>
-            </a:endParaRPr>
-          </a:p>
-          <a:p>
-            <a:pPr marL="444500" lvl="1" indent="12700">
-              <a:lnSpc>
-                <a:spcPct val="150000"/>
-              </a:lnSpc>
-            </a:pPr>
-            <a:r>
-              <a:rPr lang="es-MX" sz="1800" b="1" dirty="0" err="1">
-                <a:solidFill>
-                  <a:schemeClr val="accent5">
-                    <a:lumMod val="75000"/>
-                  </a:schemeClr>
-                </a:solidFill>
-                <a:latin typeface="Arial" panose="020B0604020202020204" pitchFamily="34" charset="0"/>
-                <a:cs typeface="Arial" panose="020B0604020202020204" pitchFamily="34" charset="0"/>
-              </a:rPr>
-              <a:t>ip</a:t>
-            </a:r>
-            <a:r>
-              <a:rPr lang="es-MX" sz="1800" b="1" dirty="0">
-                <a:solidFill>
-                  <a:schemeClr val="accent5">
-                    <a:lumMod val="75000"/>
-                  </a:schemeClr>
-                </a:solidFill>
-                <a:latin typeface="Arial" panose="020B0604020202020204" pitchFamily="34" charset="0"/>
-                <a:cs typeface="Arial" panose="020B0604020202020204" pitchFamily="34" charset="0"/>
-              </a:rPr>
-              <a:t> </a:t>
-            </a:r>
-            <a:r>
-              <a:rPr lang="es-MX" sz="1800" b="1" dirty="0" err="1">
-                <a:solidFill>
-                  <a:schemeClr val="accent5">
-                    <a:lumMod val="75000"/>
-                  </a:schemeClr>
-                </a:solidFill>
-                <a:latin typeface="Arial" panose="020B0604020202020204" pitchFamily="34" charset="0"/>
-                <a:cs typeface="Arial" panose="020B0604020202020204" pitchFamily="34" charset="0"/>
-              </a:rPr>
-              <a:t>nat</a:t>
-            </a:r>
-            <a:r>
-              <a:rPr lang="es-MX" sz="1800" b="1" dirty="0">
-                <a:solidFill>
-                  <a:schemeClr val="accent5">
-                    <a:lumMod val="75000"/>
-                  </a:schemeClr>
-                </a:solidFill>
-                <a:latin typeface="Arial" panose="020B0604020202020204" pitchFamily="34" charset="0"/>
-                <a:cs typeface="Arial" panose="020B0604020202020204" pitchFamily="34" charset="0"/>
-              </a:rPr>
-              <a:t> </a:t>
-            </a:r>
-            <a:r>
-              <a:rPr lang="es-MX" sz="1800" b="1" dirty="0" err="1">
-                <a:solidFill>
-                  <a:schemeClr val="accent5">
-                    <a:lumMod val="75000"/>
-                  </a:schemeClr>
-                </a:solidFill>
-                <a:latin typeface="Arial" panose="020B0604020202020204" pitchFamily="34" charset="0"/>
-                <a:cs typeface="Arial" panose="020B0604020202020204" pitchFamily="34" charset="0"/>
-              </a:rPr>
-              <a:t>inside</a:t>
-            </a:r>
-            <a:r>
-              <a:rPr lang="es-MX" sz="1800" b="1" dirty="0">
-                <a:solidFill>
-                  <a:schemeClr val="accent5">
-                    <a:lumMod val="75000"/>
-                  </a:schemeClr>
-                </a:solidFill>
-                <a:latin typeface="Arial" panose="020B0604020202020204" pitchFamily="34" charset="0"/>
-                <a:cs typeface="Arial" panose="020B0604020202020204" pitchFamily="34" charset="0"/>
-              </a:rPr>
-              <a:t> </a:t>
-            </a:r>
-            <a:r>
-              <a:rPr lang="es-MX" sz="1800" b="1" dirty="0" err="1">
-                <a:solidFill>
-                  <a:schemeClr val="accent5">
-                    <a:lumMod val="75000"/>
-                  </a:schemeClr>
-                </a:solidFill>
-                <a:latin typeface="Arial" panose="020B0604020202020204" pitchFamily="34" charset="0"/>
-                <a:cs typeface="Arial" panose="020B0604020202020204" pitchFamily="34" charset="0"/>
-              </a:rPr>
-              <a:t>source</a:t>
-            </a:r>
-            <a:r>
-              <a:rPr lang="es-MX" sz="1800" dirty="0">
-                <a:solidFill>
-                  <a:schemeClr val="accent5">
-                    <a:lumMod val="75000"/>
-                  </a:schemeClr>
-                </a:solidFill>
-                <a:latin typeface="Arial" panose="020B0604020202020204" pitchFamily="34" charset="0"/>
-                <a:cs typeface="Arial" panose="020B0604020202020204" pitchFamily="34" charset="0"/>
-              </a:rPr>
-              <a:t> </a:t>
-            </a:r>
-            <a:r>
-              <a:rPr lang="es-MX" sz="1800" b="1" dirty="0" err="1">
-                <a:solidFill>
-                  <a:schemeClr val="tx1">
-                    <a:lumMod val="95000"/>
-                    <a:lumOff val="5000"/>
-                  </a:schemeClr>
-                </a:solidFill>
-                <a:latin typeface="Arial" panose="020B0604020202020204" pitchFamily="34" charset="0"/>
-                <a:cs typeface="Arial" panose="020B0604020202020204" pitchFamily="34" charset="0"/>
-              </a:rPr>
-              <a:t>list</a:t>
-            </a:r>
-            <a:r>
-              <a:rPr lang="es-MX" sz="1800" b="1" dirty="0">
-                <a:solidFill>
-                  <a:schemeClr val="bg2">
-                    <a:lumMod val="50000"/>
-                  </a:schemeClr>
-                </a:solidFill>
-                <a:latin typeface="Arial" panose="020B0604020202020204" pitchFamily="34" charset="0"/>
-                <a:cs typeface="Arial" panose="020B0604020202020204" pitchFamily="34" charset="0"/>
-              </a:rPr>
-              <a:t> </a:t>
-            </a:r>
-            <a:r>
-              <a:rPr lang="es-MX" sz="1800" dirty="0">
-                <a:solidFill>
-                  <a:schemeClr val="bg2">
-                    <a:lumMod val="25000"/>
-                  </a:schemeClr>
-                </a:solidFill>
-                <a:latin typeface="Arial" panose="020B0604020202020204" pitchFamily="34" charset="0"/>
-                <a:cs typeface="Arial" panose="020B0604020202020204" pitchFamily="34" charset="0"/>
-              </a:rPr>
-              <a:t>{</a:t>
-            </a:r>
-            <a:r>
-              <a:rPr lang="es-MX" sz="1800" b="1" dirty="0">
-                <a:solidFill>
-                  <a:schemeClr val="accent6">
-                    <a:lumMod val="75000"/>
-                  </a:schemeClr>
-                </a:solidFill>
-                <a:latin typeface="Arial" panose="020B0604020202020204" pitchFamily="34" charset="0"/>
-                <a:cs typeface="Arial" panose="020B0604020202020204" pitchFamily="34" charset="0"/>
-              </a:rPr>
-              <a:t>Número | Nombre</a:t>
-            </a:r>
-            <a:r>
-              <a:rPr lang="es-MX" sz="1800" dirty="0">
-                <a:solidFill>
-                  <a:schemeClr val="bg2">
-                    <a:lumMod val="25000"/>
-                  </a:schemeClr>
-                </a:solidFill>
-                <a:latin typeface="Arial" panose="020B0604020202020204" pitchFamily="34" charset="0"/>
-                <a:cs typeface="Arial" panose="020B0604020202020204" pitchFamily="34" charset="0"/>
-              </a:rPr>
-              <a:t>} </a:t>
-            </a:r>
-            <a:r>
-              <a:rPr lang="es-MX" sz="1800" b="1" dirty="0">
-                <a:solidFill>
-                  <a:schemeClr val="tx1">
-                    <a:lumMod val="95000"/>
-                    <a:lumOff val="5000"/>
-                  </a:schemeClr>
-                </a:solidFill>
-                <a:latin typeface="Arial" panose="020B0604020202020204" pitchFamily="34" charset="0"/>
-                <a:cs typeface="Arial" panose="020B0604020202020204" pitchFamily="34" charset="0"/>
-              </a:rPr>
-              <a:t>interface</a:t>
-            </a:r>
-            <a:r>
-              <a:rPr lang="es-MX" sz="1800" dirty="0">
-                <a:solidFill>
-                  <a:schemeClr val="bg2">
-                    <a:lumMod val="50000"/>
-                  </a:schemeClr>
-                </a:solidFill>
-                <a:latin typeface="Arial" panose="020B0604020202020204" pitchFamily="34" charset="0"/>
-                <a:cs typeface="Arial" panose="020B0604020202020204" pitchFamily="34" charset="0"/>
-              </a:rPr>
-              <a:t> </a:t>
-            </a:r>
-            <a:r>
-              <a:rPr lang="es-MX" sz="1800" b="1" dirty="0">
-                <a:solidFill>
-                  <a:schemeClr val="accent6">
-                    <a:lumMod val="75000"/>
-                  </a:schemeClr>
-                </a:solidFill>
-                <a:latin typeface="Arial" panose="020B0604020202020204" pitchFamily="34" charset="0"/>
-                <a:cs typeface="Arial" panose="020B0604020202020204" pitchFamily="34" charset="0"/>
-              </a:rPr>
-              <a:t>Tipo-Número</a:t>
-            </a:r>
-            <a:r>
-              <a:rPr lang="es-MX" sz="1800" b="1" dirty="0">
-                <a:solidFill>
-                  <a:schemeClr val="tx1">
-                    <a:lumMod val="95000"/>
-                    <a:lumOff val="5000"/>
-                  </a:schemeClr>
-                </a:solidFill>
-                <a:latin typeface="Arial" panose="020B0604020202020204" pitchFamily="34" charset="0"/>
-                <a:cs typeface="Arial" panose="020B0604020202020204" pitchFamily="34" charset="0"/>
-              </a:rPr>
-              <a:t> [</a:t>
-            </a:r>
-            <a:r>
-              <a:rPr lang="es-MX" sz="1800" b="1" dirty="0" err="1">
-                <a:solidFill>
-                  <a:schemeClr val="tx1">
-                    <a:lumMod val="95000"/>
-                    <a:lumOff val="5000"/>
-                  </a:schemeClr>
-                </a:solidFill>
-                <a:latin typeface="Arial" panose="020B0604020202020204" pitchFamily="34" charset="0"/>
-                <a:cs typeface="Arial" panose="020B0604020202020204" pitchFamily="34" charset="0"/>
-              </a:rPr>
-              <a:t>overload</a:t>
-            </a:r>
-            <a:r>
-              <a:rPr lang="es-MX" sz="1800" b="1" dirty="0">
-                <a:solidFill>
-                  <a:schemeClr val="tx1">
-                    <a:lumMod val="95000"/>
-                    <a:lumOff val="5000"/>
-                  </a:schemeClr>
-                </a:solidFill>
-                <a:latin typeface="Arial" panose="020B0604020202020204" pitchFamily="34" charset="0"/>
-                <a:cs typeface="Arial" panose="020B0604020202020204" pitchFamily="34" charset="0"/>
-              </a:rPr>
-              <a:t>]</a:t>
-            </a:r>
-          </a:p>
-          <a:p>
-            <a:pPr marL="444500" lvl="1" indent="12700">
-              <a:lnSpc>
-                <a:spcPct val="150000"/>
-              </a:lnSpc>
-            </a:pPr>
-            <a:r>
-              <a:rPr lang="es-MX" sz="1800" b="1" dirty="0" err="1">
-                <a:solidFill>
-                  <a:schemeClr val="accent5">
-                    <a:lumMod val="75000"/>
-                  </a:schemeClr>
-                </a:solidFill>
-                <a:latin typeface="Arial" panose="020B0604020202020204" pitchFamily="34" charset="0"/>
-                <a:cs typeface="Arial" panose="020B0604020202020204" pitchFamily="34" charset="0"/>
-              </a:rPr>
-              <a:t>ip</a:t>
-            </a:r>
-            <a:r>
-              <a:rPr lang="es-MX" sz="1800" b="1" dirty="0">
-                <a:solidFill>
-                  <a:schemeClr val="accent5">
-                    <a:lumMod val="75000"/>
-                  </a:schemeClr>
-                </a:solidFill>
-                <a:latin typeface="Arial" panose="020B0604020202020204" pitchFamily="34" charset="0"/>
-                <a:cs typeface="Arial" panose="020B0604020202020204" pitchFamily="34" charset="0"/>
-              </a:rPr>
-              <a:t> </a:t>
-            </a:r>
-            <a:r>
-              <a:rPr lang="es-MX" sz="1800" b="1" dirty="0" err="1">
-                <a:solidFill>
-                  <a:schemeClr val="accent5">
-                    <a:lumMod val="75000"/>
-                  </a:schemeClr>
-                </a:solidFill>
-                <a:latin typeface="Arial" panose="020B0604020202020204" pitchFamily="34" charset="0"/>
-                <a:cs typeface="Arial" panose="020B0604020202020204" pitchFamily="34" charset="0"/>
-              </a:rPr>
-              <a:t>nat</a:t>
-            </a:r>
-            <a:r>
-              <a:rPr lang="es-MX" sz="1800" b="1" dirty="0">
-                <a:solidFill>
-                  <a:schemeClr val="accent5">
-                    <a:lumMod val="75000"/>
-                  </a:schemeClr>
-                </a:solidFill>
-                <a:latin typeface="Arial" panose="020B0604020202020204" pitchFamily="34" charset="0"/>
-                <a:cs typeface="Arial" panose="020B0604020202020204" pitchFamily="34" charset="0"/>
-              </a:rPr>
-              <a:t> </a:t>
-            </a:r>
-            <a:r>
-              <a:rPr lang="es-MX" sz="1800" b="1" dirty="0" err="1">
-                <a:solidFill>
-                  <a:schemeClr val="accent5">
-                    <a:lumMod val="75000"/>
-                  </a:schemeClr>
-                </a:solidFill>
-                <a:latin typeface="Arial" panose="020B0604020202020204" pitchFamily="34" charset="0"/>
-                <a:cs typeface="Arial" panose="020B0604020202020204" pitchFamily="34" charset="0"/>
-              </a:rPr>
-              <a:t>inside</a:t>
-            </a:r>
-            <a:r>
-              <a:rPr lang="es-MX" sz="1800" b="1" dirty="0">
-                <a:solidFill>
-                  <a:schemeClr val="accent5">
-                    <a:lumMod val="75000"/>
-                  </a:schemeClr>
-                </a:solidFill>
-                <a:latin typeface="Arial" panose="020B0604020202020204" pitchFamily="34" charset="0"/>
-                <a:cs typeface="Arial" panose="020B0604020202020204" pitchFamily="34" charset="0"/>
-              </a:rPr>
-              <a:t> </a:t>
-            </a:r>
-            <a:r>
-              <a:rPr lang="es-MX" sz="1800" b="1" dirty="0" err="1">
-                <a:solidFill>
-                  <a:schemeClr val="accent5">
-                    <a:lumMod val="75000"/>
-                  </a:schemeClr>
-                </a:solidFill>
-                <a:latin typeface="Arial" panose="020B0604020202020204" pitchFamily="34" charset="0"/>
-                <a:cs typeface="Arial" panose="020B0604020202020204" pitchFamily="34" charset="0"/>
-              </a:rPr>
-              <a:t>source</a:t>
-            </a:r>
-            <a:r>
-              <a:rPr lang="es-MX" sz="1800" dirty="0">
-                <a:solidFill>
-                  <a:schemeClr val="accent5">
-                    <a:lumMod val="75000"/>
-                  </a:schemeClr>
-                </a:solidFill>
-                <a:latin typeface="Arial" panose="020B0604020202020204" pitchFamily="34" charset="0"/>
-                <a:cs typeface="Arial" panose="020B0604020202020204" pitchFamily="34" charset="0"/>
-              </a:rPr>
-              <a:t> </a:t>
-            </a:r>
-            <a:r>
-              <a:rPr lang="es-MX" sz="1800" b="1" dirty="0" err="1">
-                <a:solidFill>
-                  <a:schemeClr val="tx1">
-                    <a:lumMod val="95000"/>
-                    <a:lumOff val="5000"/>
-                  </a:schemeClr>
-                </a:solidFill>
-                <a:latin typeface="Arial" panose="020B0604020202020204" pitchFamily="34" charset="0"/>
-                <a:cs typeface="Arial" panose="020B0604020202020204" pitchFamily="34" charset="0"/>
-              </a:rPr>
-              <a:t>static</a:t>
-            </a:r>
-            <a:r>
-              <a:rPr lang="es-MX" sz="1800" b="1" dirty="0">
-                <a:solidFill>
-                  <a:schemeClr val="bg2">
-                    <a:lumMod val="50000"/>
-                  </a:schemeClr>
-                </a:solidFill>
-                <a:latin typeface="Arial" panose="020B0604020202020204" pitchFamily="34" charset="0"/>
-                <a:cs typeface="Arial" panose="020B0604020202020204" pitchFamily="34" charset="0"/>
-              </a:rPr>
-              <a:t> </a:t>
-            </a:r>
-            <a:r>
-              <a:rPr lang="es-MX" sz="1800" b="1" dirty="0">
-                <a:solidFill>
-                  <a:schemeClr val="accent5">
-                    <a:lumMod val="75000"/>
-                  </a:schemeClr>
-                </a:solidFill>
-                <a:latin typeface="Arial" panose="020B0604020202020204" pitchFamily="34" charset="0"/>
-                <a:cs typeface="Arial" panose="020B0604020202020204" pitchFamily="34" charset="0"/>
-              </a:rPr>
-              <a:t>Protocolo</a:t>
-            </a:r>
-            <a:r>
-              <a:rPr lang="es-MX" sz="1800" dirty="0">
-                <a:solidFill>
-                  <a:schemeClr val="bg2">
-                    <a:lumMod val="25000"/>
-                  </a:schemeClr>
-                </a:solidFill>
-                <a:latin typeface="Arial" panose="020B0604020202020204" pitchFamily="34" charset="0"/>
-                <a:cs typeface="Arial" panose="020B0604020202020204" pitchFamily="34" charset="0"/>
-              </a:rPr>
-              <a:t> </a:t>
-            </a:r>
-            <a:r>
-              <a:rPr lang="es-MX" sz="1800" b="1" dirty="0">
-                <a:solidFill>
-                  <a:schemeClr val="accent6">
-                    <a:lumMod val="75000"/>
-                  </a:schemeClr>
-                </a:solidFill>
-                <a:latin typeface="Arial" panose="020B0604020202020204" pitchFamily="34" charset="0"/>
-                <a:cs typeface="Arial" panose="020B0604020202020204" pitchFamily="34" charset="0"/>
-              </a:rPr>
-              <a:t>IP-local(privada) </a:t>
-            </a:r>
-            <a:r>
-              <a:rPr lang="es-MX" sz="1800" b="1" dirty="0">
-                <a:solidFill>
-                  <a:schemeClr val="accent5">
-                    <a:lumMod val="75000"/>
-                  </a:schemeClr>
-                </a:solidFill>
-                <a:latin typeface="Arial" panose="020B0604020202020204" pitchFamily="34" charset="0"/>
-                <a:cs typeface="Arial" panose="020B0604020202020204" pitchFamily="34" charset="0"/>
-              </a:rPr>
-              <a:t>Puerto </a:t>
-            </a:r>
-            <a:r>
-              <a:rPr lang="es-MX" sz="1800" b="1" dirty="0">
-                <a:solidFill>
-                  <a:schemeClr val="accent6">
-                    <a:lumMod val="75000"/>
-                  </a:schemeClr>
-                </a:solidFill>
-                <a:latin typeface="Arial" panose="020B0604020202020204" pitchFamily="34" charset="0"/>
-                <a:cs typeface="Arial" panose="020B0604020202020204" pitchFamily="34" charset="0"/>
-              </a:rPr>
-              <a:t>IP-Global(publica) </a:t>
-            </a:r>
-            <a:r>
-              <a:rPr lang="es-MX" sz="1800" b="1" dirty="0">
-                <a:solidFill>
-                  <a:schemeClr val="accent5">
-                    <a:lumMod val="75000"/>
-                  </a:schemeClr>
-                </a:solidFill>
-                <a:latin typeface="Arial" panose="020B0604020202020204" pitchFamily="34" charset="0"/>
-                <a:cs typeface="Arial" panose="020B0604020202020204" pitchFamily="34" charset="0"/>
-              </a:rPr>
-              <a:t>Puerto</a:t>
-            </a:r>
-            <a:endParaRPr lang="es-MX" sz="1800" dirty="0">
-              <a:solidFill>
-                <a:schemeClr val="accent5">
-                  <a:lumMod val="75000"/>
-                </a:schemeClr>
-              </a:solidFill>
-              <a:latin typeface="Arial" panose="020B0604020202020204" pitchFamily="34" charset="0"/>
-              <a:cs typeface="Arial" panose="020B0604020202020204" pitchFamily="34" charset="0"/>
-            </a:endParaRPr>
-          </a:p>
-          <a:p>
-            <a:pPr>
+            <a:pPr marL="285750" indent="-285750" algn="just">
               <a:lnSpc>
                 <a:spcPct val="150000"/>
               </a:lnSpc>
               <a:spcBef>
-                <a:spcPts val="1800"/>
+                <a:spcPts val="600"/>
               </a:spcBef>
+              <a:buFont typeface="Arial" panose="020B0604020202020204" pitchFamily="34" charset="0"/>
+              <a:buChar char="•"/>
             </a:pPr>
             <a:r>
-              <a:rPr lang="es-MX" sz="1800" dirty="0">
-                <a:solidFill>
-                  <a:schemeClr val="bg2">
-                    <a:lumMod val="25000"/>
-                  </a:schemeClr>
-                </a:solidFill>
-                <a:latin typeface="Arial" panose="020B0604020202020204" pitchFamily="34" charset="0"/>
-                <a:cs typeface="Arial" panose="020B0604020202020204" pitchFamily="34" charset="0"/>
-              </a:rPr>
-              <a:t>Especificar las </a:t>
-            </a:r>
-            <a:r>
-              <a:rPr lang="es-MX" sz="1800" b="1" u="sng" dirty="0">
-                <a:solidFill>
-                  <a:schemeClr val="bg2">
-                    <a:lumMod val="25000"/>
-                  </a:schemeClr>
-                </a:solidFill>
-                <a:latin typeface="Arial" panose="020B0604020202020204" pitchFamily="34" charset="0"/>
-                <a:cs typeface="Arial" panose="020B0604020202020204" pitchFamily="34" charset="0"/>
-              </a:rPr>
-              <a:t>interfaces interiores y exteriores</a:t>
-            </a:r>
-          </a:p>
-          <a:p>
-            <a:pPr lvl="1">
-              <a:lnSpc>
-                <a:spcPct val="150000"/>
-              </a:lnSpc>
-            </a:pPr>
-            <a:r>
-              <a:rPr lang="es-MX" sz="1800" b="1" dirty="0">
-                <a:solidFill>
-                  <a:schemeClr val="accent5">
-                    <a:lumMod val="75000"/>
-                  </a:schemeClr>
-                </a:solidFill>
-                <a:latin typeface="Arial" panose="020B0604020202020204" pitchFamily="34" charset="0"/>
-                <a:cs typeface="Arial" panose="020B0604020202020204" pitchFamily="34" charset="0"/>
-              </a:rPr>
-              <a:t>interface </a:t>
-            </a:r>
-            <a:r>
-              <a:rPr lang="es-MX" sz="1800" b="1" dirty="0">
+              <a:rPr lang="es-MX" sz="1600" dirty="0">
+                <a:latin typeface="Arial" panose="020B0604020202020204" pitchFamily="34" charset="0"/>
+                <a:cs typeface="Arial" panose="020B0604020202020204" pitchFamily="34" charset="0"/>
+              </a:rPr>
+              <a:t>El </a:t>
+            </a:r>
+            <a:r>
+              <a:rPr lang="es-MX" sz="1600" b="1" dirty="0" err="1">
                 <a:solidFill>
                   <a:schemeClr val="accent6">
                     <a:lumMod val="75000"/>
@@ -16900,240 +14249,514 @@
                 <a:latin typeface="Arial" panose="020B0604020202020204" pitchFamily="34" charset="0"/>
                 <a:cs typeface="Arial" panose="020B0604020202020204" pitchFamily="34" charset="0"/>
               </a:rPr>
-              <a:t>Tipo-Número</a:t>
-            </a:r>
-          </a:p>
-          <a:p>
-            <a:pPr lvl="1">
-              <a:lnSpc>
-                <a:spcPct val="150000"/>
-              </a:lnSpc>
-              <a:spcAft>
-                <a:spcPts val="600"/>
-              </a:spcAft>
-            </a:pPr>
-            <a:r>
-              <a:rPr lang="es-MX" sz="1800" b="1" dirty="0" err="1">
-                <a:solidFill>
-                  <a:schemeClr val="accent6">
-                    <a:lumMod val="75000"/>
-                  </a:schemeClr>
-                </a:solidFill>
-                <a:latin typeface="Arial" panose="020B0604020202020204" pitchFamily="34" charset="0"/>
-                <a:cs typeface="Arial" panose="020B0604020202020204" pitchFamily="34" charset="0"/>
-              </a:rPr>
-              <a:t>ip</a:t>
-            </a:r>
-            <a:r>
-              <a:rPr lang="es-MX" sz="1800" b="1" dirty="0">
-                <a:solidFill>
-                  <a:schemeClr val="accent6">
-                    <a:lumMod val="75000"/>
-                  </a:schemeClr>
-                </a:solidFill>
+              <a:t>switch</a:t>
+            </a:r>
+            <a:r>
+              <a:rPr lang="es-MX" sz="1600" b="1" dirty="0">
                 <a:latin typeface="Arial" panose="020B0604020202020204" pitchFamily="34" charset="0"/>
                 <a:cs typeface="Arial" panose="020B0604020202020204" pitchFamily="34" charset="0"/>
               </a:rPr>
               <a:t> </a:t>
             </a:r>
             <a:r>
-              <a:rPr lang="es-MX" sz="1800" b="1" dirty="0" err="1">
-                <a:solidFill>
-                  <a:schemeClr val="accent6">
-                    <a:lumMod val="75000"/>
-                  </a:schemeClr>
-                </a:solidFill>
-                <a:latin typeface="Arial" panose="020B0604020202020204" pitchFamily="34" charset="0"/>
-                <a:cs typeface="Arial" panose="020B0604020202020204" pitchFamily="34" charset="0"/>
-              </a:rPr>
-              <a:t>nat</a:t>
-            </a:r>
-            <a:r>
-              <a:rPr lang="es-MX" sz="1800" b="1" dirty="0">
-                <a:solidFill>
-                  <a:schemeClr val="accent6">
-                    <a:lumMod val="75000"/>
-                  </a:schemeClr>
-                </a:solidFill>
-                <a:latin typeface="Arial" panose="020B0604020202020204" pitchFamily="34" charset="0"/>
-                <a:cs typeface="Arial" panose="020B0604020202020204" pitchFamily="34" charset="0"/>
-              </a:rPr>
-              <a:t> </a:t>
-            </a:r>
-            <a:r>
-              <a:rPr lang="es-MX" sz="1800" b="1" dirty="0" err="1">
-                <a:solidFill>
-                  <a:schemeClr val="accent6">
-                    <a:lumMod val="75000"/>
-                  </a:schemeClr>
-                </a:solidFill>
-                <a:latin typeface="Arial" panose="020B0604020202020204" pitchFamily="34" charset="0"/>
-                <a:cs typeface="Arial" panose="020B0604020202020204" pitchFamily="34" charset="0"/>
-              </a:rPr>
-              <a:t>inside</a:t>
-            </a:r>
-            <a:r>
-              <a:rPr lang="es-MX" sz="1800" b="1" dirty="0">
-                <a:solidFill>
-                  <a:schemeClr val="accent6">
-                    <a:lumMod val="75000"/>
-                  </a:schemeClr>
-                </a:solidFill>
-                <a:latin typeface="Arial" panose="020B0604020202020204" pitchFamily="34" charset="0"/>
-                <a:cs typeface="Arial" panose="020B0604020202020204" pitchFamily="34" charset="0"/>
-              </a:rPr>
-              <a:t> | </a:t>
-            </a:r>
-            <a:r>
-              <a:rPr lang="es-MX" sz="1800" b="1" dirty="0" err="1">
-                <a:solidFill>
-                  <a:schemeClr val="accent6">
-                    <a:lumMod val="75000"/>
-                  </a:schemeClr>
-                </a:solidFill>
-                <a:latin typeface="Arial" panose="020B0604020202020204" pitchFamily="34" charset="0"/>
-                <a:cs typeface="Arial" panose="020B0604020202020204" pitchFamily="34" charset="0"/>
-              </a:rPr>
-              <a:t>ip</a:t>
-            </a:r>
-            <a:r>
-              <a:rPr lang="es-MX" sz="1800" b="1" dirty="0">
-                <a:solidFill>
-                  <a:schemeClr val="accent6">
-                    <a:lumMod val="75000"/>
-                  </a:schemeClr>
-                </a:solidFill>
-                <a:latin typeface="Arial" panose="020B0604020202020204" pitchFamily="34" charset="0"/>
-                <a:cs typeface="Arial" panose="020B0604020202020204" pitchFamily="34" charset="0"/>
-              </a:rPr>
-              <a:t> </a:t>
-            </a:r>
-            <a:r>
-              <a:rPr lang="es-MX" sz="1800" b="1" dirty="0" err="1">
-                <a:solidFill>
-                  <a:schemeClr val="accent6">
-                    <a:lumMod val="75000"/>
-                  </a:schemeClr>
-                </a:solidFill>
-                <a:latin typeface="Arial" panose="020B0604020202020204" pitchFamily="34" charset="0"/>
-                <a:cs typeface="Arial" panose="020B0604020202020204" pitchFamily="34" charset="0"/>
-              </a:rPr>
-              <a:t>nat</a:t>
-            </a:r>
-            <a:r>
-              <a:rPr lang="es-MX" sz="1800" b="1" dirty="0">
-                <a:solidFill>
-                  <a:schemeClr val="accent6">
-                    <a:lumMod val="75000"/>
-                  </a:schemeClr>
-                </a:solidFill>
-                <a:latin typeface="Arial" panose="020B0604020202020204" pitchFamily="34" charset="0"/>
-                <a:cs typeface="Arial" panose="020B0604020202020204" pitchFamily="34" charset="0"/>
-              </a:rPr>
-              <a:t> </a:t>
-            </a:r>
-            <a:r>
-              <a:rPr lang="es-MX" sz="1800" b="1" dirty="0" err="1">
-                <a:solidFill>
-                  <a:schemeClr val="accent6">
-                    <a:lumMod val="75000"/>
-                  </a:schemeClr>
-                </a:solidFill>
-                <a:latin typeface="Arial" panose="020B0604020202020204" pitchFamily="34" charset="0"/>
-                <a:cs typeface="Arial" panose="020B0604020202020204" pitchFamily="34" charset="0"/>
-              </a:rPr>
-              <a:t>outside</a:t>
-            </a:r>
-            <a:endParaRPr lang="es-MX" sz="1800" dirty="0">
-              <a:solidFill>
-                <a:schemeClr val="accent6">
-                  <a:lumMod val="75000"/>
-                </a:schemeClr>
-              </a:solidFill>
+              <a:rPr lang="es-MX" sz="1600" dirty="0">
+                <a:latin typeface="Arial" panose="020B0604020202020204" pitchFamily="34" charset="0"/>
+                <a:cs typeface="Arial" panose="020B0604020202020204" pitchFamily="34" charset="0"/>
+              </a:rPr>
+              <a:t>sea accedido por</a:t>
+            </a:r>
+            <a:r>
+              <a:rPr lang="es-MX" sz="1600" b="1" dirty="0">
+                <a:latin typeface="Arial" panose="020B0604020202020204" pitchFamily="34" charset="0"/>
+                <a:cs typeface="Arial" panose="020B0604020202020204" pitchFamily="34" charset="0"/>
+              </a:rPr>
+              <a:t> telnet.</a:t>
+            </a:r>
+            <a:endParaRPr lang="es-ES" sz="1400" dirty="0">
               <a:latin typeface="Arial" panose="020B0604020202020204" pitchFamily="34" charset="0"/>
               <a:cs typeface="Arial" panose="020B0604020202020204" pitchFamily="34" charset="0"/>
             </a:endParaRPr>
           </a:p>
         </p:txBody>
       </p:sp>
+      <p:pic>
+        <p:nvPicPr>
+          <p:cNvPr id="8" name="Imagen 7">
+            <a:extLst>
+              <a:ext uri="{FF2B5EF4-FFF2-40B4-BE49-F238E27FC236}">
+                <a16:creationId xmlns:a16="http://schemas.microsoft.com/office/drawing/2014/main" id="{E24EA0FC-09EC-4FB5-AE66-3344B12DFED6}"/>
+              </a:ext>
+            </a:extLst>
+          </p:cNvPr>
+          <p:cNvPicPr>
+            <a:picLocks noChangeAspect="1"/>
+          </p:cNvPicPr>
+          <p:nvPr/>
+        </p:nvPicPr>
+        <p:blipFill>
+          <a:blip r:embed="rId3"/>
+          <a:stretch>
+            <a:fillRect/>
+          </a:stretch>
+        </p:blipFill>
+        <p:spPr>
+          <a:xfrm>
+            <a:off x="5867400" y="1828800"/>
+            <a:ext cx="5646412" cy="3923960"/>
+          </a:xfrm>
+          <a:prstGeom prst="rect">
+            <a:avLst/>
+          </a:prstGeom>
+        </p:spPr>
+      </p:pic>
       <p:sp>
         <p:nvSpPr>
-          <p:cNvPr id="8" name="Rectangle 2"/>
+          <p:cNvPr id="10" name="7 CuadroTexto">
+            <a:extLst>
+              <a:ext uri="{FF2B5EF4-FFF2-40B4-BE49-F238E27FC236}">
+                <a16:creationId xmlns:a16="http://schemas.microsoft.com/office/drawing/2014/main" id="{F3B38376-942D-49E2-95FA-5A5A2BE09272}"/>
+              </a:ext>
+            </a:extLst>
+          </p:cNvPr>
           <p:cNvSpPr txBox="1">
             <a:spLocks noChangeArrowheads="1"/>
           </p:cNvSpPr>
           <p:nvPr/>
         </p:nvSpPr>
-        <p:spPr>
+        <p:spPr bwMode="auto">
           <a:xfrm>
-            <a:off x="1524000" y="-17755"/>
-            <a:ext cx="8892480" cy="1143000"/>
+            <a:off x="578708" y="3048000"/>
+            <a:ext cx="4891216" cy="3237874"/>
           </a:xfrm>
           <a:prstGeom prst="rect">
             <a:avLst/>
           </a:prstGeom>
+          <a:noFill/>
+          <a:ln>
+            <a:noFill/>
+          </a:ln>
+          <a:extLst>
+            <a:ext uri="{909E8E84-426E-40DD-AFC4-6F175D3DCCD1}">
+              <a14:hiddenFill xmlns:a14="http://schemas.microsoft.com/office/drawing/2010/main">
+                <a:solidFill>
+                  <a:srgbClr val="FFFFFF"/>
+                </a:solidFill>
+              </a14:hiddenFill>
+            </a:ext>
+            <a:ext uri="{91240B29-F687-4F45-9708-019B960494DF}">
+              <a14:hiddenLine xmlns:a14="http://schemas.microsoft.com/office/drawing/2010/main" w="9525">
+                <a:solidFill>
+                  <a:srgbClr val="000000"/>
+                </a:solidFill>
+                <a:miter lim="800000"/>
+                <a:headEnd/>
+                <a:tailEnd/>
+              </a14:hiddenLine>
+            </a:ext>
+          </a:extLst>
         </p:spPr>
         <p:txBody>
-          <a:bodyPr vert="horz" lIns="92075" tIns="46038" rIns="92075" bIns="46038" rtlCol="0" anchor="ctr">
-            <a:noAutofit/>
+          <a:bodyPr wrap="square">
+            <a:spAutoFit/>
           </a:bodyPr>
           <a:lstStyle>
-            <a:lvl1pPr algn="ctr" defTabSz="914400" rtl="0" eaLnBrk="1" latinLnBrk="0" hangingPunct="1">
+            <a:lvl1pPr eaLnBrk="0" hangingPunct="0">
+              <a:defRPr sz="2400">
+                <a:solidFill>
+                  <a:schemeClr val="tx1"/>
+                </a:solidFill>
+                <a:latin typeface="Times New Roman" pitchFamily="18" charset="0"/>
+              </a:defRPr>
+            </a:lvl1pPr>
+            <a:lvl2pPr marL="742950" indent="-285750" eaLnBrk="0" hangingPunct="0">
+              <a:defRPr sz="2400">
+                <a:solidFill>
+                  <a:schemeClr val="tx1"/>
+                </a:solidFill>
+                <a:latin typeface="Times New Roman" pitchFamily="18" charset="0"/>
+              </a:defRPr>
+            </a:lvl2pPr>
+            <a:lvl3pPr marL="1143000" indent="-228600" eaLnBrk="0" hangingPunct="0">
+              <a:defRPr sz="2400">
+                <a:solidFill>
+                  <a:schemeClr val="tx1"/>
+                </a:solidFill>
+                <a:latin typeface="Times New Roman" pitchFamily="18" charset="0"/>
+              </a:defRPr>
+            </a:lvl3pPr>
+            <a:lvl4pPr marL="1600200" indent="-228600" eaLnBrk="0" hangingPunct="0">
+              <a:defRPr sz="2400">
+                <a:solidFill>
+                  <a:schemeClr val="tx1"/>
+                </a:solidFill>
+                <a:latin typeface="Times New Roman" pitchFamily="18" charset="0"/>
+              </a:defRPr>
+            </a:lvl4pPr>
+            <a:lvl5pPr marL="2057400" indent="-228600" eaLnBrk="0" hangingPunct="0">
+              <a:defRPr sz="2400">
+                <a:solidFill>
+                  <a:schemeClr val="tx1"/>
+                </a:solidFill>
+                <a:latin typeface="Times New Roman" pitchFamily="18" charset="0"/>
+              </a:defRPr>
+            </a:lvl5pPr>
+            <a:lvl6pPr marL="2514600" indent="-228600" eaLnBrk="0" fontAlgn="base" hangingPunct="0">
               <a:spcBef>
                 <a:spcPct val="0"/>
               </a:spcBef>
-              <a:buNone/>
-              <a:defRPr sz="4400" kern="1200">
-                <a:solidFill>
-                  <a:schemeClr val="tx1"/>
-                </a:solidFill>
-                <a:latin typeface="+mj-lt"/>
-                <a:ea typeface="+mj-ea"/>
-                <a:cs typeface="+mj-cs"/>
-              </a:defRPr>
-            </a:lvl1pPr>
+              <a:spcAft>
+                <a:spcPct val="0"/>
+              </a:spcAft>
+              <a:defRPr sz="2400">
+                <a:solidFill>
+                  <a:schemeClr val="tx1"/>
+                </a:solidFill>
+                <a:latin typeface="Times New Roman" pitchFamily="18" charset="0"/>
+              </a:defRPr>
+            </a:lvl6pPr>
+            <a:lvl7pPr marL="2971800" indent="-228600" eaLnBrk="0" fontAlgn="base" hangingPunct="0">
+              <a:spcBef>
+                <a:spcPct val="0"/>
+              </a:spcBef>
+              <a:spcAft>
+                <a:spcPct val="0"/>
+              </a:spcAft>
+              <a:defRPr sz="2400">
+                <a:solidFill>
+                  <a:schemeClr val="tx1"/>
+                </a:solidFill>
+                <a:latin typeface="Times New Roman" pitchFamily="18" charset="0"/>
+              </a:defRPr>
+            </a:lvl7pPr>
+            <a:lvl8pPr marL="3429000" indent="-228600" eaLnBrk="0" fontAlgn="base" hangingPunct="0">
+              <a:spcBef>
+                <a:spcPct val="0"/>
+              </a:spcBef>
+              <a:spcAft>
+                <a:spcPct val="0"/>
+              </a:spcAft>
+              <a:defRPr sz="2400">
+                <a:solidFill>
+                  <a:schemeClr val="tx1"/>
+                </a:solidFill>
+                <a:latin typeface="Times New Roman" pitchFamily="18" charset="0"/>
+              </a:defRPr>
+            </a:lvl8pPr>
+            <a:lvl9pPr marL="3886200" indent="-228600" eaLnBrk="0" fontAlgn="base" hangingPunct="0">
+              <a:spcBef>
+                <a:spcPct val="0"/>
+              </a:spcBef>
+              <a:spcAft>
+                <a:spcPct val="0"/>
+              </a:spcAft>
+              <a:defRPr sz="2400">
+                <a:solidFill>
+                  <a:schemeClr val="tx1"/>
+                </a:solidFill>
+                <a:latin typeface="Times New Roman" pitchFamily="18" charset="0"/>
+              </a:defRPr>
+            </a:lvl9pPr>
           </a:lstStyle>
           <a:p>
-            <a:pPr>
-              <a:defRPr/>
+            <a:pPr algn="just">
+              <a:lnSpc>
+                <a:spcPct val="150000"/>
+              </a:lnSpc>
+              <a:spcBef>
+                <a:spcPts val="1200"/>
+              </a:spcBef>
             </a:pPr>
             <a:r>
-              <a:rPr lang="es-ES_tradnl" sz="3200" dirty="0">
-                <a:solidFill>
-                  <a:srgbClr val="3333CC"/>
-                </a:solidFill>
-                <a:effectLst>
-                  <a:outerShdw blurRad="38100" dist="38100" dir="2700000" algn="tl">
-                    <a:srgbClr val="C0C0C0"/>
-                  </a:outerShdw>
-                </a:effectLst>
-                <a:latin typeface="Dom Casual" charset="0"/>
+              <a:rPr lang="es-MX" sz="1600" dirty="0">
+                <a:latin typeface="Arial" panose="020B0604020202020204" pitchFamily="34" charset="0"/>
+                <a:cs typeface="Arial" panose="020B0604020202020204" pitchFamily="34" charset="0"/>
+              </a:rPr>
+              <a:t>Para poder instalar </a:t>
+            </a:r>
+            <a:r>
+              <a:rPr lang="es-MX" sz="1600" b="1" dirty="0" err="1">
+                <a:solidFill>
+                  <a:schemeClr val="tx1">
+                    <a:lumMod val="95000"/>
+                    <a:lumOff val="5000"/>
+                  </a:schemeClr>
+                </a:solidFill>
+                <a:latin typeface="Arial" panose="020B0604020202020204" pitchFamily="34" charset="0"/>
+                <a:cs typeface="Arial" panose="020B0604020202020204" pitchFamily="34" charset="0"/>
+              </a:rPr>
+              <a:t>port</a:t>
+            </a:r>
+            <a:r>
+              <a:rPr lang="es-MX" sz="1600" b="1" dirty="0">
+                <a:solidFill>
+                  <a:schemeClr val="tx1">
+                    <a:lumMod val="95000"/>
+                    <a:lumOff val="5000"/>
+                  </a:schemeClr>
+                </a:solidFill>
+                <a:latin typeface="Arial" panose="020B0604020202020204" pitchFamily="34" charset="0"/>
+                <a:cs typeface="Arial" panose="020B0604020202020204" pitchFamily="34" charset="0"/>
               </a:rPr>
               <a:t> </a:t>
             </a:r>
             <a:r>
-              <a:rPr lang="es-ES_tradnl" sz="3200" b="1" dirty="0">
-                <a:solidFill>
-                  <a:schemeClr val="accent4">
-                    <a:lumMod val="50000"/>
-                  </a:schemeClr>
-                </a:solidFill>
-                <a:effectLst>
-                  <a:outerShdw blurRad="38100" dist="38100" dir="2700000" algn="tl">
-                    <a:srgbClr val="C0C0C0"/>
-                  </a:outerShdw>
-                </a:effectLst>
-                <a:latin typeface="Dom Casual" charset="0"/>
-              </a:rPr>
-              <a:t>Configuración de NAT</a:t>
-            </a:r>
+              <a:rPr lang="es-MX" sz="1600" b="1" dirty="0" err="1">
+                <a:solidFill>
+                  <a:schemeClr val="tx1">
+                    <a:lumMod val="95000"/>
+                    <a:lumOff val="5000"/>
+                  </a:schemeClr>
+                </a:solidFill>
+                <a:latin typeface="Arial" panose="020B0604020202020204" pitchFamily="34" charset="0"/>
+                <a:cs typeface="Arial" panose="020B0604020202020204" pitchFamily="34" charset="0"/>
+              </a:rPr>
+              <a:t>forwarding</a:t>
+            </a:r>
+            <a:r>
+              <a:rPr lang="es-MX" sz="1600" dirty="0">
+                <a:solidFill>
+                  <a:schemeClr val="tx1">
+                    <a:lumMod val="95000"/>
+                    <a:lumOff val="5000"/>
+                  </a:schemeClr>
+                </a:solidFill>
+                <a:latin typeface="Arial" panose="020B0604020202020204" pitchFamily="34" charset="0"/>
+                <a:cs typeface="Arial" panose="020B0604020202020204" pitchFamily="34" charset="0"/>
+              </a:rPr>
+              <a:t> </a:t>
+            </a:r>
+            <a:r>
+              <a:rPr lang="es-MX" sz="1600" dirty="0">
+                <a:latin typeface="Arial" panose="020B0604020202020204" pitchFamily="34" charset="0"/>
+                <a:cs typeface="Arial" panose="020B0604020202020204" pitchFamily="34" charset="0"/>
+              </a:rPr>
+              <a:t>necesito realizar una </a:t>
+            </a:r>
+            <a:r>
+              <a:rPr lang="es-MX" sz="1600" b="1" dirty="0">
+                <a:latin typeface="Arial" panose="020B0604020202020204" pitchFamily="34" charset="0"/>
+                <a:cs typeface="Arial" panose="020B0604020202020204" pitchFamily="34" charset="0"/>
+              </a:rPr>
+              <a:t>traducción estática</a:t>
+            </a:r>
+            <a:r>
+              <a:rPr lang="es-MX" sz="1600" dirty="0">
+                <a:latin typeface="Arial" panose="020B0604020202020204" pitchFamily="34" charset="0"/>
+                <a:cs typeface="Arial" panose="020B0604020202020204" pitchFamily="34" charset="0"/>
+              </a:rPr>
+              <a:t>:</a:t>
+            </a:r>
+          </a:p>
+          <a:p>
+            <a:pPr marL="285750" indent="-285750" algn="just">
+              <a:lnSpc>
+                <a:spcPct val="150000"/>
+              </a:lnSpc>
+              <a:spcBef>
+                <a:spcPts val="1200"/>
+              </a:spcBef>
+              <a:buFont typeface="Arial" panose="020B0604020202020204" pitchFamily="34" charset="0"/>
+              <a:buChar char="•"/>
+            </a:pPr>
+            <a:r>
+              <a:rPr lang="es-MX" sz="1400" dirty="0">
+                <a:latin typeface="Arial" panose="020B0604020202020204" pitchFamily="34" charset="0"/>
+                <a:cs typeface="Arial" panose="020B0604020202020204" pitchFamily="34" charset="0"/>
+              </a:rPr>
+              <a:t>Una </a:t>
+            </a:r>
+            <a:r>
+              <a:rPr lang="es-MX" sz="1400" b="1" dirty="0">
+                <a:latin typeface="Arial" panose="020B0604020202020204" pitchFamily="34" charset="0"/>
+                <a:cs typeface="Arial" panose="020B0604020202020204" pitchFamily="34" charset="0"/>
+              </a:rPr>
+              <a:t>dirección IP privada.</a:t>
+            </a:r>
+          </a:p>
+          <a:p>
+            <a:pPr marL="285750" indent="-285750" algn="just">
+              <a:lnSpc>
+                <a:spcPct val="150000"/>
+              </a:lnSpc>
+              <a:spcBef>
+                <a:spcPts val="600"/>
+              </a:spcBef>
+              <a:buFont typeface="Arial" panose="020B0604020202020204" pitchFamily="34" charset="0"/>
+              <a:buChar char="•"/>
+            </a:pPr>
+            <a:r>
+              <a:rPr lang="es-MX" sz="1400" dirty="0">
+                <a:latin typeface="Arial" panose="020B0604020202020204" pitchFamily="34" charset="0"/>
+                <a:cs typeface="Arial" panose="020B0604020202020204" pitchFamily="34" charset="0"/>
+              </a:rPr>
+              <a:t>Una </a:t>
+            </a:r>
+            <a:r>
+              <a:rPr lang="es-MX" sz="1400" b="1" dirty="0">
+                <a:latin typeface="Arial" panose="020B0604020202020204" pitchFamily="34" charset="0"/>
+                <a:cs typeface="Arial" panose="020B0604020202020204" pitchFamily="34" charset="0"/>
+              </a:rPr>
+              <a:t>dirección IP pública</a:t>
+            </a:r>
+            <a:r>
+              <a:rPr lang="es-MX" sz="1400" dirty="0">
+                <a:latin typeface="Arial" panose="020B0604020202020204" pitchFamily="34" charset="0"/>
+                <a:cs typeface="Arial" panose="020B0604020202020204" pitchFamily="34" charset="0"/>
+              </a:rPr>
+              <a:t>.</a:t>
+            </a:r>
+          </a:p>
+          <a:p>
+            <a:pPr marL="285750" indent="-285750" algn="just">
+              <a:lnSpc>
+                <a:spcPct val="150000"/>
+              </a:lnSpc>
+              <a:spcBef>
+                <a:spcPts val="600"/>
+              </a:spcBef>
+              <a:buFont typeface="Arial" panose="020B0604020202020204" pitchFamily="34" charset="0"/>
+              <a:buChar char="•"/>
+            </a:pPr>
+            <a:r>
+              <a:rPr lang="es-MX" sz="1400" dirty="0">
+                <a:latin typeface="Arial" panose="020B0604020202020204" pitchFamily="34" charset="0"/>
+                <a:cs typeface="Arial" panose="020B0604020202020204" pitchFamily="34" charset="0"/>
+              </a:rPr>
+              <a:t>Tipo de </a:t>
+            </a:r>
+            <a:r>
+              <a:rPr lang="es-MX" sz="1400" b="1" dirty="0">
+                <a:latin typeface="Arial" panose="020B0604020202020204" pitchFamily="34" charset="0"/>
+                <a:cs typeface="Arial" panose="020B0604020202020204" pitchFamily="34" charset="0"/>
+              </a:rPr>
+              <a:t>protocolo</a:t>
+            </a:r>
+            <a:r>
+              <a:rPr lang="es-MX" sz="1400" dirty="0">
+                <a:latin typeface="Arial" panose="020B0604020202020204" pitchFamily="34" charset="0"/>
+                <a:cs typeface="Arial" panose="020B0604020202020204" pitchFamily="34" charset="0"/>
+              </a:rPr>
+              <a:t> (</a:t>
+            </a:r>
+            <a:r>
+              <a:rPr lang="es-MX" sz="1400" dirty="0" err="1">
+                <a:latin typeface="Arial" panose="020B0604020202020204" pitchFamily="34" charset="0"/>
+                <a:cs typeface="Arial" panose="020B0604020202020204" pitchFamily="34" charset="0"/>
+              </a:rPr>
+              <a:t>tcp</a:t>
+            </a:r>
+            <a:r>
+              <a:rPr lang="es-MX" sz="1400" dirty="0">
+                <a:latin typeface="Arial" panose="020B0604020202020204" pitchFamily="34" charset="0"/>
+                <a:cs typeface="Arial" panose="020B0604020202020204" pitchFamily="34" charset="0"/>
+              </a:rPr>
+              <a:t> o </a:t>
+            </a:r>
+            <a:r>
+              <a:rPr lang="es-MX" sz="1400" dirty="0" err="1">
+                <a:latin typeface="Arial" panose="020B0604020202020204" pitchFamily="34" charset="0"/>
+                <a:cs typeface="Arial" panose="020B0604020202020204" pitchFamily="34" charset="0"/>
+              </a:rPr>
+              <a:t>udp</a:t>
+            </a:r>
+            <a:r>
+              <a:rPr lang="es-MX" sz="1400" dirty="0">
+                <a:latin typeface="Arial" panose="020B0604020202020204" pitchFamily="34" charset="0"/>
+                <a:cs typeface="Arial" panose="020B0604020202020204" pitchFamily="34" charset="0"/>
+              </a:rPr>
+              <a:t>) que se va a traducir.</a:t>
+            </a:r>
+          </a:p>
+          <a:p>
+            <a:pPr marL="285750" indent="-285750" algn="just">
+              <a:lnSpc>
+                <a:spcPct val="150000"/>
+              </a:lnSpc>
+              <a:spcBef>
+                <a:spcPts val="600"/>
+              </a:spcBef>
+              <a:buFont typeface="Arial" panose="020B0604020202020204" pitchFamily="34" charset="0"/>
+              <a:buChar char="•"/>
+            </a:pPr>
+            <a:r>
+              <a:rPr lang="es-MX" sz="1400" dirty="0">
+                <a:latin typeface="Arial" panose="020B0604020202020204" pitchFamily="34" charset="0"/>
+                <a:cs typeface="Arial" panose="020B0604020202020204" pitchFamily="34" charset="0"/>
+              </a:rPr>
+              <a:t>El</a:t>
+            </a:r>
+            <a:r>
+              <a:rPr lang="es-MX" sz="1400" b="1" dirty="0">
+                <a:latin typeface="Arial" panose="020B0604020202020204" pitchFamily="34" charset="0"/>
+                <a:cs typeface="Arial" panose="020B0604020202020204" pitchFamily="34" charset="0"/>
+              </a:rPr>
+              <a:t> puerto </a:t>
+            </a:r>
+            <a:r>
+              <a:rPr lang="es-MX" sz="1400" dirty="0">
+                <a:latin typeface="Arial" panose="020B0604020202020204" pitchFamily="34" charset="0"/>
+                <a:cs typeface="Arial" panose="020B0604020202020204" pitchFamily="34" charset="0"/>
+              </a:rPr>
+              <a:t>por el que vamos a </a:t>
+            </a:r>
+            <a:r>
+              <a:rPr lang="es-MX" sz="1400" b="1" dirty="0">
+                <a:latin typeface="Arial" panose="020B0604020202020204" pitchFamily="34" charset="0"/>
+                <a:cs typeface="Arial" panose="020B0604020202020204" pitchFamily="34" charset="0"/>
+              </a:rPr>
+              <a:t>escuchar. </a:t>
+            </a:r>
+          </a:p>
+          <a:p>
+            <a:pPr marL="285750" indent="-285750" algn="just">
+              <a:lnSpc>
+                <a:spcPct val="150000"/>
+              </a:lnSpc>
+              <a:spcBef>
+                <a:spcPts val="600"/>
+              </a:spcBef>
+              <a:buFont typeface="Arial" panose="020B0604020202020204" pitchFamily="34" charset="0"/>
+              <a:buChar char="•"/>
+            </a:pPr>
+            <a:r>
+              <a:rPr lang="es-MX" sz="1400" dirty="0">
+                <a:latin typeface="Arial" panose="020B0604020202020204" pitchFamily="34" charset="0"/>
+                <a:cs typeface="Arial" panose="020B0604020202020204" pitchFamily="34" charset="0"/>
+              </a:rPr>
+              <a:t>El </a:t>
+            </a:r>
+            <a:r>
+              <a:rPr lang="es-MX" sz="1400" b="1" dirty="0">
+                <a:latin typeface="Arial" panose="020B0604020202020204" pitchFamily="34" charset="0"/>
+                <a:cs typeface="Arial" panose="020B0604020202020204" pitchFamily="34" charset="0"/>
+              </a:rPr>
+              <a:t>puerto </a:t>
+            </a:r>
+            <a:r>
+              <a:rPr lang="es-MX" sz="1400" dirty="0">
+                <a:latin typeface="Arial" panose="020B0604020202020204" pitchFamily="34" charset="0"/>
+                <a:cs typeface="Arial" panose="020B0604020202020204" pitchFamily="34" charset="0"/>
+              </a:rPr>
+              <a:t>por el que me van a </a:t>
+            </a:r>
+            <a:r>
+              <a:rPr lang="es-MX" sz="1400" b="1" dirty="0">
+                <a:latin typeface="Arial" panose="020B0604020202020204" pitchFamily="34" charset="0"/>
+                <a:cs typeface="Arial" panose="020B0604020202020204" pitchFamily="34" charset="0"/>
+              </a:rPr>
+              <a:t>contactar desde el exterior. </a:t>
+            </a:r>
+            <a:endParaRPr lang="es-ES" sz="1400" dirty="0">
+              <a:latin typeface="Arial" panose="020B0604020202020204" pitchFamily="34" charset="0"/>
+              <a:cs typeface="Arial" panose="020B0604020202020204" pitchFamily="34" charset="0"/>
+            </a:endParaRPr>
           </a:p>
         </p:txBody>
       </p:sp>
     </p:spTree>
     <p:extLst>
       <p:ext uri="{BB962C8B-B14F-4D97-AF65-F5344CB8AC3E}">
-        <p14:creationId xmlns:p14="http://schemas.microsoft.com/office/powerpoint/2010/main" val="568001589"/>
+        <p14:creationId xmlns:p14="http://schemas.microsoft.com/office/powerpoint/2010/main" val="4161512940"/>
       </p:ext>
     </p:extLst>
   </p:cSld>
@@ -17174,7 +14797,52 @@
                                           </p:stCondLst>
                                         </p:cTn>
                                         <p:tgtEl>
-                                          <p:spTgt spid="35845"/>
+                                          <p:spTgt spid="7"/>
+                                        </p:tgtEl>
+                                        <p:attrNameLst>
+                                          <p:attrName>style.visibility</p:attrName>
+                                        </p:attrNameLst>
+                                      </p:cBhvr>
+                                      <p:to>
+                                        <p:strVal val="visible"/>
+                                      </p:to>
+                                    </p:set>
+                                  </p:childTnLst>
+                                </p:cTn>
+                              </p:par>
+                            </p:childTnLst>
+                          </p:cTn>
+                        </p:par>
+                      </p:childTnLst>
+                    </p:cTn>
+                  </p:par>
+                  <p:par>
+                    <p:cTn id="7" fill="hold">
+                      <p:stCondLst>
+                        <p:cond delay="indefinite"/>
+                      </p:stCondLst>
+                      <p:childTnLst>
+                        <p:par>
+                          <p:cTn id="8" fill="hold">
+                            <p:stCondLst>
+                              <p:cond delay="0"/>
+                            </p:stCondLst>
+                            <p:childTnLst>
+                              <p:par>
+                                <p:cTn id="9" presetID="1" presetClass="entr" presetSubtype="0" fill="hold" grpId="0" nodeType="clickEffect">
+                                  <p:stCondLst>
+                                    <p:cond delay="0"/>
+                                  </p:stCondLst>
+                                  <p:childTnLst>
+                                    <p:set>
+                                      <p:cBhvr>
+                                        <p:cTn id="10" dur="1" fill="hold">
+                                          <p:stCondLst>
+                                            <p:cond delay="0"/>
+                                          </p:stCondLst>
+                                        </p:cTn>
+                                        <p:tgtEl>
+                                          <p:spTgt spid="10"/>
                                         </p:tgtEl>
                                         <p:attrNameLst>
                                           <p:attrName>style.visibility</p:attrName>
@@ -17215,7 +14883,1380 @@
       </p:par>
     </p:tnLst>
     <p:bldLst>
-      <p:bldP spid="35845" grpId="0"/>
+      <p:bldP spid="7" grpId="0"/>
+      <p:bldP spid="10" grpId="0"/>
+    </p:bldLst>
+  </p:timing>
+</p:sld>
+</file>
+
+<file path=ppt/slides/slide26.xml><?xml version="1.0" encoding="utf-8"?>
+<p:sld xmlns:a="http://schemas.openxmlformats.org/drawingml/2006/main" xmlns:r="http://schemas.openxmlformats.org/officeDocument/2006/relationships" xmlns:p="http://schemas.openxmlformats.org/presentationml/2006/main">
+  <p:cSld>
+    <p:spTree>
+      <p:nvGrpSpPr>
+        <p:cNvPr id="1" name=""/>
+        <p:cNvGrpSpPr/>
+        <p:nvPr/>
+      </p:nvGrpSpPr>
+      <p:grpSpPr>
+        <a:xfrm>
+          <a:off x="0" y="0"/>
+          <a:ext cx="0" cy="0"/>
+          <a:chOff x="0" y="0"/>
+          <a:chExt cx="0" cy="0"/>
+        </a:xfrm>
+      </p:grpSpPr>
+      <p:sp>
+        <p:nvSpPr>
+          <p:cNvPr id="2" name="object 2"/>
+          <p:cNvSpPr txBox="1"/>
+          <p:nvPr/>
+        </p:nvSpPr>
+        <p:spPr>
+          <a:xfrm>
+            <a:off x="1752600" y="381000"/>
+            <a:ext cx="7696200" cy="492443"/>
+          </a:xfrm>
+          <a:prstGeom prst="rect">
+            <a:avLst/>
+          </a:prstGeom>
+        </p:spPr>
+        <p:txBody>
+          <a:bodyPr vert="horz" wrap="square" lIns="0" tIns="0" rIns="0" bIns="0" rtlCol="0">
+            <a:spAutoFit/>
+          </a:bodyPr>
+          <a:lstStyle/>
+          <a:p>
+            <a:pPr marL="12700" algn="ctr">
+              <a:lnSpc>
+                <a:spcPct val="100000"/>
+              </a:lnSpc>
+            </a:pPr>
+            <a:r>
+              <a:rPr lang="es-ES" sz="3200" b="1" spc="-25" dirty="0">
+                <a:latin typeface="Calibri"/>
+                <a:cs typeface="Calibri"/>
+              </a:rPr>
+              <a:t>Configuración de Port </a:t>
+            </a:r>
+            <a:r>
+              <a:rPr lang="es-ES" sz="3200" b="1" spc="-25" dirty="0" err="1">
+                <a:latin typeface="Calibri"/>
+                <a:cs typeface="Calibri"/>
+              </a:rPr>
+              <a:t>Forwarding</a:t>
+            </a:r>
+            <a:endParaRPr sz="3200" dirty="0">
+              <a:latin typeface="Calibri"/>
+              <a:cs typeface="Calibri"/>
+            </a:endParaRPr>
+          </a:p>
+        </p:txBody>
+      </p:sp>
+      <p:sp>
+        <p:nvSpPr>
+          <p:cNvPr id="7" name="7 CuadroTexto">
+            <a:extLst>
+              <a:ext uri="{FF2B5EF4-FFF2-40B4-BE49-F238E27FC236}">
+                <a16:creationId xmlns:a16="http://schemas.microsoft.com/office/drawing/2014/main" id="{97A5F177-69B7-4D90-83F6-DE5C57E0C02E}"/>
+              </a:ext>
+            </a:extLst>
+          </p:cNvPr>
+          <p:cNvSpPr txBox="1">
+            <a:spLocks noChangeArrowheads="1"/>
+          </p:cNvSpPr>
+          <p:nvPr/>
+        </p:nvSpPr>
+        <p:spPr bwMode="auto">
+          <a:xfrm>
+            <a:off x="609600" y="956477"/>
+            <a:ext cx="10972800" cy="2939779"/>
+          </a:xfrm>
+          <a:prstGeom prst="rect">
+            <a:avLst/>
+          </a:prstGeom>
+          <a:noFill/>
+          <a:ln>
+            <a:noFill/>
+          </a:ln>
+          <a:extLst>
+            <a:ext uri="{909E8E84-426E-40DD-AFC4-6F175D3DCCD1}">
+              <a14:hiddenFill xmlns:a14="http://schemas.microsoft.com/office/drawing/2010/main">
+                <a:solidFill>
+                  <a:srgbClr val="FFFFFF"/>
+                </a:solidFill>
+              </a14:hiddenFill>
+            </a:ext>
+            <a:ext uri="{91240B29-F687-4F45-9708-019B960494DF}">
+              <a14:hiddenLine xmlns:a14="http://schemas.microsoft.com/office/drawing/2010/main" w="9525">
+                <a:solidFill>
+                  <a:srgbClr val="000000"/>
+                </a:solidFill>
+                <a:miter lim="800000"/>
+                <a:headEnd/>
+                <a:tailEnd/>
+              </a14:hiddenLine>
+            </a:ext>
+          </a:extLst>
+        </p:spPr>
+        <p:txBody>
+          <a:bodyPr wrap="square">
+            <a:spAutoFit/>
+          </a:bodyPr>
+          <a:lstStyle>
+            <a:lvl1pPr eaLnBrk="0" hangingPunct="0">
+              <a:defRPr sz="2400">
+                <a:solidFill>
+                  <a:schemeClr val="tx1"/>
+                </a:solidFill>
+                <a:latin typeface="Times New Roman" pitchFamily="18" charset="0"/>
+              </a:defRPr>
+            </a:lvl1pPr>
+            <a:lvl2pPr marL="742950" indent="-285750" eaLnBrk="0" hangingPunct="0">
+              <a:defRPr sz="2400">
+                <a:solidFill>
+                  <a:schemeClr val="tx1"/>
+                </a:solidFill>
+                <a:latin typeface="Times New Roman" pitchFamily="18" charset="0"/>
+              </a:defRPr>
+            </a:lvl2pPr>
+            <a:lvl3pPr marL="1143000" indent="-228600" eaLnBrk="0" hangingPunct="0">
+              <a:defRPr sz="2400">
+                <a:solidFill>
+                  <a:schemeClr val="tx1"/>
+                </a:solidFill>
+                <a:latin typeface="Times New Roman" pitchFamily="18" charset="0"/>
+              </a:defRPr>
+            </a:lvl3pPr>
+            <a:lvl4pPr marL="1600200" indent="-228600" eaLnBrk="0" hangingPunct="0">
+              <a:defRPr sz="2400">
+                <a:solidFill>
+                  <a:schemeClr val="tx1"/>
+                </a:solidFill>
+                <a:latin typeface="Times New Roman" pitchFamily="18" charset="0"/>
+              </a:defRPr>
+            </a:lvl4pPr>
+            <a:lvl5pPr marL="2057400" indent="-228600" eaLnBrk="0" hangingPunct="0">
+              <a:defRPr sz="2400">
+                <a:solidFill>
+                  <a:schemeClr val="tx1"/>
+                </a:solidFill>
+                <a:latin typeface="Times New Roman" pitchFamily="18" charset="0"/>
+              </a:defRPr>
+            </a:lvl5pPr>
+            <a:lvl6pPr marL="2514600" indent="-228600" eaLnBrk="0" fontAlgn="base" hangingPunct="0">
+              <a:spcBef>
+                <a:spcPct val="0"/>
+              </a:spcBef>
+              <a:spcAft>
+                <a:spcPct val="0"/>
+              </a:spcAft>
+              <a:defRPr sz="2400">
+                <a:solidFill>
+                  <a:schemeClr val="tx1"/>
+                </a:solidFill>
+                <a:latin typeface="Times New Roman" pitchFamily="18" charset="0"/>
+              </a:defRPr>
+            </a:lvl6pPr>
+            <a:lvl7pPr marL="2971800" indent="-228600" eaLnBrk="0" fontAlgn="base" hangingPunct="0">
+              <a:spcBef>
+                <a:spcPct val="0"/>
+              </a:spcBef>
+              <a:spcAft>
+                <a:spcPct val="0"/>
+              </a:spcAft>
+              <a:defRPr sz="2400">
+                <a:solidFill>
+                  <a:schemeClr val="tx1"/>
+                </a:solidFill>
+                <a:latin typeface="Times New Roman" pitchFamily="18" charset="0"/>
+              </a:defRPr>
+            </a:lvl7pPr>
+            <a:lvl8pPr marL="3429000" indent="-228600" eaLnBrk="0" fontAlgn="base" hangingPunct="0">
+              <a:spcBef>
+                <a:spcPct val="0"/>
+              </a:spcBef>
+              <a:spcAft>
+                <a:spcPct val="0"/>
+              </a:spcAft>
+              <a:defRPr sz="2400">
+                <a:solidFill>
+                  <a:schemeClr val="tx1"/>
+                </a:solidFill>
+                <a:latin typeface="Times New Roman" pitchFamily="18" charset="0"/>
+              </a:defRPr>
+            </a:lvl8pPr>
+            <a:lvl9pPr marL="3886200" indent="-228600" eaLnBrk="0" fontAlgn="base" hangingPunct="0">
+              <a:spcBef>
+                <a:spcPct val="0"/>
+              </a:spcBef>
+              <a:spcAft>
+                <a:spcPct val="0"/>
+              </a:spcAft>
+              <a:defRPr sz="2400">
+                <a:solidFill>
+                  <a:schemeClr val="tx1"/>
+                </a:solidFill>
+                <a:latin typeface="Times New Roman" pitchFamily="18" charset="0"/>
+              </a:defRPr>
+            </a:lvl9pPr>
+          </a:lstStyle>
+          <a:p>
+            <a:pPr marL="342900" indent="-342900" algn="just">
+              <a:lnSpc>
+                <a:spcPct val="150000"/>
+              </a:lnSpc>
+              <a:spcBef>
+                <a:spcPts val="600"/>
+              </a:spcBef>
+              <a:buFont typeface="+mj-lt"/>
+              <a:buAutoNum type="arabicPeriod"/>
+            </a:pPr>
+            <a:r>
+              <a:rPr lang="es-MX" sz="1600" dirty="0">
+                <a:latin typeface="Arial" panose="020B0604020202020204" pitchFamily="34" charset="0"/>
+                <a:cs typeface="Arial" panose="020B0604020202020204" pitchFamily="34" charset="0"/>
+              </a:rPr>
+              <a:t>Realizar una </a:t>
+            </a:r>
+            <a:r>
+              <a:rPr lang="es-MX" sz="1600" b="1" dirty="0">
+                <a:latin typeface="Arial" panose="020B0604020202020204" pitchFamily="34" charset="0"/>
+                <a:cs typeface="Arial" panose="020B0604020202020204" pitchFamily="34" charset="0"/>
+              </a:rPr>
+              <a:t>traducción estática</a:t>
+            </a:r>
+            <a:r>
+              <a:rPr lang="es-MX" sz="1600" dirty="0">
+                <a:latin typeface="Arial" panose="020B0604020202020204" pitchFamily="34" charset="0"/>
+                <a:cs typeface="Arial" panose="020B0604020202020204" pitchFamily="34" charset="0"/>
+              </a:rPr>
+              <a:t>. Esto </a:t>
+            </a:r>
+            <a:r>
+              <a:rPr lang="es-MX" sz="1600" dirty="0">
+                <a:solidFill>
+                  <a:schemeClr val="bg2">
+                    <a:lumMod val="10000"/>
+                  </a:schemeClr>
+                </a:solidFill>
+                <a:latin typeface="Arial" panose="020B0604020202020204" pitchFamily="34" charset="0"/>
+                <a:cs typeface="Arial" panose="020B0604020202020204" pitchFamily="34" charset="0"/>
+              </a:rPr>
+              <a:t>consume todos los servicios de la traducción de </a:t>
+            </a:r>
+            <a:r>
+              <a:rPr lang="es-MX" sz="1600" dirty="0" err="1">
+                <a:solidFill>
+                  <a:schemeClr val="bg2">
+                    <a:lumMod val="10000"/>
+                  </a:schemeClr>
+                </a:solidFill>
+                <a:latin typeface="Arial" panose="020B0604020202020204" pitchFamily="34" charset="0"/>
+                <a:cs typeface="Arial" panose="020B0604020202020204" pitchFamily="34" charset="0"/>
+              </a:rPr>
+              <a:t>nateo</a:t>
+            </a:r>
+            <a:r>
+              <a:rPr lang="es-MX" sz="1600" dirty="0">
+                <a:solidFill>
+                  <a:schemeClr val="bg2">
+                    <a:lumMod val="10000"/>
+                  </a:schemeClr>
+                </a:solidFill>
+                <a:latin typeface="Arial" panose="020B0604020202020204" pitchFamily="34" charset="0"/>
+                <a:cs typeface="Arial" panose="020B0604020202020204" pitchFamily="34" charset="0"/>
+              </a:rPr>
+              <a:t> estático y los demás usuarios no podrán hacer la traducción.</a:t>
+            </a:r>
+            <a:endParaRPr lang="es-MX" sz="1600" dirty="0">
+              <a:solidFill>
+                <a:schemeClr val="bg2">
+                  <a:lumMod val="25000"/>
+                </a:schemeClr>
+              </a:solidFill>
+              <a:latin typeface="Arial" panose="020B0604020202020204" pitchFamily="34" charset="0"/>
+              <a:cs typeface="Arial" panose="020B0604020202020204" pitchFamily="34" charset="0"/>
+            </a:endParaRPr>
+          </a:p>
+          <a:p>
+            <a:pPr lvl="1" algn="just">
+              <a:lnSpc>
+                <a:spcPct val="150000"/>
+              </a:lnSpc>
+              <a:spcBef>
+                <a:spcPts val="600"/>
+              </a:spcBef>
+            </a:pPr>
+            <a:r>
+              <a:rPr lang="es-MX" sz="1600" b="1" dirty="0" err="1">
+                <a:solidFill>
+                  <a:schemeClr val="accent5">
+                    <a:lumMod val="75000"/>
+                  </a:schemeClr>
+                </a:solidFill>
+                <a:latin typeface="Arial" panose="020B0604020202020204" pitchFamily="34" charset="0"/>
+                <a:cs typeface="Arial" panose="020B0604020202020204" pitchFamily="34" charset="0"/>
+              </a:rPr>
+              <a:t>ip</a:t>
+            </a:r>
+            <a:r>
+              <a:rPr lang="es-MX" sz="1600" b="1" dirty="0">
+                <a:solidFill>
+                  <a:schemeClr val="accent5">
+                    <a:lumMod val="75000"/>
+                  </a:schemeClr>
+                </a:solidFill>
+                <a:latin typeface="Arial" panose="020B0604020202020204" pitchFamily="34" charset="0"/>
+                <a:cs typeface="Arial" panose="020B0604020202020204" pitchFamily="34" charset="0"/>
+              </a:rPr>
+              <a:t> </a:t>
+            </a:r>
+            <a:r>
+              <a:rPr lang="es-MX" sz="1600" b="1" dirty="0" err="1">
+                <a:solidFill>
+                  <a:schemeClr val="accent5">
+                    <a:lumMod val="75000"/>
+                  </a:schemeClr>
+                </a:solidFill>
+                <a:latin typeface="Arial" panose="020B0604020202020204" pitchFamily="34" charset="0"/>
+                <a:cs typeface="Arial" panose="020B0604020202020204" pitchFamily="34" charset="0"/>
+              </a:rPr>
+              <a:t>nat</a:t>
+            </a:r>
+            <a:r>
+              <a:rPr lang="es-MX" sz="1600" b="1" dirty="0">
+                <a:solidFill>
+                  <a:schemeClr val="accent5">
+                    <a:lumMod val="75000"/>
+                  </a:schemeClr>
+                </a:solidFill>
+                <a:latin typeface="Arial" panose="020B0604020202020204" pitchFamily="34" charset="0"/>
+                <a:cs typeface="Arial" panose="020B0604020202020204" pitchFamily="34" charset="0"/>
+              </a:rPr>
+              <a:t> </a:t>
+            </a:r>
+            <a:r>
+              <a:rPr lang="es-MX" sz="1600" b="1" dirty="0" err="1">
+                <a:solidFill>
+                  <a:schemeClr val="accent5">
+                    <a:lumMod val="75000"/>
+                  </a:schemeClr>
+                </a:solidFill>
+                <a:latin typeface="Arial" panose="020B0604020202020204" pitchFamily="34" charset="0"/>
+                <a:cs typeface="Arial" panose="020B0604020202020204" pitchFamily="34" charset="0"/>
+              </a:rPr>
+              <a:t>inside</a:t>
+            </a:r>
+            <a:r>
+              <a:rPr lang="es-MX" sz="1600" b="1" dirty="0">
+                <a:solidFill>
+                  <a:schemeClr val="accent5">
+                    <a:lumMod val="75000"/>
+                  </a:schemeClr>
+                </a:solidFill>
+                <a:latin typeface="Arial" panose="020B0604020202020204" pitchFamily="34" charset="0"/>
+                <a:cs typeface="Arial" panose="020B0604020202020204" pitchFamily="34" charset="0"/>
+              </a:rPr>
+              <a:t> </a:t>
+            </a:r>
+            <a:r>
+              <a:rPr lang="es-MX" sz="1600" b="1" dirty="0" err="1">
+                <a:solidFill>
+                  <a:schemeClr val="accent5">
+                    <a:lumMod val="75000"/>
+                  </a:schemeClr>
+                </a:solidFill>
+                <a:latin typeface="Arial" panose="020B0604020202020204" pitchFamily="34" charset="0"/>
+                <a:cs typeface="Arial" panose="020B0604020202020204" pitchFamily="34" charset="0"/>
+              </a:rPr>
+              <a:t>source</a:t>
+            </a:r>
+            <a:r>
+              <a:rPr lang="es-MX" sz="1600" dirty="0">
+                <a:solidFill>
+                  <a:schemeClr val="accent5">
+                    <a:lumMod val="75000"/>
+                  </a:schemeClr>
+                </a:solidFill>
+                <a:latin typeface="Arial" panose="020B0604020202020204" pitchFamily="34" charset="0"/>
+                <a:cs typeface="Arial" panose="020B0604020202020204" pitchFamily="34" charset="0"/>
+              </a:rPr>
+              <a:t> </a:t>
+            </a:r>
+            <a:r>
+              <a:rPr lang="es-MX" sz="1600" b="1" dirty="0" err="1">
+                <a:solidFill>
+                  <a:schemeClr val="accent5">
+                    <a:lumMod val="75000"/>
+                  </a:schemeClr>
+                </a:solidFill>
+                <a:latin typeface="Arial" panose="020B0604020202020204" pitchFamily="34" charset="0"/>
+                <a:cs typeface="Arial" panose="020B0604020202020204" pitchFamily="34" charset="0"/>
+              </a:rPr>
+              <a:t>static</a:t>
+            </a:r>
+            <a:r>
+              <a:rPr lang="es-MX" sz="1600" b="1" dirty="0">
+                <a:solidFill>
+                  <a:schemeClr val="accent5">
+                    <a:lumMod val="75000"/>
+                  </a:schemeClr>
+                </a:solidFill>
+                <a:latin typeface="Arial" panose="020B0604020202020204" pitchFamily="34" charset="0"/>
+                <a:cs typeface="Arial" panose="020B0604020202020204" pitchFamily="34" charset="0"/>
+              </a:rPr>
+              <a:t> </a:t>
+            </a:r>
+            <a:r>
+              <a:rPr lang="es-MX" sz="1600" b="1" dirty="0">
+                <a:solidFill>
+                  <a:schemeClr val="accent6">
+                    <a:lumMod val="75000"/>
+                  </a:schemeClr>
+                </a:solidFill>
+                <a:latin typeface="Arial" panose="020B0604020202020204" pitchFamily="34" charset="0"/>
+                <a:cs typeface="Arial" panose="020B0604020202020204" pitchFamily="34" charset="0"/>
+              </a:rPr>
+              <a:t>IP-local-privada IP-Global-pública</a:t>
+            </a:r>
+            <a:endParaRPr lang="es-MX" sz="1400" dirty="0">
+              <a:solidFill>
+                <a:schemeClr val="bg2">
+                  <a:lumMod val="25000"/>
+                </a:schemeClr>
+              </a:solidFill>
+              <a:latin typeface="Arial" panose="020B0604020202020204" pitchFamily="34" charset="0"/>
+              <a:cs typeface="Arial" panose="020B0604020202020204" pitchFamily="34" charset="0"/>
+            </a:endParaRPr>
+          </a:p>
+          <a:p>
+            <a:pPr marL="342900" indent="-342900" algn="just">
+              <a:lnSpc>
+                <a:spcPct val="150000"/>
+              </a:lnSpc>
+              <a:spcBef>
+                <a:spcPts val="600"/>
+              </a:spcBef>
+              <a:buFont typeface="+mj-lt"/>
+              <a:buAutoNum type="arabicPeriod"/>
+            </a:pPr>
+            <a:r>
+              <a:rPr lang="es-MX" sz="1600" dirty="0">
+                <a:solidFill>
+                  <a:schemeClr val="tx1">
+                    <a:lumMod val="95000"/>
+                    <a:lumOff val="5000"/>
+                  </a:schemeClr>
+                </a:solidFill>
+                <a:latin typeface="Arial" panose="020B0604020202020204" pitchFamily="34" charset="0"/>
+                <a:cs typeface="Arial" panose="020B0604020202020204" pitchFamily="34" charset="0"/>
+              </a:rPr>
+              <a:t>Para resolver este problema existe </a:t>
+            </a:r>
+            <a:r>
+              <a:rPr lang="es-MX" sz="1600" b="1" dirty="0" err="1">
+                <a:solidFill>
+                  <a:schemeClr val="tx1">
+                    <a:lumMod val="95000"/>
+                    <a:lumOff val="5000"/>
+                  </a:schemeClr>
+                </a:solidFill>
+                <a:latin typeface="Arial" panose="020B0604020202020204" pitchFamily="34" charset="0"/>
+                <a:cs typeface="Arial" panose="020B0604020202020204" pitchFamily="34" charset="0"/>
+              </a:rPr>
+              <a:t>port</a:t>
+            </a:r>
+            <a:r>
+              <a:rPr lang="es-MX" sz="1600" b="1" dirty="0">
+                <a:solidFill>
+                  <a:schemeClr val="tx1">
+                    <a:lumMod val="95000"/>
+                    <a:lumOff val="5000"/>
+                  </a:schemeClr>
+                </a:solidFill>
+                <a:latin typeface="Arial" panose="020B0604020202020204" pitchFamily="34" charset="0"/>
+                <a:cs typeface="Arial" panose="020B0604020202020204" pitchFamily="34" charset="0"/>
+              </a:rPr>
+              <a:t> </a:t>
+            </a:r>
+            <a:r>
+              <a:rPr lang="es-MX" sz="1600" b="1" dirty="0" err="1">
+                <a:solidFill>
+                  <a:schemeClr val="tx1">
+                    <a:lumMod val="95000"/>
+                    <a:lumOff val="5000"/>
+                  </a:schemeClr>
+                </a:solidFill>
+                <a:latin typeface="Arial" panose="020B0604020202020204" pitchFamily="34" charset="0"/>
+                <a:cs typeface="Arial" panose="020B0604020202020204" pitchFamily="34" charset="0"/>
+              </a:rPr>
+              <a:t>forwarding</a:t>
+            </a:r>
+            <a:r>
+              <a:rPr lang="es-MX" sz="1600" dirty="0">
+                <a:solidFill>
+                  <a:schemeClr val="tx1">
+                    <a:lumMod val="95000"/>
+                    <a:lumOff val="5000"/>
+                  </a:schemeClr>
+                </a:solidFill>
+                <a:latin typeface="Arial" panose="020B0604020202020204" pitchFamily="34" charset="0"/>
+                <a:cs typeface="Arial" panose="020B0604020202020204" pitchFamily="34" charset="0"/>
+              </a:rPr>
+              <a:t>, que es una </a:t>
+            </a:r>
+            <a:r>
+              <a:rPr lang="es-ES" sz="1600" dirty="0">
+                <a:solidFill>
+                  <a:schemeClr val="tx1">
+                    <a:lumMod val="95000"/>
+                    <a:lumOff val="5000"/>
+                  </a:schemeClr>
+                </a:solidFill>
+                <a:latin typeface="Arial" panose="020B0604020202020204" pitchFamily="34" charset="0"/>
+                <a:cs typeface="Arial" panose="020B0604020202020204" pitchFamily="34" charset="0"/>
+              </a:rPr>
+              <a:t>traducción NAT estática con un número de puerto TCP o UDP específico.  Se llama </a:t>
+            </a:r>
+            <a:r>
+              <a:rPr lang="es-ES" sz="1600" b="1" dirty="0" err="1">
+                <a:solidFill>
+                  <a:schemeClr val="tx1">
+                    <a:lumMod val="95000"/>
+                    <a:lumOff val="5000"/>
+                  </a:schemeClr>
+                </a:solidFill>
+                <a:latin typeface="Arial" panose="020B0604020202020204" pitchFamily="34" charset="0"/>
+                <a:cs typeface="Arial" panose="020B0604020202020204" pitchFamily="34" charset="0"/>
+              </a:rPr>
+              <a:t>port</a:t>
+            </a:r>
+            <a:r>
+              <a:rPr lang="es-ES" sz="1600" b="1" dirty="0">
+                <a:solidFill>
+                  <a:schemeClr val="tx1">
+                    <a:lumMod val="95000"/>
+                    <a:lumOff val="5000"/>
+                  </a:schemeClr>
+                </a:solidFill>
+                <a:latin typeface="Arial" panose="020B0604020202020204" pitchFamily="34" charset="0"/>
+                <a:cs typeface="Arial" panose="020B0604020202020204" pitchFamily="34" charset="0"/>
+              </a:rPr>
+              <a:t> </a:t>
+            </a:r>
+            <a:r>
+              <a:rPr lang="es-ES" sz="1600" b="1" dirty="0" err="1">
+                <a:solidFill>
+                  <a:schemeClr val="tx1">
+                    <a:lumMod val="95000"/>
+                    <a:lumOff val="5000"/>
+                  </a:schemeClr>
+                </a:solidFill>
+                <a:latin typeface="Arial" panose="020B0604020202020204" pitchFamily="34" charset="0"/>
+                <a:cs typeface="Arial" panose="020B0604020202020204" pitchFamily="34" charset="0"/>
+              </a:rPr>
+              <a:t>forwarding</a:t>
+            </a:r>
+            <a:r>
+              <a:rPr lang="es-ES" sz="1600" dirty="0">
+                <a:solidFill>
+                  <a:schemeClr val="tx1">
+                    <a:lumMod val="95000"/>
+                    <a:lumOff val="5000"/>
+                  </a:schemeClr>
+                </a:solidFill>
+                <a:latin typeface="Arial" panose="020B0604020202020204" pitchFamily="34" charset="0"/>
+                <a:cs typeface="Arial" panose="020B0604020202020204" pitchFamily="34" charset="0"/>
+              </a:rPr>
+              <a:t> porque lo que lo que llega por un puerto de petición, lo podemos enviar a otro puerto diferente o al mismo puerto.</a:t>
+            </a:r>
+            <a:endParaRPr lang="es-MX" sz="1600" dirty="0">
+              <a:solidFill>
+                <a:schemeClr val="tx1">
+                  <a:lumMod val="95000"/>
+                  <a:lumOff val="5000"/>
+                </a:schemeClr>
+              </a:solidFill>
+              <a:latin typeface="Arial" panose="020B0604020202020204" pitchFamily="34" charset="0"/>
+              <a:cs typeface="Arial" panose="020B0604020202020204" pitchFamily="34" charset="0"/>
+            </a:endParaRPr>
+          </a:p>
+          <a:p>
+            <a:pPr marL="444500" lvl="1" indent="12700">
+              <a:lnSpc>
+                <a:spcPct val="150000"/>
+              </a:lnSpc>
+              <a:spcBef>
+                <a:spcPts val="600"/>
+              </a:spcBef>
+            </a:pPr>
+            <a:r>
+              <a:rPr lang="es-MX" sz="1600" b="1" dirty="0" err="1">
+                <a:solidFill>
+                  <a:schemeClr val="accent5">
+                    <a:lumMod val="75000"/>
+                  </a:schemeClr>
+                </a:solidFill>
+                <a:latin typeface="Arial" panose="020B0604020202020204" pitchFamily="34" charset="0"/>
+                <a:cs typeface="Arial" panose="020B0604020202020204" pitchFamily="34" charset="0"/>
+              </a:rPr>
+              <a:t>ip</a:t>
+            </a:r>
+            <a:r>
+              <a:rPr lang="es-MX" sz="1600" b="1" dirty="0">
+                <a:solidFill>
+                  <a:schemeClr val="accent5">
+                    <a:lumMod val="75000"/>
+                  </a:schemeClr>
+                </a:solidFill>
+                <a:latin typeface="Arial" panose="020B0604020202020204" pitchFamily="34" charset="0"/>
+                <a:cs typeface="Arial" panose="020B0604020202020204" pitchFamily="34" charset="0"/>
+              </a:rPr>
+              <a:t> </a:t>
+            </a:r>
+            <a:r>
+              <a:rPr lang="es-MX" sz="1600" b="1" dirty="0" err="1">
+                <a:solidFill>
+                  <a:schemeClr val="accent5">
+                    <a:lumMod val="75000"/>
+                  </a:schemeClr>
+                </a:solidFill>
+                <a:latin typeface="Arial" panose="020B0604020202020204" pitchFamily="34" charset="0"/>
+                <a:cs typeface="Arial" panose="020B0604020202020204" pitchFamily="34" charset="0"/>
+              </a:rPr>
+              <a:t>nat</a:t>
+            </a:r>
+            <a:r>
+              <a:rPr lang="es-MX" sz="1600" b="1" dirty="0">
+                <a:solidFill>
+                  <a:schemeClr val="accent5">
+                    <a:lumMod val="75000"/>
+                  </a:schemeClr>
+                </a:solidFill>
+                <a:latin typeface="Arial" panose="020B0604020202020204" pitchFamily="34" charset="0"/>
+                <a:cs typeface="Arial" panose="020B0604020202020204" pitchFamily="34" charset="0"/>
+              </a:rPr>
+              <a:t> </a:t>
+            </a:r>
+            <a:r>
+              <a:rPr lang="es-MX" sz="1600" b="1" dirty="0" err="1">
+                <a:solidFill>
+                  <a:schemeClr val="accent5">
+                    <a:lumMod val="75000"/>
+                  </a:schemeClr>
+                </a:solidFill>
+                <a:latin typeface="Arial" panose="020B0604020202020204" pitchFamily="34" charset="0"/>
+                <a:cs typeface="Arial" panose="020B0604020202020204" pitchFamily="34" charset="0"/>
+              </a:rPr>
+              <a:t>inside</a:t>
+            </a:r>
+            <a:r>
+              <a:rPr lang="es-MX" sz="1600" b="1" dirty="0">
+                <a:solidFill>
+                  <a:schemeClr val="accent5">
+                    <a:lumMod val="75000"/>
+                  </a:schemeClr>
+                </a:solidFill>
+                <a:latin typeface="Arial" panose="020B0604020202020204" pitchFamily="34" charset="0"/>
+                <a:cs typeface="Arial" panose="020B0604020202020204" pitchFamily="34" charset="0"/>
+              </a:rPr>
+              <a:t> </a:t>
+            </a:r>
+            <a:r>
+              <a:rPr lang="es-MX" sz="1600" b="1" dirty="0" err="1">
+                <a:solidFill>
+                  <a:schemeClr val="accent5">
+                    <a:lumMod val="75000"/>
+                  </a:schemeClr>
+                </a:solidFill>
+                <a:latin typeface="Arial" panose="020B0604020202020204" pitchFamily="34" charset="0"/>
+                <a:cs typeface="Arial" panose="020B0604020202020204" pitchFamily="34" charset="0"/>
+              </a:rPr>
+              <a:t>source</a:t>
+            </a:r>
+            <a:r>
+              <a:rPr lang="es-MX" sz="1600" dirty="0">
+                <a:solidFill>
+                  <a:schemeClr val="accent5">
+                    <a:lumMod val="75000"/>
+                  </a:schemeClr>
+                </a:solidFill>
+                <a:latin typeface="Arial" panose="020B0604020202020204" pitchFamily="34" charset="0"/>
+                <a:cs typeface="Arial" panose="020B0604020202020204" pitchFamily="34" charset="0"/>
+              </a:rPr>
+              <a:t> </a:t>
+            </a:r>
+            <a:r>
+              <a:rPr lang="es-MX" sz="1600" b="1" dirty="0" err="1">
+                <a:solidFill>
+                  <a:schemeClr val="accent5">
+                    <a:lumMod val="75000"/>
+                  </a:schemeClr>
+                </a:solidFill>
+                <a:latin typeface="Arial" panose="020B0604020202020204" pitchFamily="34" charset="0"/>
+                <a:cs typeface="Arial" panose="020B0604020202020204" pitchFamily="34" charset="0"/>
+              </a:rPr>
+              <a:t>static</a:t>
+            </a:r>
+            <a:r>
+              <a:rPr lang="es-MX" sz="1600" b="1" dirty="0">
+                <a:solidFill>
+                  <a:schemeClr val="bg2">
+                    <a:lumMod val="50000"/>
+                  </a:schemeClr>
+                </a:solidFill>
+                <a:latin typeface="Arial" panose="020B0604020202020204" pitchFamily="34" charset="0"/>
+                <a:cs typeface="Arial" panose="020B0604020202020204" pitchFamily="34" charset="0"/>
+              </a:rPr>
+              <a:t> </a:t>
+            </a:r>
+            <a:r>
+              <a:rPr lang="es-MX" sz="1600" b="1" dirty="0">
+                <a:solidFill>
+                  <a:schemeClr val="accent6">
+                    <a:lumMod val="75000"/>
+                  </a:schemeClr>
+                </a:solidFill>
+                <a:latin typeface="Arial" panose="020B0604020202020204" pitchFamily="34" charset="0"/>
+                <a:cs typeface="Arial" panose="020B0604020202020204" pitchFamily="34" charset="0"/>
+              </a:rPr>
+              <a:t>Protocolo(</a:t>
+            </a:r>
+            <a:r>
+              <a:rPr lang="es-MX" sz="1600" b="1" dirty="0" err="1">
+                <a:solidFill>
+                  <a:schemeClr val="accent6">
+                    <a:lumMod val="75000"/>
+                  </a:schemeClr>
+                </a:solidFill>
+                <a:latin typeface="Arial" panose="020B0604020202020204" pitchFamily="34" charset="0"/>
+                <a:cs typeface="Arial" panose="020B0604020202020204" pitchFamily="34" charset="0"/>
+              </a:rPr>
+              <a:t>tcp-udp</a:t>
+            </a:r>
+            <a:r>
+              <a:rPr lang="es-MX" sz="1600" b="1" dirty="0">
+                <a:solidFill>
+                  <a:schemeClr val="accent6">
+                    <a:lumMod val="75000"/>
+                  </a:schemeClr>
+                </a:solidFill>
+                <a:latin typeface="Arial" panose="020B0604020202020204" pitchFamily="34" charset="0"/>
+                <a:cs typeface="Arial" panose="020B0604020202020204" pitchFamily="34" charset="0"/>
+              </a:rPr>
+              <a:t>)</a:t>
+            </a:r>
+            <a:r>
+              <a:rPr lang="es-MX" sz="1600" dirty="0">
+                <a:solidFill>
+                  <a:schemeClr val="bg2">
+                    <a:lumMod val="25000"/>
+                  </a:schemeClr>
+                </a:solidFill>
+                <a:latin typeface="Arial" panose="020B0604020202020204" pitchFamily="34" charset="0"/>
+                <a:cs typeface="Arial" panose="020B0604020202020204" pitchFamily="34" charset="0"/>
+              </a:rPr>
+              <a:t> </a:t>
+            </a:r>
+            <a:r>
+              <a:rPr lang="es-MX" sz="1600" b="1" dirty="0">
+                <a:solidFill>
+                  <a:schemeClr val="accent6">
+                    <a:lumMod val="75000"/>
+                  </a:schemeClr>
+                </a:solidFill>
+                <a:latin typeface="Arial" panose="020B0604020202020204" pitchFamily="34" charset="0"/>
+                <a:cs typeface="Arial" panose="020B0604020202020204" pitchFamily="34" charset="0"/>
+              </a:rPr>
+              <a:t>IP-local-privada </a:t>
+            </a:r>
+            <a:r>
+              <a:rPr lang="es-MX" sz="1600" b="1" dirty="0">
+                <a:solidFill>
+                  <a:schemeClr val="accent5">
+                    <a:lumMod val="75000"/>
+                  </a:schemeClr>
+                </a:solidFill>
+                <a:latin typeface="Arial" panose="020B0604020202020204" pitchFamily="34" charset="0"/>
+                <a:cs typeface="Arial" panose="020B0604020202020204" pitchFamily="34" charset="0"/>
+              </a:rPr>
+              <a:t>Puerto local </a:t>
+            </a:r>
+            <a:r>
+              <a:rPr lang="es-MX" sz="1600" b="1" dirty="0">
+                <a:solidFill>
+                  <a:schemeClr val="accent6">
+                    <a:lumMod val="75000"/>
+                  </a:schemeClr>
+                </a:solidFill>
+                <a:latin typeface="Arial" panose="020B0604020202020204" pitchFamily="34" charset="0"/>
+                <a:cs typeface="Arial" panose="020B0604020202020204" pitchFamily="34" charset="0"/>
+              </a:rPr>
+              <a:t>IP-Global-publica </a:t>
+            </a:r>
+            <a:r>
+              <a:rPr lang="es-MX" sz="1600" b="1" dirty="0">
+                <a:solidFill>
+                  <a:schemeClr val="accent5">
+                    <a:lumMod val="75000"/>
+                  </a:schemeClr>
+                </a:solidFill>
+                <a:latin typeface="Arial" panose="020B0604020202020204" pitchFamily="34" charset="0"/>
+                <a:cs typeface="Arial" panose="020B0604020202020204" pitchFamily="34" charset="0"/>
+              </a:rPr>
+              <a:t>Puerto global</a:t>
+            </a:r>
+            <a:endParaRPr lang="es-ES" sz="1800" dirty="0">
+              <a:latin typeface="Arial" panose="020B0604020202020204" pitchFamily="34" charset="0"/>
+              <a:cs typeface="Arial" panose="020B0604020202020204" pitchFamily="34" charset="0"/>
+            </a:endParaRPr>
+          </a:p>
+        </p:txBody>
+      </p:sp>
+      <p:sp>
+        <p:nvSpPr>
+          <p:cNvPr id="6" name="7 CuadroTexto">
+            <a:extLst>
+              <a:ext uri="{FF2B5EF4-FFF2-40B4-BE49-F238E27FC236}">
+                <a16:creationId xmlns:a16="http://schemas.microsoft.com/office/drawing/2014/main" id="{54694BF8-D161-44D0-AE19-3FF4871655F9}"/>
+              </a:ext>
+            </a:extLst>
+          </p:cNvPr>
+          <p:cNvSpPr txBox="1">
+            <a:spLocks noChangeArrowheads="1"/>
+          </p:cNvSpPr>
+          <p:nvPr/>
+        </p:nvSpPr>
+        <p:spPr bwMode="auto">
+          <a:xfrm>
+            <a:off x="990600" y="3896256"/>
+            <a:ext cx="10439400" cy="2570447"/>
+          </a:xfrm>
+          <a:prstGeom prst="rect">
+            <a:avLst/>
+          </a:prstGeom>
+          <a:noFill/>
+          <a:ln>
+            <a:noFill/>
+          </a:ln>
+          <a:extLst>
+            <a:ext uri="{909E8E84-426E-40DD-AFC4-6F175D3DCCD1}">
+              <a14:hiddenFill xmlns:a14="http://schemas.microsoft.com/office/drawing/2010/main">
+                <a:solidFill>
+                  <a:srgbClr val="FFFFFF"/>
+                </a:solidFill>
+              </a14:hiddenFill>
+            </a:ext>
+            <a:ext uri="{91240B29-F687-4F45-9708-019B960494DF}">
+              <a14:hiddenLine xmlns:a14="http://schemas.microsoft.com/office/drawing/2010/main" w="9525">
+                <a:solidFill>
+                  <a:srgbClr val="000000"/>
+                </a:solidFill>
+                <a:miter lim="800000"/>
+                <a:headEnd/>
+                <a:tailEnd/>
+              </a14:hiddenLine>
+            </a:ext>
+          </a:extLst>
+        </p:spPr>
+        <p:txBody>
+          <a:bodyPr wrap="square">
+            <a:spAutoFit/>
+          </a:bodyPr>
+          <a:lstStyle>
+            <a:lvl1pPr eaLnBrk="0" hangingPunct="0">
+              <a:defRPr sz="2400">
+                <a:solidFill>
+                  <a:schemeClr val="tx1"/>
+                </a:solidFill>
+                <a:latin typeface="Times New Roman" pitchFamily="18" charset="0"/>
+              </a:defRPr>
+            </a:lvl1pPr>
+            <a:lvl2pPr marL="742950" indent="-285750" eaLnBrk="0" hangingPunct="0">
+              <a:defRPr sz="2400">
+                <a:solidFill>
+                  <a:schemeClr val="tx1"/>
+                </a:solidFill>
+                <a:latin typeface="Times New Roman" pitchFamily="18" charset="0"/>
+              </a:defRPr>
+            </a:lvl2pPr>
+            <a:lvl3pPr marL="1143000" indent="-228600" eaLnBrk="0" hangingPunct="0">
+              <a:defRPr sz="2400">
+                <a:solidFill>
+                  <a:schemeClr val="tx1"/>
+                </a:solidFill>
+                <a:latin typeface="Times New Roman" pitchFamily="18" charset="0"/>
+              </a:defRPr>
+            </a:lvl3pPr>
+            <a:lvl4pPr marL="1600200" indent="-228600" eaLnBrk="0" hangingPunct="0">
+              <a:defRPr sz="2400">
+                <a:solidFill>
+                  <a:schemeClr val="tx1"/>
+                </a:solidFill>
+                <a:latin typeface="Times New Roman" pitchFamily="18" charset="0"/>
+              </a:defRPr>
+            </a:lvl4pPr>
+            <a:lvl5pPr marL="2057400" indent="-228600" eaLnBrk="0" hangingPunct="0">
+              <a:defRPr sz="2400">
+                <a:solidFill>
+                  <a:schemeClr val="tx1"/>
+                </a:solidFill>
+                <a:latin typeface="Times New Roman" pitchFamily="18" charset="0"/>
+              </a:defRPr>
+            </a:lvl5pPr>
+            <a:lvl6pPr marL="2514600" indent="-228600" eaLnBrk="0" fontAlgn="base" hangingPunct="0">
+              <a:spcBef>
+                <a:spcPct val="0"/>
+              </a:spcBef>
+              <a:spcAft>
+                <a:spcPct val="0"/>
+              </a:spcAft>
+              <a:defRPr sz="2400">
+                <a:solidFill>
+                  <a:schemeClr val="tx1"/>
+                </a:solidFill>
+                <a:latin typeface="Times New Roman" pitchFamily="18" charset="0"/>
+              </a:defRPr>
+            </a:lvl6pPr>
+            <a:lvl7pPr marL="2971800" indent="-228600" eaLnBrk="0" fontAlgn="base" hangingPunct="0">
+              <a:spcBef>
+                <a:spcPct val="0"/>
+              </a:spcBef>
+              <a:spcAft>
+                <a:spcPct val="0"/>
+              </a:spcAft>
+              <a:defRPr sz="2400">
+                <a:solidFill>
+                  <a:schemeClr val="tx1"/>
+                </a:solidFill>
+                <a:latin typeface="Times New Roman" pitchFamily="18" charset="0"/>
+              </a:defRPr>
+            </a:lvl7pPr>
+            <a:lvl8pPr marL="3429000" indent="-228600" eaLnBrk="0" fontAlgn="base" hangingPunct="0">
+              <a:spcBef>
+                <a:spcPct val="0"/>
+              </a:spcBef>
+              <a:spcAft>
+                <a:spcPct val="0"/>
+              </a:spcAft>
+              <a:defRPr sz="2400">
+                <a:solidFill>
+                  <a:schemeClr val="tx1"/>
+                </a:solidFill>
+                <a:latin typeface="Times New Roman" pitchFamily="18" charset="0"/>
+              </a:defRPr>
+            </a:lvl8pPr>
+            <a:lvl9pPr marL="3886200" indent="-228600" eaLnBrk="0" fontAlgn="base" hangingPunct="0">
+              <a:spcBef>
+                <a:spcPct val="0"/>
+              </a:spcBef>
+              <a:spcAft>
+                <a:spcPct val="0"/>
+              </a:spcAft>
+              <a:defRPr sz="2400">
+                <a:solidFill>
+                  <a:schemeClr val="tx1"/>
+                </a:solidFill>
+                <a:latin typeface="Times New Roman" pitchFamily="18" charset="0"/>
+              </a:defRPr>
+            </a:lvl9pPr>
+          </a:lstStyle>
+          <a:p>
+            <a:pPr marL="285750" indent="-285750" algn="just">
+              <a:lnSpc>
+                <a:spcPct val="150000"/>
+              </a:lnSpc>
+              <a:spcBef>
+                <a:spcPts val="600"/>
+              </a:spcBef>
+              <a:buFont typeface="Arial" panose="020B0604020202020204" pitchFamily="34" charset="0"/>
+              <a:buChar char="•"/>
+            </a:pPr>
+            <a:r>
+              <a:rPr lang="es-MX" sz="1600" dirty="0">
+                <a:latin typeface="Arial" panose="020B0604020202020204" pitchFamily="34" charset="0"/>
+                <a:cs typeface="Arial" panose="020B0604020202020204" pitchFamily="34" charset="0"/>
+              </a:rPr>
+              <a:t>Tipo de </a:t>
+            </a:r>
+            <a:r>
+              <a:rPr lang="es-MX" sz="1600" b="1" dirty="0">
+                <a:latin typeface="Arial" panose="020B0604020202020204" pitchFamily="34" charset="0"/>
+                <a:cs typeface="Arial" panose="020B0604020202020204" pitchFamily="34" charset="0"/>
+              </a:rPr>
+              <a:t>protocolo</a:t>
+            </a:r>
+            <a:r>
+              <a:rPr lang="es-MX" sz="1600" dirty="0">
+                <a:latin typeface="Arial" panose="020B0604020202020204" pitchFamily="34" charset="0"/>
+                <a:cs typeface="Arial" panose="020B0604020202020204" pitchFamily="34" charset="0"/>
+              </a:rPr>
+              <a:t> (</a:t>
+            </a:r>
+            <a:r>
+              <a:rPr lang="es-MX" sz="1600" b="1" dirty="0">
+                <a:latin typeface="Arial" panose="020B0604020202020204" pitchFamily="34" charset="0"/>
+                <a:cs typeface="Arial" panose="020B0604020202020204" pitchFamily="34" charset="0"/>
+              </a:rPr>
+              <a:t>TCP</a:t>
+            </a:r>
+            <a:r>
+              <a:rPr lang="es-MX" sz="1600" dirty="0">
+                <a:latin typeface="Arial" panose="020B0604020202020204" pitchFamily="34" charset="0"/>
+                <a:cs typeface="Arial" panose="020B0604020202020204" pitchFamily="34" charset="0"/>
+              </a:rPr>
+              <a:t> o </a:t>
+            </a:r>
+            <a:r>
+              <a:rPr lang="es-MX" sz="1600" b="1" dirty="0">
+                <a:latin typeface="Arial" panose="020B0604020202020204" pitchFamily="34" charset="0"/>
+                <a:cs typeface="Arial" panose="020B0604020202020204" pitchFamily="34" charset="0"/>
+              </a:rPr>
+              <a:t>UDP</a:t>
+            </a:r>
+            <a:r>
+              <a:rPr lang="es-MX" sz="1600" dirty="0">
+                <a:latin typeface="Arial" panose="020B0604020202020204" pitchFamily="34" charset="0"/>
+                <a:cs typeface="Arial" panose="020B0604020202020204" pitchFamily="34" charset="0"/>
+              </a:rPr>
+              <a:t>) que se va a traducir.</a:t>
+            </a:r>
+          </a:p>
+          <a:p>
+            <a:pPr marL="285750" indent="-285750" algn="just">
+              <a:lnSpc>
+                <a:spcPct val="150000"/>
+              </a:lnSpc>
+              <a:spcBef>
+                <a:spcPts val="600"/>
+              </a:spcBef>
+              <a:buFont typeface="Arial" panose="020B0604020202020204" pitchFamily="34" charset="0"/>
+              <a:buChar char="•"/>
+            </a:pPr>
+            <a:r>
+              <a:rPr lang="es-MX" sz="1600" dirty="0">
+                <a:latin typeface="Arial" panose="020B0604020202020204" pitchFamily="34" charset="0"/>
+                <a:cs typeface="Arial" panose="020B0604020202020204" pitchFamily="34" charset="0"/>
+              </a:rPr>
+              <a:t>Dirección</a:t>
+            </a:r>
+            <a:r>
+              <a:rPr lang="es-MX" sz="1600" b="1" dirty="0">
+                <a:latin typeface="Arial" panose="020B0604020202020204" pitchFamily="34" charset="0"/>
+                <a:cs typeface="Arial" panose="020B0604020202020204" pitchFamily="34" charset="0"/>
+              </a:rPr>
+              <a:t> IP privada interna.</a:t>
+            </a:r>
+          </a:p>
+          <a:p>
+            <a:pPr marL="285750" indent="-285750" algn="just">
+              <a:lnSpc>
+                <a:spcPct val="150000"/>
+              </a:lnSpc>
+              <a:spcBef>
+                <a:spcPts val="600"/>
+              </a:spcBef>
+              <a:buFont typeface="Arial" panose="020B0604020202020204" pitchFamily="34" charset="0"/>
+              <a:buChar char="•"/>
+            </a:pPr>
+            <a:r>
+              <a:rPr lang="es-MX" sz="1600" b="1" dirty="0">
+                <a:latin typeface="Arial" panose="020B0604020202020204" pitchFamily="34" charset="0"/>
+                <a:cs typeface="Arial" panose="020B0604020202020204" pitchFamily="34" charset="0"/>
+              </a:rPr>
+              <a:t>Puerto local </a:t>
+            </a:r>
+            <a:r>
+              <a:rPr lang="es-MX" sz="1600" dirty="0">
+                <a:latin typeface="Arial" panose="020B0604020202020204" pitchFamily="34" charset="0"/>
+                <a:cs typeface="Arial" panose="020B0604020202020204" pitchFamily="34" charset="0"/>
+              </a:rPr>
+              <a:t>(TCP/UDP)</a:t>
+            </a:r>
+            <a:r>
+              <a:rPr lang="es-MX" sz="1600" b="1" dirty="0">
+                <a:latin typeface="Arial" panose="020B0604020202020204" pitchFamily="34" charset="0"/>
+                <a:cs typeface="Arial" panose="020B0604020202020204" pitchFamily="34" charset="0"/>
+              </a:rPr>
+              <a:t> </a:t>
+            </a:r>
+            <a:r>
+              <a:rPr lang="es-MX" sz="1600" dirty="0">
+                <a:latin typeface="Arial" panose="020B0604020202020204" pitchFamily="34" charset="0"/>
+                <a:cs typeface="Arial" panose="020B0604020202020204" pitchFamily="34" charset="0"/>
+              </a:rPr>
+              <a:t>por el que vamos a </a:t>
+            </a:r>
+            <a:r>
+              <a:rPr lang="es-MX" sz="1600" b="1" dirty="0">
+                <a:latin typeface="Arial" panose="020B0604020202020204" pitchFamily="34" charset="0"/>
+                <a:cs typeface="Arial" panose="020B0604020202020204" pitchFamily="34" charset="0"/>
+              </a:rPr>
+              <a:t>escuchar </a:t>
+            </a:r>
+            <a:r>
+              <a:rPr lang="es-MX" sz="1600" dirty="0">
+                <a:latin typeface="Arial" panose="020B0604020202020204" pitchFamily="34" charset="0"/>
+                <a:cs typeface="Arial" panose="020B0604020202020204" pitchFamily="34" charset="0"/>
+              </a:rPr>
+              <a:t>o por el que me voy a </a:t>
+            </a:r>
+            <a:r>
+              <a:rPr lang="es-MX" sz="1600" b="1" dirty="0">
+                <a:latin typeface="Arial" panose="020B0604020202020204" pitchFamily="34" charset="0"/>
+                <a:cs typeface="Arial" panose="020B0604020202020204" pitchFamily="34" charset="0"/>
+              </a:rPr>
+              <a:t>conectar </a:t>
+            </a:r>
+            <a:r>
+              <a:rPr lang="es-MX" sz="1600" dirty="0">
+                <a:latin typeface="Arial" panose="020B0604020202020204" pitchFamily="34" charset="0"/>
+                <a:cs typeface="Arial" panose="020B0604020202020204" pitchFamily="34" charset="0"/>
+              </a:rPr>
+              <a:t>(puertos de las aplicaciones: web 80, telnet 23, etc.)</a:t>
+            </a:r>
+            <a:r>
+              <a:rPr lang="es-MX" sz="1600" b="1" dirty="0">
+                <a:latin typeface="Arial" panose="020B0604020202020204" pitchFamily="34" charset="0"/>
+                <a:cs typeface="Arial" panose="020B0604020202020204" pitchFamily="34" charset="0"/>
+              </a:rPr>
+              <a:t> </a:t>
+            </a:r>
+          </a:p>
+          <a:p>
+            <a:pPr marL="285750" indent="-285750" algn="just">
+              <a:lnSpc>
+                <a:spcPct val="150000"/>
+              </a:lnSpc>
+              <a:spcBef>
+                <a:spcPts val="600"/>
+              </a:spcBef>
+              <a:buFont typeface="Arial" panose="020B0604020202020204" pitchFamily="34" charset="0"/>
+              <a:buChar char="•"/>
+            </a:pPr>
+            <a:r>
+              <a:rPr lang="es-MX" sz="1600" dirty="0">
+                <a:latin typeface="Arial" panose="020B0604020202020204" pitchFamily="34" charset="0"/>
+                <a:cs typeface="Arial" panose="020B0604020202020204" pitchFamily="34" charset="0"/>
+              </a:rPr>
+              <a:t>Dirección </a:t>
+            </a:r>
+            <a:r>
+              <a:rPr lang="es-MX" sz="1600" b="1" dirty="0">
+                <a:latin typeface="Arial" panose="020B0604020202020204" pitchFamily="34" charset="0"/>
+                <a:cs typeface="Arial" panose="020B0604020202020204" pitchFamily="34" charset="0"/>
+              </a:rPr>
+              <a:t>IP pública global</a:t>
+            </a:r>
+            <a:r>
+              <a:rPr lang="es-MX" sz="1600" dirty="0">
+                <a:latin typeface="Arial" panose="020B0604020202020204" pitchFamily="34" charset="0"/>
+                <a:cs typeface="Arial" panose="020B0604020202020204" pitchFamily="34" charset="0"/>
+              </a:rPr>
+              <a:t>.</a:t>
+            </a:r>
+          </a:p>
+          <a:p>
+            <a:pPr marL="285750" indent="-285750" algn="just">
+              <a:lnSpc>
+                <a:spcPct val="150000"/>
+              </a:lnSpc>
+              <a:spcBef>
+                <a:spcPts val="600"/>
+              </a:spcBef>
+              <a:buFont typeface="Arial" panose="020B0604020202020204" pitchFamily="34" charset="0"/>
+              <a:buChar char="•"/>
+            </a:pPr>
+            <a:r>
+              <a:rPr lang="es-MX" sz="1600" b="1" dirty="0">
+                <a:latin typeface="Arial" panose="020B0604020202020204" pitchFamily="34" charset="0"/>
+                <a:cs typeface="Arial" panose="020B0604020202020204" pitchFamily="34" charset="0"/>
+              </a:rPr>
+              <a:t>Puerto global </a:t>
+            </a:r>
+            <a:r>
+              <a:rPr lang="es-MX" sz="1600" dirty="0">
+                <a:latin typeface="Arial" panose="020B0604020202020204" pitchFamily="34" charset="0"/>
+                <a:cs typeface="Arial" panose="020B0604020202020204" pitchFamily="34" charset="0"/>
+              </a:rPr>
+              <a:t>(TCP/UDP)</a:t>
+            </a:r>
+            <a:r>
+              <a:rPr lang="es-MX" sz="1600" b="1" dirty="0">
+                <a:latin typeface="Arial" panose="020B0604020202020204" pitchFamily="34" charset="0"/>
+                <a:cs typeface="Arial" panose="020B0604020202020204" pitchFamily="34" charset="0"/>
+              </a:rPr>
+              <a:t> </a:t>
+            </a:r>
+            <a:r>
+              <a:rPr lang="es-MX" sz="1600" dirty="0">
+                <a:latin typeface="Arial" panose="020B0604020202020204" pitchFamily="34" charset="0"/>
+                <a:cs typeface="Arial" panose="020B0604020202020204" pitchFamily="34" charset="0"/>
+              </a:rPr>
+              <a:t>por el que me van a </a:t>
+            </a:r>
+            <a:r>
+              <a:rPr lang="es-MX" sz="1600" b="1" dirty="0">
+                <a:latin typeface="Arial" panose="020B0604020202020204" pitchFamily="34" charset="0"/>
+                <a:cs typeface="Arial" panose="020B0604020202020204" pitchFamily="34" charset="0"/>
+              </a:rPr>
+              <a:t>contactar desde el exterior</a:t>
+            </a:r>
+            <a:r>
+              <a:rPr lang="es-MX" sz="1600" dirty="0">
+                <a:latin typeface="Arial" panose="020B0604020202020204" pitchFamily="34" charset="0"/>
+                <a:cs typeface="Arial" panose="020B0604020202020204" pitchFamily="34" charset="0"/>
+              </a:rPr>
+              <a:t> ( 2 a la 16 desde 1 hasta 65535).</a:t>
+            </a:r>
+            <a:r>
+              <a:rPr lang="es-MX" sz="1600" b="1" dirty="0">
+                <a:latin typeface="Arial" panose="020B0604020202020204" pitchFamily="34" charset="0"/>
+                <a:cs typeface="Arial" panose="020B0604020202020204" pitchFamily="34" charset="0"/>
+              </a:rPr>
+              <a:t> </a:t>
+            </a:r>
+            <a:endParaRPr lang="es-ES" sz="1800" dirty="0">
+              <a:latin typeface="Arial" panose="020B0604020202020204" pitchFamily="34" charset="0"/>
+              <a:cs typeface="Arial" panose="020B0604020202020204" pitchFamily="34" charset="0"/>
+            </a:endParaRPr>
+          </a:p>
+        </p:txBody>
+      </p:sp>
+    </p:spTree>
+    <p:extLst>
+      <p:ext uri="{BB962C8B-B14F-4D97-AF65-F5344CB8AC3E}">
+        <p14:creationId xmlns:p14="http://schemas.microsoft.com/office/powerpoint/2010/main" val="2263099170"/>
+      </p:ext>
+    </p:extLst>
+  </p:cSld>
+  <p:clrMapOvr>
+    <a:masterClrMapping/>
+  </p:clrMapOvr>
+  <p:timing>
+    <p:tnLst>
+      <p:par>
+        <p:cTn id="1" dur="indefinite" restart="never" nodeType="tmRoot">
+          <p:childTnLst>
+            <p:seq concurrent="1" nextAc="seek">
+              <p:cTn id="2" dur="indefinite" nodeType="mainSeq">
+                <p:childTnLst>
+                  <p:par>
+                    <p:cTn id="3" fill="hold">
+                      <p:stCondLst>
+                        <p:cond delay="indefinite"/>
+                      </p:stCondLst>
+                      <p:childTnLst>
+                        <p:par>
+                          <p:cTn id="4" fill="hold">
+                            <p:stCondLst>
+                              <p:cond delay="0"/>
+                            </p:stCondLst>
+                            <p:childTnLst>
+                              <p:par>
+                                <p:cTn id="5" presetID="1" presetClass="entr" presetSubtype="0" fill="hold" grpId="0" nodeType="clickEffect">
+                                  <p:stCondLst>
+                                    <p:cond delay="0"/>
+                                  </p:stCondLst>
+                                  <p:childTnLst>
+                                    <p:set>
+                                      <p:cBhvr>
+                                        <p:cTn id="6" dur="1" fill="hold">
+                                          <p:stCondLst>
+                                            <p:cond delay="0"/>
+                                          </p:stCondLst>
+                                        </p:cTn>
+                                        <p:tgtEl>
+                                          <p:spTgt spid="7"/>
+                                        </p:tgtEl>
+                                        <p:attrNameLst>
+                                          <p:attrName>style.visibility</p:attrName>
+                                        </p:attrNameLst>
+                                      </p:cBhvr>
+                                      <p:to>
+                                        <p:strVal val="visible"/>
+                                      </p:to>
+                                    </p:set>
+                                  </p:childTnLst>
+                                </p:cTn>
+                              </p:par>
+                            </p:childTnLst>
+                          </p:cTn>
+                        </p:par>
+                      </p:childTnLst>
+                    </p:cTn>
+                  </p:par>
+                  <p:par>
+                    <p:cTn id="7" fill="hold">
+                      <p:stCondLst>
+                        <p:cond delay="indefinite"/>
+                      </p:stCondLst>
+                      <p:childTnLst>
+                        <p:par>
+                          <p:cTn id="8" fill="hold">
+                            <p:stCondLst>
+                              <p:cond delay="0"/>
+                            </p:stCondLst>
+                            <p:childTnLst>
+                              <p:par>
+                                <p:cTn id="9" presetID="1" presetClass="entr" presetSubtype="0" fill="hold" grpId="0" nodeType="clickEffect">
+                                  <p:stCondLst>
+                                    <p:cond delay="0"/>
+                                  </p:stCondLst>
+                                  <p:childTnLst>
+                                    <p:set>
+                                      <p:cBhvr>
+                                        <p:cTn id="10" dur="1" fill="hold">
+                                          <p:stCondLst>
+                                            <p:cond delay="0"/>
+                                          </p:stCondLst>
+                                        </p:cTn>
+                                        <p:tgtEl>
+                                          <p:spTgt spid="6"/>
+                                        </p:tgtEl>
+                                        <p:attrNameLst>
+                                          <p:attrName>style.visibility</p:attrName>
+                                        </p:attrNameLst>
+                                      </p:cBhvr>
+                                      <p:to>
+                                        <p:strVal val="visible"/>
+                                      </p:to>
+                                    </p:set>
+                                  </p:childTnLst>
+                                </p:cTn>
+                              </p:par>
+                            </p:childTnLst>
+                          </p:cTn>
+                        </p:par>
+                      </p:childTnLst>
+                    </p:cTn>
+                  </p:par>
+                </p:childTnLst>
+              </p:cTn>
+              <p:prevCondLst>
+                <p:cond evt="onPrev" delay="0">
+                  <p:tgtEl>
+                    <p:sldTgt/>
+                  </p:tgtEl>
+                </p:cond>
+              </p:prevCondLst>
+              <p:nextCondLst>
+                <p:cond evt="onNext" delay="0">
+                  <p:tgtEl>
+                    <p:sldTgt/>
+                  </p:tgtEl>
+                </p:cond>
+              </p:nextCondLst>
+            </p:seq>
+          </p:childTnLst>
+        </p:cTn>
+      </p:par>
+    </p:tnLst>
+    <p:bldLst>
+      <p:bldP spid="7" grpId="0"/>
+      <p:bldP spid="6" grpId="0"/>
     </p:bldLst>
   </p:timing>
 </p:sld>
@@ -18011,7 +17052,7 @@
                 <a:latin typeface="Arial" panose="020B0604020202020204" pitchFamily="34" charset="0"/>
                 <a:cs typeface="Arial" panose="020B0604020202020204" pitchFamily="34" charset="0"/>
               </a:rPr>
-              <a:t>Port </a:t>
+              <a:t>PAT con una sola dirección y </a:t>
             </a:r>
             <a:r>
               <a:rPr lang="es-MX" sz="1600" b="1" dirty="0" err="1">
@@ -18023,6 +17064,30 @@
                 <a:latin typeface="Arial" panose="020B0604020202020204" pitchFamily="34" charset="0"/>
                 <a:cs typeface="Arial" panose="020B0604020202020204" pitchFamily="34" charset="0"/>
               </a:rPr>
+              <a:t>port</a:t>
+            </a:r>
+            <a:r>
+              <a:rPr lang="es-MX" sz="1600" b="1" dirty="0">
+                <a:solidFill>
+                  <a:schemeClr val="accent6">
+                    <a:lumMod val="75000"/>
+                  </a:schemeClr>
+                </a:solidFill>
+                <a:latin typeface="Arial" panose="020B0604020202020204" pitchFamily="34" charset="0"/>
+                <a:cs typeface="Arial" panose="020B0604020202020204" pitchFamily="34" charset="0"/>
+              </a:rPr>
+              <a:t> </a:t>
+            </a:r>
+            <a:r>
+              <a:rPr lang="es-MX" sz="1600" b="1" dirty="0" err="1">
+                <a:solidFill>
+                  <a:schemeClr val="accent6">
+                    <a:lumMod val="75000"/>
+                  </a:schemeClr>
+                </a:solidFill>
+                <a:latin typeface="Arial" panose="020B0604020202020204" pitchFamily="34" charset="0"/>
+                <a:cs typeface="Arial" panose="020B0604020202020204" pitchFamily="34" charset="0"/>
+              </a:rPr>
               <a:t>forwarding</a:t>
             </a:r>
             <a:r>
@@ -18042,7 +17107,7 @@
                 <a:latin typeface="Arial" panose="020B0604020202020204" pitchFamily="34" charset="0"/>
                 <a:cs typeface="Arial" panose="020B0604020202020204" pitchFamily="34" charset="0"/>
               </a:rPr>
-              <a:t>Muchas direcciones IP privadas se traducen con una dirección IP pública,</a:t>
+              <a:t>Muchas direcciones IP privadas se traducen con una sola dirección IP pública,</a:t>
             </a:r>
             <a:r>
               <a:rPr lang="es-ES" sz="1600" dirty="0">
